--- a/Making a Ringbuffer.pptx
+++ b/Making a Ringbuffer.pptx
@@ -5,7 +5,7 @@
     <p:sldMasterId id="2147483648" r:id="rId1"/>
   </p:sldMasterIdLst>
   <p:notesMasterIdLst>
-    <p:notesMasterId r:id="rId37"/>
+    <p:notesMasterId r:id="rId38"/>
   </p:notesMasterIdLst>
   <p:sldIdLst>
     <p:sldId id="256" r:id="rId2"/>
@@ -22,27 +22,28 @@
     <p:sldId id="289" r:id="rId13"/>
     <p:sldId id="284" r:id="rId14"/>
     <p:sldId id="265" r:id="rId15"/>
-    <p:sldId id="261" r:id="rId16"/>
-    <p:sldId id="290" r:id="rId17"/>
-    <p:sldId id="266" r:id="rId18"/>
-    <p:sldId id="270" r:id="rId19"/>
-    <p:sldId id="292" r:id="rId20"/>
-    <p:sldId id="267" r:id="rId21"/>
-    <p:sldId id="293" r:id="rId22"/>
-    <p:sldId id="271" r:id="rId23"/>
-    <p:sldId id="264" r:id="rId24"/>
-    <p:sldId id="295" r:id="rId25"/>
-    <p:sldId id="272" r:id="rId26"/>
-    <p:sldId id="296" r:id="rId27"/>
-    <p:sldId id="283" r:id="rId28"/>
-    <p:sldId id="275" r:id="rId29"/>
-    <p:sldId id="297" r:id="rId30"/>
-    <p:sldId id="276" r:id="rId31"/>
-    <p:sldId id="291" r:id="rId32"/>
-    <p:sldId id="281" r:id="rId33"/>
-    <p:sldId id="282" r:id="rId34"/>
-    <p:sldId id="294" r:id="rId35"/>
-    <p:sldId id="277" r:id="rId36"/>
+    <p:sldId id="299" r:id="rId16"/>
+    <p:sldId id="261" r:id="rId17"/>
+    <p:sldId id="290" r:id="rId18"/>
+    <p:sldId id="266" r:id="rId19"/>
+    <p:sldId id="270" r:id="rId20"/>
+    <p:sldId id="292" r:id="rId21"/>
+    <p:sldId id="267" r:id="rId22"/>
+    <p:sldId id="293" r:id="rId23"/>
+    <p:sldId id="271" r:id="rId24"/>
+    <p:sldId id="264" r:id="rId25"/>
+    <p:sldId id="295" r:id="rId26"/>
+    <p:sldId id="272" r:id="rId27"/>
+    <p:sldId id="296" r:id="rId28"/>
+    <p:sldId id="283" r:id="rId29"/>
+    <p:sldId id="275" r:id="rId30"/>
+    <p:sldId id="297" r:id="rId31"/>
+    <p:sldId id="276" r:id="rId32"/>
+    <p:sldId id="291" r:id="rId33"/>
+    <p:sldId id="281" r:id="rId34"/>
+    <p:sldId id="298" r:id="rId35"/>
+    <p:sldId id="282" r:id="rId36"/>
+    <p:sldId id="294" r:id="rId37"/>
   </p:sldIdLst>
   <p:sldSz cx="12192000" cy="6858000"/>
   <p:notesSz cx="6881813" cy="9296400"/>
@@ -762,23 +763,23 @@
                 <c:formatCode>General</c:formatCode>
                 <c:ptCount val="4"/>
                 <c:pt idx="0">
-                  <c:v>508.6</c:v>
+                  <c:v>497.5</c:v>
                 </c:pt>
                 <c:pt idx="1">
-                  <c:v>1525.8</c:v>
+                  <c:v>1226.0999999999999</c:v>
                 </c:pt>
                 <c:pt idx="2">
-                  <c:v>21.1</c:v>
+                  <c:v>19.2</c:v>
                 </c:pt>
                 <c:pt idx="3">
-                  <c:v>381.4</c:v>
+                  <c:v>246.1</c:v>
                 </c:pt>
               </c:numCache>
             </c:numRef>
           </c:val>
           <c:extLst>
             <c:ext xmlns:c16="http://schemas.microsoft.com/office/drawing/2014/chart" uri="{C3380CC4-5D6E-409C-BE32-E72D297353CC}">
-              <c16:uniqueId val="{00000000-3900-47F5-BD8C-2509D8D69F42}"/>
+              <c16:uniqueId val="{00000000-9FFE-4ACF-9F77-B178BFE2128B}"/>
             </c:ext>
           </c:extLst>
         </c:ser>
@@ -833,23 +834,23 @@
                 <c:formatCode>General</c:formatCode>
                 <c:ptCount val="4"/>
                 <c:pt idx="0">
-                  <c:v>508.6</c:v>
+                  <c:v>497.5</c:v>
                 </c:pt>
                 <c:pt idx="1">
-                  <c:v>1525.8</c:v>
+                  <c:v>1492.7</c:v>
                 </c:pt>
                 <c:pt idx="2">
-                  <c:v>20.6</c:v>
+                  <c:v>21.1</c:v>
                 </c:pt>
                 <c:pt idx="3">
-                  <c:v>381.4</c:v>
+                  <c:v>254.3</c:v>
                 </c:pt>
               </c:numCache>
             </c:numRef>
           </c:val>
           <c:extLst>
             <c:ext xmlns:c16="http://schemas.microsoft.com/office/drawing/2014/chart" uri="{C3380CC4-5D6E-409C-BE32-E72D297353CC}">
-              <c16:uniqueId val="{00000001-3900-47F5-BD8C-2509D8D69F42}"/>
+              <c16:uniqueId val="{00000001-9FFE-4ACF-9F77-B178BFE2128B}"/>
             </c:ext>
           </c:extLst>
         </c:ser>
@@ -1210,7 +1211,7 @@
           </c:val>
           <c:extLst>
             <c:ext xmlns:c16="http://schemas.microsoft.com/office/drawing/2014/chart" uri="{C3380CC4-5D6E-409C-BE32-E72D297353CC}">
-              <c16:uniqueId val="{00000000-16DE-4D4D-92BF-E4E3B2574A0D}"/>
+              <c16:uniqueId val="{00000000-CBFD-4D60-B336-DC110178B7C3}"/>
             </c:ext>
           </c:extLst>
         </c:ser>
@@ -1309,7 +1310,7 @@
           </c:val>
           <c:extLst>
             <c:ext xmlns:c16="http://schemas.microsoft.com/office/drawing/2014/chart" uri="{C3380CC4-5D6E-409C-BE32-E72D297353CC}">
-              <c16:uniqueId val="{00000001-16DE-4D4D-92BF-E4E3B2574A0D}"/>
+              <c16:uniqueId val="{00000001-CBFD-4D60-B336-DC110178B7C3}"/>
             </c:ext>
           </c:extLst>
         </c:ser>
@@ -1408,7 +1409,7 @@
           </c:val>
           <c:extLst>
             <c:ext xmlns:c16="http://schemas.microsoft.com/office/drawing/2014/chart" uri="{C3380CC4-5D6E-409C-BE32-E72D297353CC}">
-              <c16:uniqueId val="{00000002-16DE-4D4D-92BF-E4E3B2574A0D}"/>
+              <c16:uniqueId val="{00000002-CBFD-4D60-B336-DC110178B7C3}"/>
             </c:ext>
           </c:extLst>
         </c:ser>
@@ -1507,7 +1508,7 @@
           </c:val>
           <c:extLst>
             <c:ext xmlns:c16="http://schemas.microsoft.com/office/drawing/2014/chart" uri="{C3380CC4-5D6E-409C-BE32-E72D297353CC}">
-              <c16:uniqueId val="{00000003-16DE-4D4D-92BF-E4E3B2574A0D}"/>
+              <c16:uniqueId val="{00000003-CBFD-4D60-B336-DC110178B7C3}"/>
             </c:ext>
           </c:extLst>
         </c:ser>
@@ -1599,14 +1600,14 @@
                 <c:formatCode>General</c:formatCode>
                 <c:ptCount val="1"/>
                 <c:pt idx="0">
-                  <c:v>56</c:v>
+                  <c:v>63.5</c:v>
                 </c:pt>
               </c:numCache>
             </c:numRef>
           </c:val>
           <c:extLst>
             <c:ext xmlns:c16="http://schemas.microsoft.com/office/drawing/2014/chart" uri="{C3380CC4-5D6E-409C-BE32-E72D297353CC}">
-              <c16:uniqueId val="{00000004-16DE-4D4D-92BF-E4E3B2574A0D}"/>
+              <c16:uniqueId val="{00000004-CBFD-4D60-B336-DC110178B7C3}"/>
             </c:ext>
           </c:extLst>
         </c:ser>
@@ -1705,7 +1706,7 @@
           </c:val>
           <c:extLst>
             <c:ext xmlns:c16="http://schemas.microsoft.com/office/drawing/2014/chart" uri="{C3380CC4-5D6E-409C-BE32-E72D297353CC}">
-              <c16:uniqueId val="{00000005-16DE-4D4D-92BF-E4E3B2574A0D}"/>
+              <c16:uniqueId val="{00000005-CBFD-4D60-B336-DC110178B7C3}"/>
             </c:ext>
           </c:extLst>
         </c:ser>
@@ -1806,7 +1807,7 @@
           </c:val>
           <c:extLst>
             <c:ext xmlns:c16="http://schemas.microsoft.com/office/drawing/2014/chart" uri="{C3380CC4-5D6E-409C-BE32-E72D297353CC}">
-              <c16:uniqueId val="{00000006-16DE-4D4D-92BF-E4E3B2574A0D}"/>
+              <c16:uniqueId val="{00000006-CBFD-4D60-B336-DC110178B7C3}"/>
             </c:ext>
           </c:extLst>
         </c:ser>
@@ -1907,7 +1908,7 @@
           </c:val>
           <c:extLst>
             <c:ext xmlns:c16="http://schemas.microsoft.com/office/drawing/2014/chart" uri="{C3380CC4-5D6E-409C-BE32-E72D297353CC}">
-              <c16:uniqueId val="{00000007-16DE-4D4D-92BF-E4E3B2574A0D}"/>
+              <c16:uniqueId val="{00000007-CBFD-4D60-B336-DC110178B7C3}"/>
             </c:ext>
           </c:extLst>
         </c:ser>
@@ -2001,14 +2002,14 @@
                 <c:formatCode>General</c:formatCode>
                 <c:ptCount val="1"/>
                 <c:pt idx="0">
-                  <c:v>1589.4</c:v>
+                  <c:v>1192</c:v>
                 </c:pt>
               </c:numCache>
             </c:numRef>
           </c:val>
           <c:extLst>
             <c:ext xmlns:c16="http://schemas.microsoft.com/office/drawing/2014/chart" uri="{C3380CC4-5D6E-409C-BE32-E72D297353CC}">
-              <c16:uniqueId val="{00000008-16DE-4D4D-92BF-E4E3B2574A0D}"/>
+              <c16:uniqueId val="{00000008-CBFD-4D60-B336-DC110178B7C3}"/>
             </c:ext>
           </c:extLst>
         </c:ser>
@@ -2109,7 +2110,7 @@
           </c:val>
           <c:extLst>
             <c:ext xmlns:c16="http://schemas.microsoft.com/office/drawing/2014/chart" uri="{C3380CC4-5D6E-409C-BE32-E72D297353CC}">
-              <c16:uniqueId val="{00000009-16DE-4D4D-92BF-E4E3B2574A0D}"/>
+              <c16:uniqueId val="{00000009-CBFD-4D60-B336-DC110178B7C3}"/>
             </c:ext>
           </c:extLst>
         </c:ser>
@@ -2379,7 +2380,7 @@
           </c:val>
           <c:extLst>
             <c:ext xmlns:c16="http://schemas.microsoft.com/office/drawing/2014/chart" uri="{C3380CC4-5D6E-409C-BE32-E72D297353CC}">
-              <c16:uniqueId val="{00000000-4039-4F3B-ACAA-34764ADCA507}"/>
+              <c16:uniqueId val="{00000000-EBB2-467E-9342-DFCA27BFB4CD}"/>
             </c:ext>
           </c:extLst>
         </c:ser>
@@ -2471,14 +2472,14 @@
                 <c:formatCode>General</c:formatCode>
                 <c:ptCount val="1"/>
                 <c:pt idx="0">
-                  <c:v>11.2</c:v>
+                  <c:v>11.9</c:v>
                 </c:pt>
               </c:numCache>
             </c:numRef>
           </c:val>
           <c:extLst>
             <c:ext xmlns:c16="http://schemas.microsoft.com/office/drawing/2014/chart" uri="{C3380CC4-5D6E-409C-BE32-E72D297353CC}">
-              <c16:uniqueId val="{00000001-4039-4F3B-ACAA-34764ADCA507}"/>
+              <c16:uniqueId val="{00000001-EBB2-467E-9342-DFCA27BFB4CD}"/>
             </c:ext>
           </c:extLst>
         </c:ser>
@@ -2570,14 +2571,14 @@
                 <c:formatCode>General</c:formatCode>
                 <c:ptCount val="1"/>
                 <c:pt idx="0">
-                  <c:v>11.2</c:v>
+                  <c:v>11.9</c:v>
                 </c:pt>
               </c:numCache>
             </c:numRef>
           </c:val>
           <c:extLst>
             <c:ext xmlns:c16="http://schemas.microsoft.com/office/drawing/2014/chart" uri="{C3380CC4-5D6E-409C-BE32-E72D297353CC}">
-              <c16:uniqueId val="{00000002-4039-4F3B-ACAA-34764ADCA507}"/>
+              <c16:uniqueId val="{00000002-EBB2-467E-9342-DFCA27BFB4CD}"/>
             </c:ext>
           </c:extLst>
         </c:ser>
@@ -2669,14 +2670,14 @@
                 <c:formatCode>General</c:formatCode>
                 <c:ptCount val="1"/>
                 <c:pt idx="0">
-                  <c:v>19</c:v>
+                  <c:v>20</c:v>
                 </c:pt>
               </c:numCache>
             </c:numRef>
           </c:val>
           <c:extLst>
             <c:ext xmlns:c16="http://schemas.microsoft.com/office/drawing/2014/chart" uri="{C3380CC4-5D6E-409C-BE32-E72D297353CC}">
-              <c16:uniqueId val="{00000003-4039-4F3B-ACAA-34764ADCA507}"/>
+              <c16:uniqueId val="{00000003-EBB2-467E-9342-DFCA27BFB4CD}"/>
             </c:ext>
           </c:extLst>
         </c:ser>
@@ -2768,14 +2769,14 @@
                 <c:formatCode>General</c:formatCode>
                 <c:ptCount val="1"/>
                 <c:pt idx="0">
-                  <c:v>20</c:v>
+                  <c:v>21.1</c:v>
                 </c:pt>
               </c:numCache>
             </c:numRef>
           </c:val>
           <c:extLst>
             <c:ext xmlns:c16="http://schemas.microsoft.com/office/drawing/2014/chart" uri="{C3380CC4-5D6E-409C-BE32-E72D297353CC}">
-              <c16:uniqueId val="{00000004-4039-4F3B-ACAA-34764ADCA507}"/>
+              <c16:uniqueId val="{00000004-EBB2-467E-9342-DFCA27BFB4CD}"/>
             </c:ext>
           </c:extLst>
         </c:ser>
@@ -2867,14 +2868,14 @@
                 <c:formatCode>General</c:formatCode>
                 <c:ptCount val="1"/>
                 <c:pt idx="0">
-                  <c:v>21.1</c:v>
+                  <c:v>22.4</c:v>
                 </c:pt>
               </c:numCache>
             </c:numRef>
           </c:val>
           <c:extLst>
             <c:ext xmlns:c16="http://schemas.microsoft.com/office/drawing/2014/chart" uri="{C3380CC4-5D6E-409C-BE32-E72D297353CC}">
-              <c16:uniqueId val="{00000005-4039-4F3B-ACAA-34764ADCA507}"/>
+              <c16:uniqueId val="{00000005-EBB2-467E-9342-DFCA27BFB4CD}"/>
             </c:ext>
           </c:extLst>
         </c:ser>
@@ -2975,7 +2976,7 @@
           </c:val>
           <c:extLst>
             <c:ext xmlns:c16="http://schemas.microsoft.com/office/drawing/2014/chart" uri="{C3380CC4-5D6E-409C-BE32-E72D297353CC}">
-              <c16:uniqueId val="{00000006-4039-4F3B-ACAA-34764ADCA507}"/>
+              <c16:uniqueId val="{00000006-EBB2-467E-9342-DFCA27BFB4CD}"/>
             </c:ext>
           </c:extLst>
         </c:ser>
@@ -3069,14 +3070,14 @@
                 <c:formatCode>General</c:formatCode>
                 <c:ptCount val="1"/>
                 <c:pt idx="0">
-                  <c:v>272.39999999999998</c:v>
+                  <c:v>254.3</c:v>
                 </c:pt>
               </c:numCache>
             </c:numRef>
           </c:val>
           <c:extLst>
             <c:ext xmlns:c16="http://schemas.microsoft.com/office/drawing/2014/chart" uri="{C3380CC4-5D6E-409C-BE32-E72D297353CC}">
-              <c16:uniqueId val="{00000007-4039-4F3B-ACAA-34764ADCA507}"/>
+              <c16:uniqueId val="{00000007-EBB2-467E-9342-DFCA27BFB4CD}"/>
             </c:ext>
           </c:extLst>
         </c:ser>
@@ -6005,13 +6006,13 @@
                   <c:v>363.3</c:v>
                 </c:pt>
                 <c:pt idx="1">
-                  <c:v>317.8</c:v>
+                  <c:v>305.10000000000002</c:v>
                 </c:pt>
                 <c:pt idx="2">
-                  <c:v>317.8</c:v>
+                  <c:v>305.10000000000002</c:v>
                 </c:pt>
                 <c:pt idx="3">
-                  <c:v>317.8</c:v>
+                  <c:v>305.10000000000002</c:v>
                 </c:pt>
                 <c:pt idx="4">
                   <c:v>317.8</c:v>
@@ -6021,7 +6022,7 @@
           </c:val>
           <c:extLst>
             <c:ext xmlns:c16="http://schemas.microsoft.com/office/drawing/2014/chart" uri="{C3380CC4-5D6E-409C-BE32-E72D297353CC}">
-              <c16:uniqueId val="{00000000-B6A3-48E0-80A0-BA1D6EDF5819}"/>
+              <c16:uniqueId val="{00000000-C52F-4B82-AA1C-825FEB863FF1}"/>
             </c:ext>
           </c:extLst>
         </c:ser>
@@ -6098,7 +6099,7 @@
           </c:val>
           <c:extLst>
             <c:ext xmlns:c16="http://schemas.microsoft.com/office/drawing/2014/chart" uri="{C3380CC4-5D6E-409C-BE32-E72D297353CC}">
-              <c16:uniqueId val="{00000001-B6A3-48E0-80A0-BA1D6EDF5819}"/>
+              <c16:uniqueId val="{00000001-C52F-4B82-AA1C-825FEB863FF1}"/>
             </c:ext>
           </c:extLst>
         </c:ser>
@@ -6159,23 +6160,23 @@
                   <c:v>363.3</c:v>
                 </c:pt>
                 <c:pt idx="1">
-                  <c:v>317.8</c:v>
+                  <c:v>305.10000000000002</c:v>
                 </c:pt>
                 <c:pt idx="2">
-                  <c:v>317.8</c:v>
+                  <c:v>305.10000000000002</c:v>
                 </c:pt>
                 <c:pt idx="3">
-                  <c:v>317.8</c:v>
+                  <c:v>305.10000000000002</c:v>
                 </c:pt>
                 <c:pt idx="4">
-                  <c:v>317.8</c:v>
+                  <c:v>331.7</c:v>
                 </c:pt>
               </c:numCache>
             </c:numRef>
           </c:val>
           <c:extLst>
             <c:ext xmlns:c16="http://schemas.microsoft.com/office/drawing/2014/chart" uri="{C3380CC4-5D6E-409C-BE32-E72D297353CC}">
-              <c16:uniqueId val="{00000002-B6A3-48E0-80A0-BA1D6EDF5819}"/>
+              <c16:uniqueId val="{00000002-C52F-4B82-AA1C-825FEB863FF1}"/>
             </c:ext>
           </c:extLst>
         </c:ser>
@@ -6252,7 +6253,7 @@
           </c:val>
           <c:extLst>
             <c:ext xmlns:c16="http://schemas.microsoft.com/office/drawing/2014/chart" uri="{C3380CC4-5D6E-409C-BE32-E72D297353CC}">
-              <c16:uniqueId val="{00000003-B6A3-48E0-80A0-BA1D6EDF5819}"/>
+              <c16:uniqueId val="{00000003-C52F-4B82-AA1C-825FEB863FF1}"/>
             </c:ext>
           </c:extLst>
         </c:ser>
@@ -6577,26 +6578,26 @@
                 <c:formatCode>General</c:formatCode>
                 <c:ptCount val="5"/>
                 <c:pt idx="0">
-                  <c:v>19.5</c:v>
+                  <c:v>20</c:v>
                 </c:pt>
                 <c:pt idx="1">
                   <c:v>19.5</c:v>
                 </c:pt>
                 <c:pt idx="2">
-                  <c:v>20</c:v>
+                  <c:v>19.5</c:v>
                 </c:pt>
                 <c:pt idx="3">
-                  <c:v>20</c:v>
+                  <c:v>19.5</c:v>
                 </c:pt>
                 <c:pt idx="4">
-                  <c:v>21.1</c:v>
+                  <c:v>19.5</c:v>
                 </c:pt>
               </c:numCache>
             </c:numRef>
           </c:val>
           <c:extLst>
             <c:ext xmlns:c16="http://schemas.microsoft.com/office/drawing/2014/chart" uri="{C3380CC4-5D6E-409C-BE32-E72D297353CC}">
-              <c16:uniqueId val="{00000000-B17D-4BAC-925E-ED80EA70DDC3}"/>
+              <c16:uniqueId val="{00000000-D696-4F57-AF70-5D4EFF4AC7BA}"/>
             </c:ext>
           </c:extLst>
         </c:ser>
@@ -6654,26 +6655,26 @@
                 <c:formatCode>General</c:formatCode>
                 <c:ptCount val="5"/>
                 <c:pt idx="0">
-                  <c:v>19</c:v>
+                  <c:v>19.5</c:v>
                 </c:pt>
                 <c:pt idx="1">
-                  <c:v>20</c:v>
+                  <c:v>19.5</c:v>
                 </c:pt>
                 <c:pt idx="2">
-                  <c:v>19.5</c:v>
+                  <c:v>20</c:v>
                 </c:pt>
                 <c:pt idx="3">
                   <c:v>20</c:v>
                 </c:pt>
                 <c:pt idx="4">
-                  <c:v>20.6</c:v>
+                  <c:v>19.5</c:v>
                 </c:pt>
               </c:numCache>
             </c:numRef>
           </c:val>
           <c:extLst>
             <c:ext xmlns:c16="http://schemas.microsoft.com/office/drawing/2014/chart" uri="{C3380CC4-5D6E-409C-BE32-E72D297353CC}">
-              <c16:uniqueId val="{00000001-B17D-4BAC-925E-ED80EA70DDC3}"/>
+              <c16:uniqueId val="{00000001-D696-4F57-AF70-5D4EFF4AC7BA}"/>
             </c:ext>
           </c:extLst>
         </c:ser>
@@ -6731,26 +6732,26 @@
                 <c:formatCode>General</c:formatCode>
                 <c:ptCount val="5"/>
                 <c:pt idx="0">
-                  <c:v>19.5</c:v>
+                  <c:v>20</c:v>
                 </c:pt>
                 <c:pt idx="1">
                   <c:v>20</c:v>
                 </c:pt>
                 <c:pt idx="2">
-                  <c:v>21.1</c:v>
+                  <c:v>19</c:v>
                 </c:pt>
                 <c:pt idx="3">
-                  <c:v>20.6</c:v>
+                  <c:v>19.5</c:v>
                 </c:pt>
                 <c:pt idx="4">
-                  <c:v>21.1</c:v>
+                  <c:v>19</c:v>
                 </c:pt>
               </c:numCache>
             </c:numRef>
           </c:val>
           <c:extLst>
             <c:ext xmlns:c16="http://schemas.microsoft.com/office/drawing/2014/chart" uri="{C3380CC4-5D6E-409C-BE32-E72D297353CC}">
-              <c16:uniqueId val="{00000002-B17D-4BAC-925E-ED80EA70DDC3}"/>
+              <c16:uniqueId val="{00000002-D696-4F57-AF70-5D4EFF4AC7BA}"/>
             </c:ext>
           </c:extLst>
         </c:ser>
@@ -6808,26 +6809,26 @@
                 <c:formatCode>General</c:formatCode>
                 <c:ptCount val="5"/>
                 <c:pt idx="0">
-                  <c:v>18.600000000000001</c:v>
+                  <c:v>20</c:v>
                 </c:pt>
                 <c:pt idx="1">
-                  <c:v>19</c:v>
+                  <c:v>20</c:v>
                 </c:pt>
                 <c:pt idx="2">
-                  <c:v>22.4</c:v>
+                  <c:v>20</c:v>
                 </c:pt>
                 <c:pt idx="3">
-                  <c:v>21.7</c:v>
+                  <c:v>20</c:v>
                 </c:pt>
                 <c:pt idx="4">
-                  <c:v>21.7</c:v>
+                  <c:v>20.6</c:v>
                 </c:pt>
               </c:numCache>
             </c:numRef>
           </c:val>
           <c:extLst>
             <c:ext xmlns:c16="http://schemas.microsoft.com/office/drawing/2014/chart" uri="{C3380CC4-5D6E-409C-BE32-E72D297353CC}">
-              <c16:uniqueId val="{00000003-B17D-4BAC-925E-ED80EA70DDC3}"/>
+              <c16:uniqueId val="{00000003-D696-4F57-AF70-5D4EFF4AC7BA}"/>
             </c:ext>
           </c:extLst>
         </c:ser>
@@ -14049,7 +14050,7 @@
           <a:p>
             <a:fld id="{3DB997B5-F443-4B54-8557-95313D749779}" type="slidenum">
               <a:rPr lang="en-US" smtClean="0"/>
-              <a:t>16</a:t>
+              <a:t>17</a:t>
             </a:fld>
             <a:endParaRPr lang="en-US"/>
           </a:p>
@@ -14191,7 +14192,7 @@
           <a:p>
             <a:fld id="{3DB997B5-F443-4B54-8557-95313D749779}" type="slidenum">
               <a:rPr lang="en-US" smtClean="0"/>
-              <a:t>20</a:t>
+              <a:t>21</a:t>
             </a:fld>
             <a:endParaRPr lang="en-US"/>
           </a:p>
@@ -14256,32 +14257,30 @@
           <a:p>
             <a:r>
               <a:rPr lang="en-US" dirty="0"/>
-              <a:t>Paper </a:t>
+              <a:t>TODO – can possibly change to not use 2 mod per loop – mod in array </a:t>
             </a:r>
             <a:r>
               <a:rPr lang="en-US" dirty="0" err="1"/>
-              <a:t>WeakRB</a:t>
-            </a:r>
-            <a:endParaRPr lang="en-US" dirty="0"/>
-          </a:p>
-          <a:p>
+              <a:t>w+i</a:t>
+            </a:r>
             <a:r>
               <a:rPr lang="en-US" dirty="0"/>
-              <a:t>Paper shows only 1.25% of possible throughout on ARM, 0.6% on PC</a:t>
-            </a:r>
-          </a:p>
-          <a:p>
+              <a:t>, then out of loop mod2n final </a:t>
+            </a:r>
             <a:r>
               <a:rPr lang="en-US" dirty="0" err="1"/>
-              <a:t>WeakRB</a:t>
-            </a:r>
-            <a:endParaRPr lang="en-US" dirty="0"/>
-          </a:p>
-          <a:p>
-            <a:pPr lvl="1"/>
+              <a:t>w+n</a:t>
+            </a:r>
             <a:r>
               <a:rPr lang="en-US" dirty="0"/>
-              <a:t>Software caches to prevent multiple needs to check atomic</a:t>
+              <a:t> – errors – why?</a:t>
+            </a:r>
+            <a:br>
+              <a:rPr lang="en-US" dirty="0"/>
+            </a:br>
+            <a:r>
+              <a:rPr lang="en-US" dirty="0"/>
+              <a:t>Possibly can split into values that stay in bounds, and do those – remove all per loop mod</a:t>
             </a:r>
           </a:p>
           <a:p>
@@ -14307,6 +14306,121 @@
             <a:fld id="{3DB997B5-F443-4B54-8557-95313D749779}" type="slidenum">
               <a:rPr lang="en-US" smtClean="0"/>
               <a:t>28</a:t>
+            </a:fld>
+            <a:endParaRPr lang="en-US"/>
+          </a:p>
+        </p:txBody>
+      </p:sp>
+    </p:spTree>
+    <p:extLst>
+      <p:ext uri="{BB962C8B-B14F-4D97-AF65-F5344CB8AC3E}">
+        <p14:creationId xmlns:p14="http://schemas.microsoft.com/office/powerpoint/2010/main" val="3404836063"/>
+      </p:ext>
+    </p:extLst>
+  </p:cSld>
+  <p:clrMapOvr>
+    <a:masterClrMapping/>
+  </p:clrMapOvr>
+</p:notes>
+</file>
+
+<file path=ppt/notesSlides/notesSlide5.xml><?xml version="1.0" encoding="utf-8"?>
+<p:notes xmlns:a="http://schemas.openxmlformats.org/drawingml/2006/main" xmlns:r="http://schemas.openxmlformats.org/officeDocument/2006/relationships" xmlns:p="http://schemas.openxmlformats.org/presentationml/2006/main">
+  <p:cSld>
+    <p:spTree>
+      <p:nvGrpSpPr>
+        <p:cNvPr id="1" name=""/>
+        <p:cNvGrpSpPr/>
+        <p:nvPr/>
+      </p:nvGrpSpPr>
+      <p:grpSpPr>
+        <a:xfrm>
+          <a:off x="0" y="0"/>
+          <a:ext cx="0" cy="0"/>
+          <a:chOff x="0" y="0"/>
+          <a:chExt cx="0" cy="0"/>
+        </a:xfrm>
+      </p:grpSpPr>
+      <p:sp>
+        <p:nvSpPr>
+          <p:cNvPr id="2" name="Slide Image Placeholder 1"/>
+          <p:cNvSpPr>
+            <a:spLocks noGrp="1" noRot="1" noChangeAspect="1"/>
+          </p:cNvSpPr>
+          <p:nvPr>
+            <p:ph type="sldImg"/>
+          </p:nvPr>
+        </p:nvSpPr>
+        <p:spPr/>
+      </p:sp>
+      <p:sp>
+        <p:nvSpPr>
+          <p:cNvPr id="3" name="Notes Placeholder 2"/>
+          <p:cNvSpPr>
+            <a:spLocks noGrp="1"/>
+          </p:cNvSpPr>
+          <p:nvPr>
+            <p:ph type="body" idx="1"/>
+          </p:nvPr>
+        </p:nvSpPr>
+        <p:spPr/>
+        <p:txBody>
+          <a:bodyPr/>
+          <a:lstStyle/>
+          <a:p>
+            <a:r>
+              <a:rPr lang="en-US" dirty="0"/>
+              <a:t>Paper </a:t>
+            </a:r>
+            <a:r>
+              <a:rPr lang="en-US" dirty="0" err="1"/>
+              <a:t>WeakRB</a:t>
+            </a:r>
+            <a:endParaRPr lang="en-US" dirty="0"/>
+          </a:p>
+          <a:p>
+            <a:r>
+              <a:rPr lang="en-US" dirty="0"/>
+              <a:t>Paper shows only 1.25% of possible throughout on ARM, 0.6% on PC</a:t>
+            </a:r>
+          </a:p>
+          <a:p>
+            <a:r>
+              <a:rPr lang="en-US" dirty="0" err="1"/>
+              <a:t>WeakRB</a:t>
+            </a:r>
+            <a:endParaRPr lang="en-US" dirty="0"/>
+          </a:p>
+          <a:p>
+            <a:pPr lvl="1"/>
+            <a:r>
+              <a:rPr lang="en-US" dirty="0"/>
+              <a:t>Software caches to prevent multiple needs to check atomic</a:t>
+            </a:r>
+          </a:p>
+          <a:p>
+            <a:endParaRPr lang="en-US" dirty="0"/>
+          </a:p>
+        </p:txBody>
+      </p:sp>
+      <p:sp>
+        <p:nvSpPr>
+          <p:cNvPr id="4" name="Slide Number Placeholder 3"/>
+          <p:cNvSpPr>
+            <a:spLocks noGrp="1"/>
+          </p:cNvSpPr>
+          <p:nvPr>
+            <p:ph type="sldNum" sz="quarter" idx="5"/>
+          </p:nvPr>
+        </p:nvSpPr>
+        <p:spPr/>
+        <p:txBody>
+          <a:bodyPr/>
+          <a:lstStyle/>
+          <a:p>
+            <a:fld id="{3DB997B5-F443-4B54-8557-95313D749779}" type="slidenum">
+              <a:rPr lang="en-US" smtClean="0"/>
+              <a:t>29</a:t>
             </a:fld>
             <a:endParaRPr lang="en-US"/>
           </a:p>
@@ -17736,12 +17850,8 @@
           <a:lstStyle/>
           <a:p>
             <a:r>
-              <a:rPr lang="en-US"/>
-              <a:t>Templatize </a:t>
-            </a:r>
-            <a:r>
               <a:rPr lang="en-US" dirty="0"/>
-              <a:t>items for flexibility</a:t>
+              <a:t>Templatize items for flexibility</a:t>
             </a:r>
           </a:p>
           <a:p>
@@ -18311,7 +18421,7 @@
                 </a:solidFill>
                 <a:latin typeface="Consolas" panose="020B0609020204030204" pitchFamily="49" charset="0"/>
               </a:rPr>
-              <a:t> = std::</a:t>
+              <a:t> = </a:t>
             </a:r>
             <a:r>
               <a:rPr lang="en-US" dirty="0" err="1">
@@ -18329,7 +18439,7 @@
                 </a:solidFill>
                 <a:latin typeface="Consolas" panose="020B0609020204030204" pitchFamily="49" charset="0"/>
               </a:rPr>
-              <a:t>&lt;std::</a:t>
+              <a:t>&lt;</a:t>
             </a:r>
             <a:r>
               <a:rPr lang="en-US" dirty="0" err="1">
@@ -18767,7 +18877,7 @@
                 </a:solidFill>
                 <a:latin typeface="Consolas" panose="020B0609020204030204" pitchFamily="49" charset="0"/>
               </a:rPr>
-              <a:t> std::</a:t>
+              <a:t> </a:t>
             </a:r>
             <a:r>
               <a:rPr lang="en-US" dirty="0" err="1">
@@ -19259,7 +19369,7 @@
           <a:p>
             <a:r>
               <a:rPr lang="en-US" dirty="0"/>
-              <a:t>Atmel SAMD21, Ateml7 studio (GCC) TODO</a:t>
+              <a:t>TODO - Atmel SAMD21, GCC Atmel7 studio</a:t>
             </a:r>
           </a:p>
           <a:p>
@@ -19308,6 +19418,488 @@
   <p:clrMapOvr>
     <a:masterClrMapping/>
   </p:clrMapOvr>
+  <p:timing>
+    <p:tnLst>
+      <p:par>
+        <p:cTn id="1" dur="indefinite" restart="never" nodeType="tmRoot">
+          <p:childTnLst>
+            <p:seq concurrent="1" nextAc="seek">
+              <p:cTn id="2" dur="indefinite" nodeType="mainSeq">
+                <p:childTnLst>
+                  <p:par>
+                    <p:cTn id="3" fill="hold">
+                      <p:stCondLst>
+                        <p:cond delay="indefinite"/>
+                      </p:stCondLst>
+                      <p:childTnLst>
+                        <p:par>
+                          <p:cTn id="4" fill="hold">
+                            <p:stCondLst>
+                              <p:cond delay="0"/>
+                            </p:stCondLst>
+                            <p:childTnLst>
+                              <p:par>
+                                <p:cTn id="5" presetID="10" presetClass="entr" presetSubtype="0" fill="hold" nodeType="clickEffect">
+                                  <p:stCondLst>
+                                    <p:cond delay="0"/>
+                                  </p:stCondLst>
+                                  <p:childTnLst>
+                                    <p:set>
+                                      <p:cBhvr>
+                                        <p:cTn id="6" dur="1" fill="hold">
+                                          <p:stCondLst>
+                                            <p:cond delay="0"/>
+                                          </p:stCondLst>
+                                        </p:cTn>
+                                        <p:tgtEl>
+                                          <p:spTgt spid="3">
+                                            <p:txEl>
+                                              <p:pRg st="2" end="2"/>
+                                            </p:txEl>
+                                          </p:spTgt>
+                                        </p:tgtEl>
+                                        <p:attrNameLst>
+                                          <p:attrName>style.visibility</p:attrName>
+                                        </p:attrNameLst>
+                                      </p:cBhvr>
+                                      <p:to>
+                                        <p:strVal val="visible"/>
+                                      </p:to>
+                                    </p:set>
+                                    <p:animEffect transition="in" filter="fade">
+                                      <p:cBhvr>
+                                        <p:cTn id="7" dur="500"/>
+                                        <p:tgtEl>
+                                          <p:spTgt spid="3">
+                                            <p:txEl>
+                                              <p:pRg st="2" end="2"/>
+                                            </p:txEl>
+                                          </p:spTgt>
+                                        </p:tgtEl>
+                                      </p:cBhvr>
+                                    </p:animEffect>
+                                  </p:childTnLst>
+                                </p:cTn>
+                              </p:par>
+                            </p:childTnLst>
+                          </p:cTn>
+                        </p:par>
+                      </p:childTnLst>
+                    </p:cTn>
+                  </p:par>
+                  <p:par>
+                    <p:cTn id="8" fill="hold">
+                      <p:stCondLst>
+                        <p:cond delay="indefinite"/>
+                      </p:stCondLst>
+                      <p:childTnLst>
+                        <p:par>
+                          <p:cTn id="9" fill="hold">
+                            <p:stCondLst>
+                              <p:cond delay="0"/>
+                            </p:stCondLst>
+                            <p:childTnLst>
+                              <p:par>
+                                <p:cTn id="10" presetID="10" presetClass="entr" presetSubtype="0" fill="hold" nodeType="clickEffect">
+                                  <p:stCondLst>
+                                    <p:cond delay="0"/>
+                                  </p:stCondLst>
+                                  <p:childTnLst>
+                                    <p:set>
+                                      <p:cBhvr>
+                                        <p:cTn id="11" dur="1" fill="hold">
+                                          <p:stCondLst>
+                                            <p:cond delay="0"/>
+                                          </p:stCondLst>
+                                        </p:cTn>
+                                        <p:tgtEl>
+                                          <p:spTgt spid="3">
+                                            <p:txEl>
+                                              <p:pRg st="3" end="3"/>
+                                            </p:txEl>
+                                          </p:spTgt>
+                                        </p:tgtEl>
+                                        <p:attrNameLst>
+                                          <p:attrName>style.visibility</p:attrName>
+                                        </p:attrNameLst>
+                                      </p:cBhvr>
+                                      <p:to>
+                                        <p:strVal val="visible"/>
+                                      </p:to>
+                                    </p:set>
+                                    <p:animEffect transition="in" filter="fade">
+                                      <p:cBhvr>
+                                        <p:cTn id="12" dur="500"/>
+                                        <p:tgtEl>
+                                          <p:spTgt spid="3">
+                                            <p:txEl>
+                                              <p:pRg st="3" end="3"/>
+                                            </p:txEl>
+                                          </p:spTgt>
+                                        </p:tgtEl>
+                                      </p:cBhvr>
+                                    </p:animEffect>
+                                  </p:childTnLst>
+                                </p:cTn>
+                              </p:par>
+                            </p:childTnLst>
+                          </p:cTn>
+                        </p:par>
+                      </p:childTnLst>
+                    </p:cTn>
+                  </p:par>
+                  <p:par>
+                    <p:cTn id="13" fill="hold">
+                      <p:stCondLst>
+                        <p:cond delay="indefinite"/>
+                      </p:stCondLst>
+                      <p:childTnLst>
+                        <p:par>
+                          <p:cTn id="14" fill="hold">
+                            <p:stCondLst>
+                              <p:cond delay="0"/>
+                            </p:stCondLst>
+                            <p:childTnLst>
+                              <p:par>
+                                <p:cTn id="15" presetID="10" presetClass="entr" presetSubtype="0" fill="hold" nodeType="clickEffect">
+                                  <p:stCondLst>
+                                    <p:cond delay="0"/>
+                                  </p:stCondLst>
+                                  <p:childTnLst>
+                                    <p:set>
+                                      <p:cBhvr>
+                                        <p:cTn id="16" dur="1" fill="hold">
+                                          <p:stCondLst>
+                                            <p:cond delay="0"/>
+                                          </p:stCondLst>
+                                        </p:cTn>
+                                        <p:tgtEl>
+                                          <p:spTgt spid="3">
+                                            <p:txEl>
+                                              <p:pRg st="4" end="4"/>
+                                            </p:txEl>
+                                          </p:spTgt>
+                                        </p:tgtEl>
+                                        <p:attrNameLst>
+                                          <p:attrName>style.visibility</p:attrName>
+                                        </p:attrNameLst>
+                                      </p:cBhvr>
+                                      <p:to>
+                                        <p:strVal val="visible"/>
+                                      </p:to>
+                                    </p:set>
+                                    <p:animEffect transition="in" filter="fade">
+                                      <p:cBhvr>
+                                        <p:cTn id="17" dur="500"/>
+                                        <p:tgtEl>
+                                          <p:spTgt spid="3">
+                                            <p:txEl>
+                                              <p:pRg st="4" end="4"/>
+                                            </p:txEl>
+                                          </p:spTgt>
+                                        </p:tgtEl>
+                                      </p:cBhvr>
+                                    </p:animEffect>
+                                  </p:childTnLst>
+                                </p:cTn>
+                              </p:par>
+                            </p:childTnLst>
+                          </p:cTn>
+                        </p:par>
+                      </p:childTnLst>
+                    </p:cTn>
+                  </p:par>
+                  <p:par>
+                    <p:cTn id="18" fill="hold">
+                      <p:stCondLst>
+                        <p:cond delay="indefinite"/>
+                      </p:stCondLst>
+                      <p:childTnLst>
+                        <p:par>
+                          <p:cTn id="19" fill="hold">
+                            <p:stCondLst>
+                              <p:cond delay="0"/>
+                            </p:stCondLst>
+                            <p:childTnLst>
+                              <p:par>
+                                <p:cTn id="20" presetID="10" presetClass="entr" presetSubtype="0" fill="hold" nodeType="clickEffect">
+                                  <p:stCondLst>
+                                    <p:cond delay="0"/>
+                                  </p:stCondLst>
+                                  <p:childTnLst>
+                                    <p:set>
+                                      <p:cBhvr>
+                                        <p:cTn id="21" dur="1" fill="hold">
+                                          <p:stCondLst>
+                                            <p:cond delay="0"/>
+                                          </p:stCondLst>
+                                        </p:cTn>
+                                        <p:tgtEl>
+                                          <p:spTgt spid="3">
+                                            <p:txEl>
+                                              <p:pRg st="5" end="5"/>
+                                            </p:txEl>
+                                          </p:spTgt>
+                                        </p:tgtEl>
+                                        <p:attrNameLst>
+                                          <p:attrName>style.visibility</p:attrName>
+                                        </p:attrNameLst>
+                                      </p:cBhvr>
+                                      <p:to>
+                                        <p:strVal val="visible"/>
+                                      </p:to>
+                                    </p:set>
+                                    <p:animEffect transition="in" filter="fade">
+                                      <p:cBhvr>
+                                        <p:cTn id="22" dur="500"/>
+                                        <p:tgtEl>
+                                          <p:spTgt spid="3">
+                                            <p:txEl>
+                                              <p:pRg st="5" end="5"/>
+                                            </p:txEl>
+                                          </p:spTgt>
+                                        </p:tgtEl>
+                                      </p:cBhvr>
+                                    </p:animEffect>
+                                  </p:childTnLst>
+                                </p:cTn>
+                              </p:par>
+                              <p:par>
+                                <p:cTn id="23" presetID="10" presetClass="entr" presetSubtype="0" fill="hold" nodeType="withEffect">
+                                  <p:stCondLst>
+                                    <p:cond delay="0"/>
+                                  </p:stCondLst>
+                                  <p:childTnLst>
+                                    <p:set>
+                                      <p:cBhvr>
+                                        <p:cTn id="24" dur="1" fill="hold">
+                                          <p:stCondLst>
+                                            <p:cond delay="0"/>
+                                          </p:stCondLst>
+                                        </p:cTn>
+                                        <p:tgtEl>
+                                          <p:spTgt spid="3">
+                                            <p:txEl>
+                                              <p:pRg st="6" end="6"/>
+                                            </p:txEl>
+                                          </p:spTgt>
+                                        </p:tgtEl>
+                                        <p:attrNameLst>
+                                          <p:attrName>style.visibility</p:attrName>
+                                        </p:attrNameLst>
+                                      </p:cBhvr>
+                                      <p:to>
+                                        <p:strVal val="visible"/>
+                                      </p:to>
+                                    </p:set>
+                                    <p:animEffect transition="in" filter="fade">
+                                      <p:cBhvr>
+                                        <p:cTn id="25" dur="500"/>
+                                        <p:tgtEl>
+                                          <p:spTgt spid="3">
+                                            <p:txEl>
+                                              <p:pRg st="6" end="6"/>
+                                            </p:txEl>
+                                          </p:spTgt>
+                                        </p:tgtEl>
+                                      </p:cBhvr>
+                                    </p:animEffect>
+                                  </p:childTnLst>
+                                </p:cTn>
+                              </p:par>
+                              <p:par>
+                                <p:cTn id="26" presetID="10" presetClass="entr" presetSubtype="0" fill="hold" nodeType="withEffect">
+                                  <p:stCondLst>
+                                    <p:cond delay="0"/>
+                                  </p:stCondLst>
+                                  <p:childTnLst>
+                                    <p:set>
+                                      <p:cBhvr>
+                                        <p:cTn id="27" dur="1" fill="hold">
+                                          <p:stCondLst>
+                                            <p:cond delay="0"/>
+                                          </p:stCondLst>
+                                        </p:cTn>
+                                        <p:tgtEl>
+                                          <p:spTgt spid="3">
+                                            <p:txEl>
+                                              <p:pRg st="7" end="7"/>
+                                            </p:txEl>
+                                          </p:spTgt>
+                                        </p:tgtEl>
+                                        <p:attrNameLst>
+                                          <p:attrName>style.visibility</p:attrName>
+                                        </p:attrNameLst>
+                                      </p:cBhvr>
+                                      <p:to>
+                                        <p:strVal val="visible"/>
+                                      </p:to>
+                                    </p:set>
+                                    <p:animEffect transition="in" filter="fade">
+                                      <p:cBhvr>
+                                        <p:cTn id="28" dur="500"/>
+                                        <p:tgtEl>
+                                          <p:spTgt spid="3">
+                                            <p:txEl>
+                                              <p:pRg st="7" end="7"/>
+                                            </p:txEl>
+                                          </p:spTgt>
+                                        </p:tgtEl>
+                                      </p:cBhvr>
+                                    </p:animEffect>
+                                  </p:childTnLst>
+                                </p:cTn>
+                              </p:par>
+                            </p:childTnLst>
+                          </p:cTn>
+                        </p:par>
+                      </p:childTnLst>
+                    </p:cTn>
+                  </p:par>
+                  <p:par>
+                    <p:cTn id="29" fill="hold">
+                      <p:stCondLst>
+                        <p:cond delay="indefinite"/>
+                      </p:stCondLst>
+                      <p:childTnLst>
+                        <p:par>
+                          <p:cTn id="30" fill="hold">
+                            <p:stCondLst>
+                              <p:cond delay="0"/>
+                            </p:stCondLst>
+                            <p:childTnLst>
+                              <p:par>
+                                <p:cTn id="31" presetID="10" presetClass="entr" presetSubtype="0" fill="hold" nodeType="clickEffect">
+                                  <p:stCondLst>
+                                    <p:cond delay="0"/>
+                                  </p:stCondLst>
+                                  <p:childTnLst>
+                                    <p:set>
+                                      <p:cBhvr>
+                                        <p:cTn id="32" dur="1" fill="hold">
+                                          <p:stCondLst>
+                                            <p:cond delay="0"/>
+                                          </p:stCondLst>
+                                        </p:cTn>
+                                        <p:tgtEl>
+                                          <p:spTgt spid="3">
+                                            <p:txEl>
+                                              <p:pRg st="8" end="8"/>
+                                            </p:txEl>
+                                          </p:spTgt>
+                                        </p:tgtEl>
+                                        <p:attrNameLst>
+                                          <p:attrName>style.visibility</p:attrName>
+                                        </p:attrNameLst>
+                                      </p:cBhvr>
+                                      <p:to>
+                                        <p:strVal val="visible"/>
+                                      </p:to>
+                                    </p:set>
+                                    <p:animEffect transition="in" filter="fade">
+                                      <p:cBhvr>
+                                        <p:cTn id="33" dur="500"/>
+                                        <p:tgtEl>
+                                          <p:spTgt spid="3">
+                                            <p:txEl>
+                                              <p:pRg st="8" end="8"/>
+                                            </p:txEl>
+                                          </p:spTgt>
+                                        </p:tgtEl>
+                                      </p:cBhvr>
+                                    </p:animEffect>
+                                  </p:childTnLst>
+                                </p:cTn>
+                              </p:par>
+                            </p:childTnLst>
+                          </p:cTn>
+                        </p:par>
+                      </p:childTnLst>
+                    </p:cTn>
+                  </p:par>
+                  <p:par>
+                    <p:cTn id="34" fill="hold">
+                      <p:stCondLst>
+                        <p:cond delay="indefinite"/>
+                      </p:stCondLst>
+                      <p:childTnLst>
+                        <p:par>
+                          <p:cTn id="35" fill="hold">
+                            <p:stCondLst>
+                              <p:cond delay="0"/>
+                            </p:stCondLst>
+                            <p:childTnLst>
+                              <p:par>
+                                <p:cTn id="36" presetID="10" presetClass="entr" presetSubtype="0" fill="hold" nodeType="clickEffect">
+                                  <p:stCondLst>
+                                    <p:cond delay="0"/>
+                                  </p:stCondLst>
+                                  <p:childTnLst>
+                                    <p:set>
+                                      <p:cBhvr>
+                                        <p:cTn id="37" dur="1" fill="hold">
+                                          <p:stCondLst>
+                                            <p:cond delay="0"/>
+                                          </p:stCondLst>
+                                        </p:cTn>
+                                        <p:tgtEl>
+                                          <p:spTgt spid="3">
+                                            <p:txEl>
+                                              <p:pRg st="9" end="9"/>
+                                            </p:txEl>
+                                          </p:spTgt>
+                                        </p:tgtEl>
+                                        <p:attrNameLst>
+                                          <p:attrName>style.visibility</p:attrName>
+                                        </p:attrNameLst>
+                                      </p:cBhvr>
+                                      <p:to>
+                                        <p:strVal val="visible"/>
+                                      </p:to>
+                                    </p:set>
+                                    <p:animEffect transition="in" filter="fade">
+                                      <p:cBhvr>
+                                        <p:cTn id="38" dur="500"/>
+                                        <p:tgtEl>
+                                          <p:spTgt spid="3">
+                                            <p:txEl>
+                                              <p:pRg st="9" end="9"/>
+                                            </p:txEl>
+                                          </p:spTgt>
+                                        </p:tgtEl>
+                                      </p:cBhvr>
+                                    </p:animEffect>
+                                  </p:childTnLst>
+                                </p:cTn>
+                              </p:par>
+                            </p:childTnLst>
+                          </p:cTn>
+                        </p:par>
+                      </p:childTnLst>
+                    </p:cTn>
+                  </p:par>
+                </p:childTnLst>
+              </p:cTn>
+              <p:prevCondLst>
+                <p:cond evt="onPrev" delay="0">
+                  <p:tgtEl>
+                    <p:sldTgt/>
+                  </p:tgtEl>
+                </p:cond>
+              </p:prevCondLst>
+              <p:nextCondLst>
+                <p:cond evt="onNext" delay="0">
+                  <p:tgtEl>
+                    <p:sldTgt/>
+                  </p:tgtEl>
+                </p:cond>
+              </p:nextCondLst>
+            </p:seq>
+          </p:childTnLst>
+        </p:cTn>
+      </p:par>
+    </p:tnLst>
+  </p:timing>
 </p:sld>
 </file>
 
@@ -19527,6 +20119,184 @@
           <a:p>
             <a:r>
               <a:rPr lang="en-US" dirty="0"/>
+              <a:t>Performance I	</a:t>
+            </a:r>
+          </a:p>
+        </p:txBody>
+      </p:sp>
+      <p:sp>
+        <p:nvSpPr>
+          <p:cNvPr id="3" name="Content Placeholder 2">
+            <a:extLst>
+              <a:ext uri="{FF2B5EF4-FFF2-40B4-BE49-F238E27FC236}">
+                <a16:creationId xmlns:a16="http://schemas.microsoft.com/office/drawing/2014/main" id="{96A8DF8F-AE57-4A23-9A3C-DC7CA2FC2577}"/>
+              </a:ext>
+            </a:extLst>
+          </p:cNvPr>
+          <p:cNvSpPr>
+            <a:spLocks noGrp="1"/>
+          </p:cNvSpPr>
+          <p:nvPr>
+            <p:ph idx="1"/>
+          </p:nvPr>
+        </p:nvSpPr>
+        <p:spPr/>
+        <p:txBody>
+          <a:bodyPr/>
+          <a:lstStyle/>
+          <a:p>
+            <a:endParaRPr lang="en-US" dirty="0"/>
+          </a:p>
+        </p:txBody>
+      </p:sp>
+      <p:pic>
+        <p:nvPicPr>
+          <p:cNvPr id="4" name="Picture 3">
+            <a:extLst>
+              <a:ext uri="{FF2B5EF4-FFF2-40B4-BE49-F238E27FC236}">
+                <a16:creationId xmlns:a16="http://schemas.microsoft.com/office/drawing/2014/main" id="{8EF394CC-8DB5-4CA1-B663-1C11672E36E9}"/>
+              </a:ext>
+            </a:extLst>
+          </p:cNvPr>
+          <p:cNvPicPr>
+            <a:picLocks noChangeAspect="1"/>
+          </p:cNvPicPr>
+          <p:nvPr/>
+        </p:nvPicPr>
+        <p:blipFill>
+          <a:blip r:embed="rId2"/>
+          <a:stretch>
+            <a:fillRect/>
+          </a:stretch>
+        </p:blipFill>
+        <p:spPr>
+          <a:xfrm>
+            <a:off x="176814" y="1690688"/>
+            <a:ext cx="11176986" cy="4352806"/>
+          </a:xfrm>
+          <a:prstGeom prst="rect">
+            <a:avLst/>
+          </a:prstGeom>
+        </p:spPr>
+      </p:pic>
+      <p:pic>
+        <p:nvPicPr>
+          <p:cNvPr id="7" name="Picture 6">
+            <a:extLst>
+              <a:ext uri="{FF2B5EF4-FFF2-40B4-BE49-F238E27FC236}">
+                <a16:creationId xmlns:a16="http://schemas.microsoft.com/office/drawing/2014/main" id="{B1BAE159-3CD9-4AFC-A621-07D895E4C1D8}"/>
+              </a:ext>
+            </a:extLst>
+          </p:cNvPr>
+          <p:cNvPicPr>
+            <a:picLocks noChangeAspect="1"/>
+          </p:cNvPicPr>
+          <p:nvPr/>
+        </p:nvPicPr>
+        <p:blipFill>
+          <a:blip r:embed="rId3"/>
+          <a:stretch>
+            <a:fillRect/>
+          </a:stretch>
+        </p:blipFill>
+        <p:spPr>
+          <a:xfrm>
+            <a:off x="8909807" y="365125"/>
+            <a:ext cx="2332415" cy="2091484"/>
+          </a:xfrm>
+          <a:prstGeom prst="rect">
+            <a:avLst/>
+          </a:prstGeom>
+        </p:spPr>
+      </p:pic>
+      <p:sp>
+        <p:nvSpPr>
+          <p:cNvPr id="8" name="TextBox 7">
+            <a:extLst>
+              <a:ext uri="{FF2B5EF4-FFF2-40B4-BE49-F238E27FC236}">
+                <a16:creationId xmlns:a16="http://schemas.microsoft.com/office/drawing/2014/main" id="{8392C314-9668-4D4C-8CEB-C528F5E6E915}"/>
+              </a:ext>
+            </a:extLst>
+          </p:cNvPr>
+          <p:cNvSpPr txBox="1"/>
+          <p:nvPr/>
+        </p:nvSpPr>
+        <p:spPr>
+          <a:xfrm>
+            <a:off x="6755907" y="5157926"/>
+            <a:ext cx="3986476" cy="369332"/>
+          </a:xfrm>
+          <a:prstGeom prst="rect">
+            <a:avLst/>
+          </a:prstGeom>
+          <a:noFill/>
+        </p:spPr>
+        <p:txBody>
+          <a:bodyPr wrap="none" rtlCol="0">
+            <a:spAutoFit/>
+          </a:bodyPr>
+          <a:lstStyle/>
+          <a:p>
+            <a:r>
+              <a:rPr lang="en-US" dirty="0"/>
+              <a:t>Hint: 10 * (2^31) / 123 = 174592166.504</a:t>
+            </a:r>
+          </a:p>
+        </p:txBody>
+      </p:sp>
+    </p:spTree>
+    <p:extLst>
+      <p:ext uri="{BB962C8B-B14F-4D97-AF65-F5344CB8AC3E}">
+        <p14:creationId xmlns:p14="http://schemas.microsoft.com/office/powerpoint/2010/main" val="3806856690"/>
+      </p:ext>
+    </p:extLst>
+  </p:cSld>
+  <p:clrMapOvr>
+    <a:masterClrMapping/>
+  </p:clrMapOvr>
+</p:sld>
+</file>
+
+<file path=ppt/slides/slide16.xml><?xml version="1.0" encoding="utf-8"?>
+<p:sld xmlns:a="http://schemas.openxmlformats.org/drawingml/2006/main" xmlns:r="http://schemas.openxmlformats.org/officeDocument/2006/relationships" xmlns:p="http://schemas.openxmlformats.org/presentationml/2006/main">
+  <p:cSld>
+    <p:spTree>
+      <p:nvGrpSpPr>
+        <p:cNvPr id="1" name=""/>
+        <p:cNvGrpSpPr/>
+        <p:nvPr/>
+      </p:nvGrpSpPr>
+      <p:grpSpPr>
+        <a:xfrm>
+          <a:off x="0" y="0"/>
+          <a:ext cx="0" cy="0"/>
+          <a:chOff x="0" y="0"/>
+          <a:chExt cx="0" cy="0"/>
+        </a:xfrm>
+      </p:grpSpPr>
+      <p:sp>
+        <p:nvSpPr>
+          <p:cNvPr id="2" name="Title 1">
+            <a:extLst>
+              <a:ext uri="{FF2B5EF4-FFF2-40B4-BE49-F238E27FC236}">
+                <a16:creationId xmlns:a16="http://schemas.microsoft.com/office/drawing/2014/main" id="{C31C4400-181D-43B7-8888-05CA9E6A1531}"/>
+              </a:ext>
+            </a:extLst>
+          </p:cNvPr>
+          <p:cNvSpPr>
+            <a:spLocks noGrp="1"/>
+          </p:cNvSpPr>
+          <p:nvPr>
+            <p:ph type="title"/>
+          </p:nvPr>
+        </p:nvSpPr>
+        <p:spPr/>
+        <p:txBody>
+          <a:bodyPr/>
+          <a:lstStyle/>
+          <a:p>
+            <a:r>
+              <a:rPr lang="en-US" dirty="0"/>
               <a:t>Atomics Ring Buffer</a:t>
             </a:r>
           </a:p>
@@ -19563,13 +20333,53 @@
           <a:p>
             <a:r>
               <a:rPr lang="en-US" dirty="0"/>
-              <a:t>This called a Single Producer, Single Consumer (SPSC) Ring Buffer</a:t>
-            </a:r>
-          </a:p>
-          <a:p>
+              <a:t>This called a </a:t>
+            </a:r>
+            <a:r>
+              <a:rPr lang="en-US" b="1" dirty="0"/>
+              <a:t>Single Producer, Single Consumer</a:t>
+            </a:r>
             <a:r>
               <a:rPr lang="en-US" dirty="0"/>
-              <a:t>Also have SPMC, MPMC, MPSC, etc.</a:t>
+              <a:t> (</a:t>
+            </a:r>
+            <a:r>
+              <a:rPr lang="en-US" b="1" dirty="0"/>
+              <a:t>SPSC</a:t>
+            </a:r>
+            <a:r>
+              <a:rPr lang="en-US" dirty="0"/>
+              <a:t>) Ring Buffer</a:t>
+            </a:r>
+          </a:p>
+          <a:p>
+            <a:r>
+              <a:rPr lang="en-US" dirty="0"/>
+              <a:t>Also have </a:t>
+            </a:r>
+            <a:r>
+              <a:rPr lang="en-US" b="1" dirty="0"/>
+              <a:t>SPMC</a:t>
+            </a:r>
+            <a:r>
+              <a:rPr lang="en-US" dirty="0"/>
+              <a:t>, </a:t>
+            </a:r>
+            <a:r>
+              <a:rPr lang="en-US" b="1" dirty="0"/>
+              <a:t>MPMC</a:t>
+            </a:r>
+            <a:r>
+              <a:rPr lang="en-US" dirty="0"/>
+              <a:t>, </a:t>
+            </a:r>
+            <a:r>
+              <a:rPr lang="en-US" b="1" dirty="0"/>
+              <a:t>MPSC</a:t>
+            </a:r>
+            <a:r>
+              <a:rPr lang="en-US" dirty="0"/>
+              <a:t>, etc.</a:t>
             </a:r>
           </a:p>
           <a:p>
@@ -19789,15 +20599,6 @@
             <a:r>
               <a:rPr lang="en-US" dirty="0">
                 <a:solidFill>
-                  <a:srgbClr val="000000"/>
-                </a:solidFill>
-                <a:latin typeface="Consolas" panose="020B0609020204030204" pitchFamily="49" charset="0"/>
-              </a:rPr>
-              <a:t>std::</a:t>
-            </a:r>
-            <a:r>
-              <a:rPr lang="en-US" dirty="0">
-                <a:solidFill>
                   <a:srgbClr val="008080"/>
                 </a:solidFill>
                 <a:latin typeface="Consolas" panose="020B0609020204030204" pitchFamily="49" charset="0"/>
@@ -19857,15 +20658,6 @@
             <a:r>
               <a:rPr lang="en-US" dirty="0">
                 <a:solidFill>
-                  <a:srgbClr val="000000"/>
-                </a:solidFill>
-                <a:latin typeface="Consolas" panose="020B0609020204030204" pitchFamily="49" charset="0"/>
-              </a:rPr>
-              <a:t>std::</a:t>
-            </a:r>
-            <a:r>
-              <a:rPr lang="en-US" dirty="0">
-                <a:solidFill>
                   <a:srgbClr val="008080"/>
                 </a:solidFill>
                 <a:latin typeface="Consolas" panose="020B0609020204030204" pitchFamily="49" charset="0"/>
@@ -19922,15 +20714,6 @@
             <a:pPr marL="0" indent="0">
               <a:buNone/>
             </a:pPr>
-            <a:r>
-              <a:rPr lang="en-US" dirty="0">
-                <a:solidFill>
-                  <a:srgbClr val="000000"/>
-                </a:solidFill>
-                <a:latin typeface="Consolas" panose="020B0609020204030204" pitchFamily="49" charset="0"/>
-              </a:rPr>
-              <a:t>std::</a:t>
-            </a:r>
             <a:r>
               <a:rPr lang="en-US" dirty="0">
                 <a:solidFill>
@@ -20013,7 +20796,7 @@
 </p:sld>
 </file>
 
-<file path=ppt/slides/slide16.xml><?xml version="1.0" encoding="utf-8"?>
+<file path=ppt/slides/slide17.xml><?xml version="1.0" encoding="utf-8"?>
 <p:sld xmlns:a="http://schemas.openxmlformats.org/drawingml/2006/main" xmlns:r="http://schemas.openxmlformats.org/officeDocument/2006/relationships" xmlns:p="http://schemas.openxmlformats.org/presentationml/2006/main">
   <p:cSld>
     <p:spTree>
@@ -20812,7 +21595,7 @@
 </p:sld>
 </file>
 
-<file path=ppt/slides/slide17.xml><?xml version="1.0" encoding="utf-8"?>
+<file path=ppt/slides/slide18.xml><?xml version="1.0" encoding="utf-8"?>
 <p:sld xmlns:a="http://schemas.openxmlformats.org/drawingml/2006/main" xmlns:r="http://schemas.openxmlformats.org/officeDocument/2006/relationships" xmlns:p="http://schemas.openxmlformats.org/presentationml/2006/main">
   <p:cSld>
     <p:spTree>
@@ -20995,7 +21778,7 @@
 </p:sld>
 </file>
 
-<file path=ppt/slides/slide18.xml><?xml version="1.0" encoding="utf-8"?>
+<file path=ppt/slides/slide19.xml><?xml version="1.0" encoding="utf-8"?>
 <p:sld xmlns:a="http://schemas.openxmlformats.org/drawingml/2006/main" xmlns:r="http://schemas.openxmlformats.org/officeDocument/2006/relationships" xmlns:p="http://schemas.openxmlformats.org/presentationml/2006/main">
   <p:cSld>
     <p:spTree>
@@ -22044,7 +22827,164 @@
 </p:sld>
 </file>
 
-<file path=ppt/slides/slide19.xml><?xml version="1.0" encoding="utf-8"?>
+<file path=ppt/slides/slide2.xml><?xml version="1.0" encoding="utf-8"?>
+<p:sld xmlns:a="http://schemas.openxmlformats.org/drawingml/2006/main" xmlns:r="http://schemas.openxmlformats.org/officeDocument/2006/relationships" xmlns:p="http://schemas.openxmlformats.org/presentationml/2006/main">
+  <p:cSld>
+    <p:spTree>
+      <p:nvGrpSpPr>
+        <p:cNvPr id="1" name=""/>
+        <p:cNvGrpSpPr/>
+        <p:nvPr/>
+      </p:nvGrpSpPr>
+      <p:grpSpPr>
+        <a:xfrm>
+          <a:off x="0" y="0"/>
+          <a:ext cx="0" cy="0"/>
+          <a:chOff x="0" y="0"/>
+          <a:chExt cx="0" cy="0"/>
+        </a:xfrm>
+      </p:grpSpPr>
+      <p:sp>
+        <p:nvSpPr>
+          <p:cNvPr id="2" name="Title 1">
+            <a:extLst>
+              <a:ext uri="{FF2B5EF4-FFF2-40B4-BE49-F238E27FC236}">
+                <a16:creationId xmlns:a16="http://schemas.microsoft.com/office/drawing/2014/main" id="{E14B69F4-3314-4C5C-9AD8-FBAAECF20BC0}"/>
+              </a:ext>
+            </a:extLst>
+          </p:cNvPr>
+          <p:cNvSpPr>
+            <a:spLocks noGrp="1"/>
+          </p:cNvSpPr>
+          <p:nvPr>
+            <p:ph type="title"/>
+          </p:nvPr>
+        </p:nvSpPr>
+        <p:spPr/>
+        <p:txBody>
+          <a:bodyPr/>
+          <a:lstStyle/>
+          <a:p>
+            <a:r>
+              <a:rPr lang="en-US" dirty="0"/>
+              <a:t>Intro</a:t>
+            </a:r>
+          </a:p>
+        </p:txBody>
+      </p:sp>
+      <p:sp>
+        <p:nvSpPr>
+          <p:cNvPr id="3" name="Content Placeholder 2">
+            <a:extLst>
+              <a:ext uri="{FF2B5EF4-FFF2-40B4-BE49-F238E27FC236}">
+                <a16:creationId xmlns:a16="http://schemas.microsoft.com/office/drawing/2014/main" id="{ACA86F77-0CC6-4ADF-829A-589223DB113F}"/>
+              </a:ext>
+            </a:extLst>
+          </p:cNvPr>
+          <p:cNvSpPr>
+            <a:spLocks noGrp="1"/>
+          </p:cNvSpPr>
+          <p:nvPr>
+            <p:ph idx="1"/>
+          </p:nvPr>
+        </p:nvSpPr>
+        <p:spPr/>
+        <p:txBody>
+          <a:bodyPr>
+            <a:normAutofit/>
+          </a:bodyPr>
+          <a:lstStyle/>
+          <a:p>
+            <a:r>
+              <a:rPr lang="en-US" dirty="0"/>
+              <a:t>This talk will cover a simple data structure, </a:t>
+            </a:r>
+            <a:br>
+              <a:rPr lang="en-US" dirty="0"/>
+            </a:br>
+            <a:r>
+              <a:rPr lang="en-US" dirty="0"/>
+              <a:t>taken from the basic concept to production</a:t>
+            </a:r>
+            <a:br>
+              <a:rPr lang="en-US" dirty="0"/>
+            </a:br>
+            <a:r>
+              <a:rPr lang="en-US" dirty="0"/>
+              <a:t>quality</a:t>
+            </a:r>
+          </a:p>
+          <a:p>
+            <a:endParaRPr lang="en-US" dirty="0"/>
+          </a:p>
+          <a:p>
+            <a:r>
+              <a:rPr lang="en-US" dirty="0"/>
+              <a:t>It will illustrate a lot of tricks, nuances, and design tradeoffs</a:t>
+            </a:r>
+          </a:p>
+          <a:p>
+            <a:endParaRPr lang="en-US" dirty="0"/>
+          </a:p>
+          <a:p>
+            <a:r>
+              <a:rPr lang="en-US" dirty="0"/>
+              <a:t>It illustrates that software is hard – the simple idea of a ring buffer is</a:t>
+            </a:r>
+            <a:br>
+              <a:rPr lang="en-US" dirty="0"/>
+            </a:br>
+            <a:r>
+              <a:rPr lang="en-US" dirty="0"/>
+              <a:t>far removed from a production quality one</a:t>
+            </a:r>
+          </a:p>
+        </p:txBody>
+      </p:sp>
+      <p:pic>
+        <p:nvPicPr>
+          <p:cNvPr id="4" name="Picture 3">
+            <a:extLst>
+              <a:ext uri="{FF2B5EF4-FFF2-40B4-BE49-F238E27FC236}">
+                <a16:creationId xmlns:a16="http://schemas.microsoft.com/office/drawing/2014/main" id="{8646FADA-9761-4462-8C99-6097B8BC8C6B}"/>
+              </a:ext>
+            </a:extLst>
+          </p:cNvPr>
+          <p:cNvPicPr>
+            <a:picLocks noChangeAspect="1"/>
+          </p:cNvPicPr>
+          <p:nvPr/>
+        </p:nvPicPr>
+        <p:blipFill>
+          <a:blip r:embed="rId2"/>
+          <a:stretch>
+            <a:fillRect/>
+          </a:stretch>
+        </p:blipFill>
+        <p:spPr>
+          <a:xfrm>
+            <a:off x="8909807" y="365125"/>
+            <a:ext cx="2332415" cy="2091484"/>
+          </a:xfrm>
+          <a:prstGeom prst="rect">
+            <a:avLst/>
+          </a:prstGeom>
+        </p:spPr>
+      </p:pic>
+    </p:spTree>
+    <p:extLst>
+      <p:ext uri="{BB962C8B-B14F-4D97-AF65-F5344CB8AC3E}">
+        <p14:creationId xmlns:p14="http://schemas.microsoft.com/office/powerpoint/2010/main" val="3808771758"/>
+      </p:ext>
+    </p:extLst>
+  </p:cSld>
+  <p:clrMapOvr>
+    <a:masterClrMapping/>
+  </p:clrMapOvr>
+</p:sld>
+</file>
+
+<file path=ppt/slides/slide20.xml><?xml version="1.0" encoding="utf-8"?>
 <p:sld xmlns:a="http://schemas.openxmlformats.org/drawingml/2006/main" xmlns:r="http://schemas.openxmlformats.org/officeDocument/2006/relationships" xmlns:p="http://schemas.openxmlformats.org/presentationml/2006/main">
   <p:cSld>
     <p:spTree>
@@ -22587,7 +23527,7 @@
                 </a:solidFill>
                 <a:latin typeface="Consolas" panose="020B0609020204030204" pitchFamily="49" charset="0"/>
               </a:rPr>
-              <a:t>SlowRingModPowerOfTwo</a:t>
+              <a:t>SlowRingMod</a:t>
             </a:r>
             <a:r>
               <a:rPr lang="en-US" dirty="0">
@@ -22605,7 +23545,7 @@
                 </a:solidFill>
                 <a:latin typeface="Consolas" panose="020B0609020204030204" pitchFamily="49" charset="0"/>
               </a:rPr>
-              <a:t>has</a:t>
+              <a:t>=&gt;</a:t>
             </a:r>
             <a:r>
               <a:rPr lang="en-US" dirty="0">
@@ -22682,7 +23622,7 @@
                 </a:solidFill>
                 <a:latin typeface="Consolas" panose="020B0609020204030204" pitchFamily="49" charset="0"/>
               </a:rPr>
-              <a:t>has</a:t>
+              <a:t>=&gt;</a:t>
             </a:r>
             <a:r>
               <a:rPr lang="en-US" dirty="0">
@@ -22941,7 +23881,7 @@
 </p:sld>
 </file>
 
-<file path=ppt/slides/slide2.xml><?xml version="1.0" encoding="utf-8"?>
+<file path=ppt/slides/slide21.xml><?xml version="1.0" encoding="utf-8"?>
 <p:sld xmlns:a="http://schemas.openxmlformats.org/drawingml/2006/main" xmlns:r="http://schemas.openxmlformats.org/officeDocument/2006/relationships" xmlns:p="http://schemas.openxmlformats.org/presentationml/2006/main">
   <p:cSld>
     <p:spTree>
@@ -22958,109 +23898,12 @@
           <a:chExt cx="0" cy="0"/>
         </a:xfrm>
       </p:grpSpPr>
-      <p:sp>
-        <p:nvSpPr>
-          <p:cNvPr id="2" name="Title 1">
+      <p:pic>
+        <p:nvPicPr>
+          <p:cNvPr id="5" name="Picture 4">
             <a:extLst>
               <a:ext uri="{FF2B5EF4-FFF2-40B4-BE49-F238E27FC236}">
-                <a16:creationId xmlns:a16="http://schemas.microsoft.com/office/drawing/2014/main" id="{E14B69F4-3314-4C5C-9AD8-FBAAECF20BC0}"/>
-              </a:ext>
-            </a:extLst>
-          </p:cNvPr>
-          <p:cNvSpPr>
-            <a:spLocks noGrp="1"/>
-          </p:cNvSpPr>
-          <p:nvPr>
-            <p:ph type="title"/>
-          </p:nvPr>
-        </p:nvSpPr>
-        <p:spPr/>
-        <p:txBody>
-          <a:bodyPr/>
-          <a:lstStyle/>
-          <a:p>
-            <a:r>
-              <a:rPr lang="en-US" dirty="0"/>
-              <a:t>Intro</a:t>
-            </a:r>
-          </a:p>
-        </p:txBody>
-      </p:sp>
-      <p:sp>
-        <p:nvSpPr>
-          <p:cNvPr id="3" name="Content Placeholder 2">
-            <a:extLst>
-              <a:ext uri="{FF2B5EF4-FFF2-40B4-BE49-F238E27FC236}">
-                <a16:creationId xmlns:a16="http://schemas.microsoft.com/office/drawing/2014/main" id="{ACA86F77-0CC6-4ADF-829A-589223DB113F}"/>
-              </a:ext>
-            </a:extLst>
-          </p:cNvPr>
-          <p:cNvSpPr>
-            <a:spLocks noGrp="1"/>
-          </p:cNvSpPr>
-          <p:nvPr>
-            <p:ph idx="1"/>
-          </p:nvPr>
-        </p:nvSpPr>
-        <p:spPr/>
-        <p:txBody>
-          <a:bodyPr>
-            <a:normAutofit/>
-          </a:bodyPr>
-          <a:lstStyle/>
-          <a:p>
-            <a:r>
-              <a:rPr lang="en-US" dirty="0"/>
-              <a:t>This talk will cover a simple data structure, </a:t>
-            </a:r>
-            <a:br>
-              <a:rPr lang="en-US" dirty="0"/>
-            </a:br>
-            <a:r>
-              <a:rPr lang="en-US" dirty="0"/>
-              <a:t>taken from the basic concept to production</a:t>
-            </a:r>
-            <a:br>
-              <a:rPr lang="en-US" dirty="0"/>
-            </a:br>
-            <a:r>
-              <a:rPr lang="en-US" dirty="0"/>
-              <a:t>quality</a:t>
-            </a:r>
-          </a:p>
-          <a:p>
-            <a:endParaRPr lang="en-US" dirty="0"/>
-          </a:p>
-          <a:p>
-            <a:r>
-              <a:rPr lang="en-US" dirty="0"/>
-              <a:t>It will illustrate a lot of tricks, nuances, and design tradeoffs</a:t>
-            </a:r>
-          </a:p>
-          <a:p>
-            <a:endParaRPr lang="en-US" dirty="0"/>
-          </a:p>
-          <a:p>
-            <a:r>
-              <a:rPr lang="en-US" dirty="0"/>
-              <a:t>It illustrates that software is hard – the simple idea of a ring buffer is</a:t>
-            </a:r>
-            <a:br>
-              <a:rPr lang="en-US" dirty="0"/>
-            </a:br>
-            <a:r>
-              <a:rPr lang="en-US" dirty="0"/>
-              <a:t>far removed from a production quality one</a:t>
-            </a:r>
-          </a:p>
-        </p:txBody>
-      </p:sp>
-      <p:pic>
-        <p:nvPicPr>
-          <p:cNvPr id="4" name="Picture 3">
-            <a:extLst>
-              <a:ext uri="{FF2B5EF4-FFF2-40B4-BE49-F238E27FC236}">
-                <a16:creationId xmlns:a16="http://schemas.microsoft.com/office/drawing/2014/main" id="{8646FADA-9761-4462-8C99-6097B8BC8C6B}"/>
+                <a16:creationId xmlns:a16="http://schemas.microsoft.com/office/drawing/2014/main" id="{6BA846D6-9832-4F0C-B07D-AF4BF812BC0D}"/>
               </a:ext>
             </a:extLst>
           </p:cNvPr>
@@ -23070,7 +23913,7 @@
           <p:nvPr/>
         </p:nvPicPr>
         <p:blipFill>
-          <a:blip r:embed="rId2"/>
+          <a:blip r:embed="rId3"/>
           <a:stretch>
             <a:fillRect/>
           </a:stretch>
@@ -23085,36 +23928,6 @@
           </a:prstGeom>
         </p:spPr>
       </p:pic>
-    </p:spTree>
-    <p:extLst>
-      <p:ext uri="{BB962C8B-B14F-4D97-AF65-F5344CB8AC3E}">
-        <p14:creationId xmlns:p14="http://schemas.microsoft.com/office/powerpoint/2010/main" val="3808771758"/>
-      </p:ext>
-    </p:extLst>
-  </p:cSld>
-  <p:clrMapOvr>
-    <a:masterClrMapping/>
-  </p:clrMapOvr>
-</p:sld>
-</file>
-
-<file path=ppt/slides/slide20.xml><?xml version="1.0" encoding="utf-8"?>
-<p:sld xmlns:a="http://schemas.openxmlformats.org/drawingml/2006/main" xmlns:r="http://schemas.openxmlformats.org/officeDocument/2006/relationships" xmlns:p="http://schemas.openxmlformats.org/presentationml/2006/main">
-  <p:cSld>
-    <p:spTree>
-      <p:nvGrpSpPr>
-        <p:cNvPr id="1" name=""/>
-        <p:cNvGrpSpPr/>
-        <p:nvPr/>
-      </p:nvGrpSpPr>
-      <p:grpSpPr>
-        <a:xfrm>
-          <a:off x="0" y="0"/>
-          <a:ext cx="0" cy="0"/>
-          <a:chOff x="0" y="0"/>
-          <a:chExt cx="0" cy="0"/>
-        </a:xfrm>
-      </p:grpSpPr>
       <p:sp>
         <p:nvSpPr>
           <p:cNvPr id="2" name="Title 1">
@@ -23176,80 +23989,86 @@
             </a:r>
             <a:r>
               <a:rPr lang="en-US" dirty="0"/>
-              <a:t> allow all reordering loads and stores, especially across caches and threads.</a:t>
-            </a:r>
-          </a:p>
-          <a:p>
-            <a:r>
-              <a:rPr lang="en-US" dirty="0"/>
-              <a:t>C++ </a:t>
-            </a:r>
-            <a:r>
-              <a:rPr lang="en-US" b="1" dirty="0"/>
-              <a:t>atomic</a:t>
-            </a:r>
-            <a:r>
-              <a:rPr lang="en-US" dirty="0"/>
-              <a:t> forces strict </a:t>
+              <a:t> allow</a:t>
             </a:r>
             <a:br>
               <a:rPr lang="en-US" dirty="0"/>
             </a:br>
             <a:r>
               <a:rPr lang="en-US" dirty="0"/>
-              <a:t>sequential ordering </a:t>
-            </a:r>
-          </a:p>
-          <a:p>
-            <a:pPr lvl="1"/>
+              <a:t>reordering loads and stores across threads and caches.</a:t>
+            </a:r>
+          </a:p>
+          <a:p>
             <a:r>
               <a:rPr lang="en-US" dirty="0"/>
-              <a:t>sequential consistency =&gt;</a:t>
+              <a:t>C++ </a:t>
+            </a:r>
+            <a:r>
+              <a:rPr lang="en-US" b="1" dirty="0"/>
+              <a:t>atomic</a:t>
+            </a:r>
+            <a:r>
+              <a:rPr lang="en-US" dirty="0"/>
+              <a:t> forces strict </a:t>
             </a:r>
             <a:br>
               <a:rPr lang="en-US" dirty="0"/>
             </a:br>
             <a:r>
               <a:rPr lang="en-US" dirty="0"/>
-              <a:t>1) Each thread ordered,</a:t>
+              <a:t>sequential ordering </a:t>
+            </a:r>
+          </a:p>
+          <a:p>
+            <a:pPr lvl="1"/>
+            <a:r>
+              <a:rPr lang="en-US" dirty="0"/>
+              <a:t>sequential consistency =&gt;</a:t>
             </a:r>
             <a:br>
               <a:rPr lang="en-US" dirty="0"/>
             </a:br>
             <a:r>
               <a:rPr lang="en-US" dirty="0"/>
-              <a:t>2) overall order is total ordered</a:t>
-            </a:r>
-          </a:p>
-          <a:p>
-            <a:r>
-              <a:rPr lang="en-US" dirty="0"/>
-              <a:t>Replace default atomic </a:t>
+              <a:t>1) Each thread ordered,</a:t>
             </a:r>
             <a:br>
               <a:rPr lang="en-US" dirty="0"/>
             </a:br>
             <a:r>
               <a:rPr lang="en-US" dirty="0"/>
-              <a:t>read/write with weakest </a:t>
+              <a:t>2) overall order is total ordered</a:t>
+            </a:r>
+          </a:p>
+          <a:p>
+            <a:r>
+              <a:rPr lang="en-US" dirty="0"/>
+              <a:t>Relax =&gt; Replace default </a:t>
             </a:r>
             <a:br>
               <a:rPr lang="en-US" dirty="0"/>
             </a:br>
             <a:r>
               <a:rPr lang="en-US" dirty="0"/>
-              <a:t>correct requirement</a:t>
-            </a:r>
-          </a:p>
-          <a:p>
-            <a:r>
-              <a:rPr lang="en-US" dirty="0"/>
-              <a:t>Hardest one to get correct!</a:t>
+              <a:t>atomic read/write with </a:t>
             </a:r>
             <a:br>
               <a:rPr lang="en-US" dirty="0"/>
             </a:br>
+            <a:r>
+              <a:rPr lang="en-US" dirty="0"/>
+              <a:t>weakest correct requirement</a:t>
+            </a:r>
+          </a:p>
+          <a:p>
             <a:endParaRPr lang="en-US" dirty="0"/>
+          </a:p>
+          <a:p>
+            <a:r>
+              <a:rPr lang="en-US" dirty="0"/>
+              <a:t>VERY hard to get correct!</a:t>
+            </a:r>
           </a:p>
         </p:txBody>
       </p:sp>
@@ -23660,7 +24479,7 @@
 </p:sld>
 </file>
 
-<file path=ppt/slides/slide21.xml><?xml version="1.0" encoding="utf-8"?>
+<file path=ppt/slides/slide22.xml><?xml version="1.0" encoding="utf-8"?>
 <p:sld xmlns:a="http://schemas.openxmlformats.org/drawingml/2006/main" xmlns:r="http://schemas.openxmlformats.org/officeDocument/2006/relationships" xmlns:p="http://schemas.openxmlformats.org/presentationml/2006/main">
   <p:cSld>
     <p:spTree>
@@ -23885,7 +24704,7 @@
                 </a:solidFill>
                 <a:latin typeface="Consolas" panose="020B0609020204030204" pitchFamily="49" charset="0"/>
               </a:rPr>
-              <a:t>_.load(std::</a:t>
+              <a:t>_.load(</a:t>
             </a:r>
             <a:r>
               <a:rPr lang="en-US" dirty="0" err="1">
@@ -24039,7 +24858,7 @@
                 </a:solidFill>
                 <a:latin typeface="Consolas" panose="020B0609020204030204" pitchFamily="49" charset="0"/>
               </a:rPr>
-              <a:t>_.load(std::</a:t>
+              <a:t>_.load(</a:t>
             </a:r>
             <a:r>
               <a:rPr lang="en-US" dirty="0" err="1">
@@ -24153,7 +24972,7 @@
                 </a:solidFill>
                 <a:latin typeface="Consolas" panose="020B0609020204030204" pitchFamily="49" charset="0"/>
               </a:rPr>
-              <a:t>, std::</a:t>
+              <a:t>, </a:t>
             </a:r>
             <a:r>
               <a:rPr lang="en-US" dirty="0" err="1">
@@ -24306,9 +25125,16 @@
             <a:endParaRPr lang="en-US" dirty="0"/>
           </a:p>
           <a:p>
+            <a:pPr marL="0" indent="0">
+              <a:buNone/>
+            </a:pPr>
+            <a:r>
+              <a:rPr lang="en-US" b="1" dirty="0"/>
+              <a:t>Note:</a:t>
+            </a:r>
             <a:r>
               <a:rPr lang="en-US" dirty="0"/>
-              <a:t>Note: branching order changed to often better choice - most taken closest</a:t>
+              <a:t> branching order changed to often better choice - most taken closest</a:t>
             </a:r>
           </a:p>
           <a:p>
@@ -24367,10 +25193,101 @@
   <p:clrMapOvr>
     <a:masterClrMapping/>
   </p:clrMapOvr>
+  <p:timing>
+    <p:tnLst>
+      <p:par>
+        <p:cTn id="1" dur="indefinite" restart="never" nodeType="tmRoot">
+          <p:childTnLst>
+            <p:seq concurrent="1" nextAc="seek">
+              <p:cTn id="2" dur="indefinite" nodeType="mainSeq">
+                <p:childTnLst>
+                  <p:par>
+                    <p:cTn id="3" fill="hold">
+                      <p:stCondLst>
+                        <p:cond delay="indefinite"/>
+                      </p:stCondLst>
+                      <p:childTnLst>
+                        <p:par>
+                          <p:cTn id="4" fill="hold">
+                            <p:stCondLst>
+                              <p:cond delay="0"/>
+                            </p:stCondLst>
+                            <p:childTnLst>
+                              <p:par>
+                                <p:cTn id="5" presetID="10" presetClass="entr" presetSubtype="0" fill="hold" nodeType="clickEffect">
+                                  <p:stCondLst>
+                                    <p:cond delay="0"/>
+                                  </p:stCondLst>
+                                  <p:childTnLst>
+                                    <p:set>
+                                      <p:cBhvr>
+                                        <p:cTn id="6" dur="1" fill="hold">
+                                          <p:stCondLst>
+                                            <p:cond delay="0"/>
+                                          </p:stCondLst>
+                                        </p:cTn>
+                                        <p:tgtEl>
+                                          <p:spTgt spid="3">
+                                            <p:txEl>
+                                              <p:pRg st="14" end="14"/>
+                                            </p:txEl>
+                                          </p:spTgt>
+                                        </p:tgtEl>
+                                        <p:attrNameLst>
+                                          <p:attrName>style.visibility</p:attrName>
+                                        </p:attrNameLst>
+                                      </p:cBhvr>
+                                      <p:to>
+                                        <p:strVal val="visible"/>
+                                      </p:to>
+                                    </p:set>
+                                    <p:animEffect transition="in" filter="fade">
+                                      <p:cBhvr>
+                                        <p:cTn id="7" dur="500"/>
+                                        <p:tgtEl>
+                                          <p:spTgt spid="3">
+                                            <p:txEl>
+                                              <p:pRg st="14" end="14"/>
+                                            </p:txEl>
+                                          </p:spTgt>
+                                        </p:tgtEl>
+                                      </p:cBhvr>
+                                    </p:animEffect>
+                                  </p:childTnLst>
+                                </p:cTn>
+                              </p:par>
+                            </p:childTnLst>
+                          </p:cTn>
+                        </p:par>
+                      </p:childTnLst>
+                    </p:cTn>
+                  </p:par>
+                </p:childTnLst>
+              </p:cTn>
+              <p:prevCondLst>
+                <p:cond evt="onPrev" delay="0">
+                  <p:tgtEl>
+                    <p:sldTgt/>
+                  </p:tgtEl>
+                </p:cond>
+              </p:prevCondLst>
+              <p:nextCondLst>
+                <p:cond evt="onNext" delay="0">
+                  <p:tgtEl>
+                    <p:sldTgt/>
+                  </p:tgtEl>
+                </p:cond>
+              </p:nextCondLst>
+            </p:seq>
+          </p:childTnLst>
+        </p:cTn>
+      </p:par>
+    </p:tnLst>
+  </p:timing>
 </p:sld>
 </file>
 
-<file path=ppt/slides/slide22.xml><?xml version="1.0" encoding="utf-8"?>
+<file path=ppt/slides/slide23.xml><?xml version="1.0" encoding="utf-8"?>
 <p:sld xmlns:a="http://schemas.openxmlformats.org/drawingml/2006/main" xmlns:r="http://schemas.openxmlformats.org/officeDocument/2006/relationships" xmlns:p="http://schemas.openxmlformats.org/presentationml/2006/main">
   <p:cSld>
     <p:spTree>
@@ -24548,7 +25465,7 @@
 </p:sld>
 </file>
 
-<file path=ppt/slides/slide23.xml><?xml version="1.0" encoding="utf-8"?>
+<file path=ppt/slides/slide24.xml><?xml version="1.0" encoding="utf-8"?>
 <p:sld xmlns:a="http://schemas.openxmlformats.org/drawingml/2006/main" xmlns:r="http://schemas.openxmlformats.org/officeDocument/2006/relationships" xmlns:p="http://schemas.openxmlformats.org/presentationml/2006/main">
   <p:cSld>
     <p:spTree>
@@ -24913,735 +25830,6 @@
 </p:sld>
 </file>
 
-<file path=ppt/slides/slide24.xml><?xml version="1.0" encoding="utf-8"?>
-<p:sld xmlns:a="http://schemas.openxmlformats.org/drawingml/2006/main" xmlns:r="http://schemas.openxmlformats.org/officeDocument/2006/relationships" xmlns:p="http://schemas.openxmlformats.org/presentationml/2006/main">
-  <p:cSld>
-    <p:spTree>
-      <p:nvGrpSpPr>
-        <p:cNvPr id="1" name=""/>
-        <p:cNvGrpSpPr/>
-        <p:nvPr/>
-      </p:nvGrpSpPr>
-      <p:grpSpPr>
-        <a:xfrm>
-          <a:off x="0" y="0"/>
-          <a:ext cx="0" cy="0"/>
-          <a:chOff x="0" y="0"/>
-          <a:chExt cx="0" cy="0"/>
-        </a:xfrm>
-      </p:grpSpPr>
-      <p:sp>
-        <p:nvSpPr>
-          <p:cNvPr id="2" name="Title 1">
-            <a:extLst>
-              <a:ext uri="{FF2B5EF4-FFF2-40B4-BE49-F238E27FC236}">
-                <a16:creationId xmlns:a16="http://schemas.microsoft.com/office/drawing/2014/main" id="{C31C4400-181D-43B7-8888-05CA9E6A1531}"/>
-              </a:ext>
-            </a:extLst>
-          </p:cNvPr>
-          <p:cNvSpPr>
-            <a:spLocks noGrp="1"/>
-          </p:cNvSpPr>
-          <p:nvPr>
-            <p:ph type="title"/>
-          </p:nvPr>
-        </p:nvSpPr>
-        <p:spPr/>
-        <p:txBody>
-          <a:bodyPr/>
-          <a:lstStyle/>
-          <a:p>
-            <a:r>
-              <a:rPr lang="en-US" dirty="0"/>
-              <a:t>Full Size Buffer</a:t>
-            </a:r>
-          </a:p>
-        </p:txBody>
-      </p:sp>
-      <p:sp>
-        <p:nvSpPr>
-          <p:cNvPr id="3" name="Content Placeholder 2">
-            <a:extLst>
-              <a:ext uri="{FF2B5EF4-FFF2-40B4-BE49-F238E27FC236}">
-                <a16:creationId xmlns:a16="http://schemas.microsoft.com/office/drawing/2014/main" id="{96A8DF8F-AE57-4A23-9A3C-DC7CA2FC2577}"/>
-              </a:ext>
-            </a:extLst>
-          </p:cNvPr>
-          <p:cNvSpPr>
-            <a:spLocks noGrp="1"/>
-          </p:cNvSpPr>
-          <p:nvPr>
-            <p:ph idx="1"/>
-          </p:nvPr>
-        </p:nvSpPr>
-        <p:spPr/>
-        <p:txBody>
-          <a:bodyPr>
-            <a:normAutofit fontScale="62500" lnSpcReduction="20000"/>
-          </a:bodyPr>
-          <a:lstStyle/>
-          <a:p>
-            <a:pPr marL="0" indent="0">
-              <a:buNone/>
-            </a:pPr>
-            <a:r>
-              <a:rPr lang="en-US" dirty="0">
-                <a:solidFill>
-                  <a:srgbClr val="008000"/>
-                </a:solidFill>
-                <a:latin typeface="Consolas" panose="020B0609020204030204" pitchFamily="49" charset="0"/>
-              </a:rPr>
-              <a:t>// try to write an element, fails if no space available</a:t>
-            </a:r>
-            <a:endParaRPr lang="en-US" dirty="0">
-              <a:solidFill>
-                <a:srgbClr val="000000"/>
-              </a:solidFill>
-              <a:latin typeface="Consolas" panose="020B0609020204030204" pitchFamily="49" charset="0"/>
-            </a:endParaRPr>
-          </a:p>
-          <a:p>
-            <a:pPr marL="0" indent="0">
-              <a:buNone/>
-            </a:pPr>
-            <a:r>
-              <a:rPr lang="en-US" dirty="0">
-                <a:solidFill>
-                  <a:srgbClr val="0000FF"/>
-                </a:solidFill>
-                <a:latin typeface="Consolas" panose="020B0609020204030204" pitchFamily="49" charset="0"/>
-              </a:rPr>
-              <a:t>bool</a:t>
-            </a:r>
-            <a:r>
-              <a:rPr lang="en-US" dirty="0">
-                <a:solidFill>
-                  <a:srgbClr val="000000"/>
-                </a:solidFill>
-                <a:latin typeface="Consolas" panose="020B0609020204030204" pitchFamily="49" charset="0"/>
-              </a:rPr>
-              <a:t> Put(</a:t>
-            </a:r>
-            <a:r>
-              <a:rPr lang="en-US" dirty="0">
-                <a:solidFill>
-                  <a:srgbClr val="0000FF"/>
-                </a:solidFill>
-                <a:latin typeface="Consolas" panose="020B0609020204030204" pitchFamily="49" charset="0"/>
-              </a:rPr>
-              <a:t>const</a:t>
-            </a:r>
-            <a:r>
-              <a:rPr lang="en-US" dirty="0">
-                <a:solidFill>
-                  <a:srgbClr val="000000"/>
-                </a:solidFill>
-                <a:latin typeface="Consolas" panose="020B0609020204030204" pitchFamily="49" charset="0"/>
-              </a:rPr>
-              <a:t> </a:t>
-            </a:r>
-            <a:r>
-              <a:rPr lang="en-US" dirty="0" err="1">
-                <a:solidFill>
-                  <a:srgbClr val="2B91AF"/>
-                </a:solidFill>
-                <a:latin typeface="Consolas" panose="020B0609020204030204" pitchFamily="49" charset="0"/>
-              </a:rPr>
-              <a:t>DataType</a:t>
-            </a:r>
-            <a:r>
-              <a:rPr lang="en-US" dirty="0">
-                <a:solidFill>
-                  <a:srgbClr val="000000"/>
-                </a:solidFill>
-                <a:latin typeface="Consolas" panose="020B0609020204030204" pitchFamily="49" charset="0"/>
-              </a:rPr>
-              <a:t> &amp; </a:t>
-            </a:r>
-            <a:r>
-              <a:rPr lang="en-US" dirty="0">
-                <a:solidFill>
-                  <a:srgbClr val="808080"/>
-                </a:solidFill>
-                <a:latin typeface="Consolas" panose="020B0609020204030204" pitchFamily="49" charset="0"/>
-              </a:rPr>
-              <a:t>datum</a:t>
-            </a:r>
-            <a:r>
-              <a:rPr lang="en-US" dirty="0">
-                <a:solidFill>
-                  <a:srgbClr val="000000"/>
-                </a:solidFill>
-                <a:latin typeface="Consolas" panose="020B0609020204030204" pitchFamily="49" charset="0"/>
-              </a:rPr>
-              <a:t>)</a:t>
-            </a:r>
-          </a:p>
-          <a:p>
-            <a:pPr marL="0" indent="0">
-              <a:buNone/>
-            </a:pPr>
-            <a:r>
-              <a:rPr lang="en-US" dirty="0">
-                <a:solidFill>
-                  <a:srgbClr val="000000"/>
-                </a:solidFill>
-                <a:latin typeface="Consolas" panose="020B0609020204030204" pitchFamily="49" charset="0"/>
-              </a:rPr>
-              <a:t>{ </a:t>
-            </a:r>
-            <a:r>
-              <a:rPr lang="en-US" dirty="0">
-                <a:solidFill>
-                  <a:srgbClr val="008000"/>
-                </a:solidFill>
-                <a:latin typeface="Consolas" panose="020B0609020204030204" pitchFamily="49" charset="0"/>
-              </a:rPr>
-              <a:t>// paper above has ability to write bigger blocks, is faster</a:t>
-            </a:r>
-            <a:endParaRPr lang="en-US" dirty="0">
-              <a:solidFill>
-                <a:srgbClr val="000000"/>
-              </a:solidFill>
-              <a:latin typeface="Consolas" panose="020B0609020204030204" pitchFamily="49" charset="0"/>
-            </a:endParaRPr>
-          </a:p>
-          <a:p>
-            <a:pPr marL="0" indent="0">
-              <a:buNone/>
-            </a:pPr>
-            <a:r>
-              <a:rPr lang="en-US" dirty="0">
-                <a:solidFill>
-                  <a:srgbClr val="0000FF"/>
-                </a:solidFill>
-                <a:latin typeface="Consolas" panose="020B0609020204030204" pitchFamily="49" charset="0"/>
-              </a:rPr>
-              <a:t>   const</a:t>
-            </a:r>
-            <a:r>
-              <a:rPr lang="en-US" dirty="0">
-                <a:solidFill>
-                  <a:srgbClr val="000000"/>
-                </a:solidFill>
-                <a:latin typeface="Consolas" panose="020B0609020204030204" pitchFamily="49" charset="0"/>
-              </a:rPr>
-              <a:t> </a:t>
-            </a:r>
-            <a:r>
-              <a:rPr lang="en-US" dirty="0">
-                <a:solidFill>
-                  <a:srgbClr val="0000FF"/>
-                </a:solidFill>
-                <a:latin typeface="Consolas" panose="020B0609020204030204" pitchFamily="49" charset="0"/>
-              </a:rPr>
-              <a:t>auto</a:t>
-            </a:r>
-            <a:r>
-              <a:rPr lang="en-US" dirty="0">
-                <a:solidFill>
-                  <a:srgbClr val="000000"/>
-                </a:solidFill>
-                <a:latin typeface="Consolas" panose="020B0609020204030204" pitchFamily="49" charset="0"/>
-              </a:rPr>
-              <a:t> w = </a:t>
-            </a:r>
-            <a:r>
-              <a:rPr lang="en-US" dirty="0" err="1">
-                <a:solidFill>
-                  <a:srgbClr val="000000"/>
-                </a:solidFill>
-                <a:latin typeface="Consolas" panose="020B0609020204030204" pitchFamily="49" charset="0"/>
-              </a:rPr>
-              <a:t>writeIndex</a:t>
-            </a:r>
-            <a:r>
-              <a:rPr lang="en-US" dirty="0">
-                <a:solidFill>
-                  <a:srgbClr val="000000"/>
-                </a:solidFill>
-                <a:latin typeface="Consolas" panose="020B0609020204030204" pitchFamily="49" charset="0"/>
-              </a:rPr>
-              <a:t>_.load(std::</a:t>
-            </a:r>
-            <a:r>
-              <a:rPr lang="en-US" dirty="0" err="1">
-                <a:solidFill>
-                  <a:srgbClr val="2F4F4F"/>
-                </a:solidFill>
-                <a:latin typeface="Consolas" panose="020B0609020204030204" pitchFamily="49" charset="0"/>
-              </a:rPr>
-              <a:t>memory_order_relaxed</a:t>
-            </a:r>
-            <a:r>
-              <a:rPr lang="en-US" dirty="0">
-                <a:solidFill>
-                  <a:srgbClr val="000000"/>
-                </a:solidFill>
-                <a:latin typeface="Consolas" panose="020B0609020204030204" pitchFamily="49" charset="0"/>
-              </a:rPr>
-              <a:t>);</a:t>
-            </a:r>
-          </a:p>
-          <a:p>
-            <a:pPr marL="0" indent="0">
-              <a:buNone/>
-            </a:pPr>
-            <a:r>
-              <a:rPr lang="en-US" dirty="0">
-                <a:solidFill>
-                  <a:srgbClr val="0000FF"/>
-                </a:solidFill>
-                <a:latin typeface="Consolas" panose="020B0609020204030204" pitchFamily="49" charset="0"/>
-              </a:rPr>
-              <a:t>   const</a:t>
-            </a:r>
-            <a:r>
-              <a:rPr lang="en-US" dirty="0">
-                <a:solidFill>
-                  <a:srgbClr val="000000"/>
-                </a:solidFill>
-                <a:latin typeface="Consolas" panose="020B0609020204030204" pitchFamily="49" charset="0"/>
-              </a:rPr>
-              <a:t> </a:t>
-            </a:r>
-            <a:r>
-              <a:rPr lang="en-US" dirty="0">
-                <a:solidFill>
-                  <a:srgbClr val="0000FF"/>
-                </a:solidFill>
-                <a:latin typeface="Consolas" panose="020B0609020204030204" pitchFamily="49" charset="0"/>
-              </a:rPr>
-              <a:t>auto</a:t>
-            </a:r>
-            <a:r>
-              <a:rPr lang="en-US" dirty="0">
-                <a:solidFill>
-                  <a:srgbClr val="000000"/>
-                </a:solidFill>
-                <a:latin typeface="Consolas" panose="020B0609020204030204" pitchFamily="49" charset="0"/>
-              </a:rPr>
-              <a:t> </a:t>
-            </a:r>
-            <a:r>
-              <a:rPr lang="en-US" dirty="0" err="1">
-                <a:solidFill>
-                  <a:srgbClr val="000000"/>
-                </a:solidFill>
-                <a:latin typeface="Consolas" panose="020B0609020204030204" pitchFamily="49" charset="0"/>
-              </a:rPr>
-              <a:t>nextWrite</a:t>
-            </a:r>
-            <a:r>
-              <a:rPr lang="en-US" dirty="0">
-                <a:solidFill>
-                  <a:srgbClr val="000000"/>
-                </a:solidFill>
-                <a:latin typeface="Consolas" panose="020B0609020204030204" pitchFamily="49" charset="0"/>
-              </a:rPr>
-              <a:t> = </a:t>
-            </a:r>
-            <a:r>
-              <a:rPr lang="en-US" dirty="0" err="1">
-                <a:solidFill>
-                  <a:srgbClr val="2B91AF"/>
-                </a:solidFill>
-                <a:latin typeface="Consolas" panose="020B0609020204030204" pitchFamily="49" charset="0"/>
-              </a:rPr>
-              <a:t>RingMod</a:t>
-            </a:r>
-            <a:r>
-              <a:rPr lang="en-US" dirty="0">
-                <a:solidFill>
-                  <a:srgbClr val="000000"/>
-                </a:solidFill>
-                <a:latin typeface="Consolas" panose="020B0609020204030204" pitchFamily="49" charset="0"/>
-              </a:rPr>
-              <a:t>::Mod2N(w + 1);</a:t>
-            </a:r>
-          </a:p>
-          <a:p>
-            <a:pPr marL="0" indent="0">
-              <a:buNone/>
-            </a:pPr>
-            <a:r>
-              <a:rPr lang="en-US" dirty="0">
-                <a:solidFill>
-                  <a:srgbClr val="0000FF"/>
-                </a:solidFill>
-                <a:latin typeface="Consolas" panose="020B0609020204030204" pitchFamily="49" charset="0"/>
-              </a:rPr>
-              <a:t>   if</a:t>
-            </a:r>
-            <a:r>
-              <a:rPr lang="en-US" dirty="0">
-                <a:solidFill>
-                  <a:srgbClr val="000000"/>
-                </a:solidFill>
-                <a:latin typeface="Consolas" panose="020B0609020204030204" pitchFamily="49" charset="0"/>
-              </a:rPr>
-              <a:t> (</a:t>
-            </a:r>
-            <a:r>
-              <a:rPr lang="en-US" dirty="0" err="1">
-                <a:solidFill>
-                  <a:srgbClr val="000000"/>
-                </a:solidFill>
-                <a:latin typeface="Consolas" panose="020B0609020204030204" pitchFamily="49" charset="0"/>
-              </a:rPr>
-              <a:t>nextWrite</a:t>
-            </a:r>
-            <a:r>
-              <a:rPr lang="en-US" dirty="0">
-                <a:solidFill>
-                  <a:srgbClr val="000000"/>
-                </a:solidFill>
-                <a:latin typeface="Consolas" panose="020B0609020204030204" pitchFamily="49" charset="0"/>
-              </a:rPr>
-              <a:t> != </a:t>
-            </a:r>
-            <a:r>
-              <a:rPr lang="en-US" dirty="0" err="1">
-                <a:solidFill>
-                  <a:srgbClr val="000000"/>
-                </a:solidFill>
-                <a:latin typeface="Consolas" panose="020B0609020204030204" pitchFamily="49" charset="0"/>
-              </a:rPr>
-              <a:t>readIndex</a:t>
-            </a:r>
-            <a:r>
-              <a:rPr lang="en-US" dirty="0">
-                <a:solidFill>
-                  <a:srgbClr val="000000"/>
-                </a:solidFill>
-                <a:latin typeface="Consolas" panose="020B0609020204030204" pitchFamily="49" charset="0"/>
-              </a:rPr>
-              <a:t>_.load(std::</a:t>
-            </a:r>
-            <a:r>
-              <a:rPr lang="en-US" dirty="0" err="1">
-                <a:solidFill>
-                  <a:srgbClr val="2F4F4F"/>
-                </a:solidFill>
-                <a:latin typeface="Consolas" panose="020B0609020204030204" pitchFamily="49" charset="0"/>
-              </a:rPr>
-              <a:t>memory_order_acquire</a:t>
-            </a:r>
-            <a:r>
-              <a:rPr lang="en-US" dirty="0">
-                <a:solidFill>
-                  <a:srgbClr val="000000"/>
-                </a:solidFill>
-                <a:latin typeface="Consolas" panose="020B0609020204030204" pitchFamily="49" charset="0"/>
-              </a:rPr>
-              <a:t>))</a:t>
-            </a:r>
-          </a:p>
-          <a:p>
-            <a:pPr marL="0" indent="0">
-              <a:buNone/>
-            </a:pPr>
-            <a:r>
-              <a:rPr lang="en-US" dirty="0">
-                <a:solidFill>
-                  <a:srgbClr val="000000"/>
-                </a:solidFill>
-                <a:latin typeface="Consolas" panose="020B0609020204030204" pitchFamily="49" charset="0"/>
-              </a:rPr>
-              <a:t>   {</a:t>
-            </a:r>
-          </a:p>
-          <a:p>
-            <a:pPr marL="0" indent="0">
-              <a:buNone/>
-            </a:pPr>
-            <a:r>
-              <a:rPr lang="da-DK" dirty="0">
-                <a:solidFill>
-                  <a:srgbClr val="000000"/>
-                </a:solidFill>
-                <a:latin typeface="Consolas" panose="020B0609020204030204" pitchFamily="49" charset="0"/>
-              </a:rPr>
-              <a:t>      buffer_[</a:t>
-            </a:r>
-            <a:r>
-              <a:rPr lang="da-DK" dirty="0">
-                <a:solidFill>
-                  <a:srgbClr val="2B91AF"/>
-                </a:solidFill>
-                <a:latin typeface="Consolas" panose="020B0609020204030204" pitchFamily="49" charset="0"/>
-              </a:rPr>
-              <a:t>RingMod</a:t>
-            </a:r>
-            <a:r>
-              <a:rPr lang="da-DK" dirty="0">
-                <a:solidFill>
-                  <a:srgbClr val="000000"/>
-                </a:solidFill>
-                <a:latin typeface="Consolas" panose="020B0609020204030204" pitchFamily="49" charset="0"/>
-              </a:rPr>
-              <a:t>::Mod1N(w)] = </a:t>
-            </a:r>
-            <a:r>
-              <a:rPr lang="da-DK" dirty="0">
-                <a:solidFill>
-                  <a:srgbClr val="808080"/>
-                </a:solidFill>
-                <a:latin typeface="Consolas" panose="020B0609020204030204" pitchFamily="49" charset="0"/>
-              </a:rPr>
-              <a:t>datum</a:t>
-            </a:r>
-            <a:r>
-              <a:rPr lang="da-DK" dirty="0">
-                <a:solidFill>
-                  <a:srgbClr val="000000"/>
-                </a:solidFill>
-                <a:latin typeface="Consolas" panose="020B0609020204030204" pitchFamily="49" charset="0"/>
-              </a:rPr>
-              <a:t>;</a:t>
-            </a:r>
-          </a:p>
-          <a:p>
-            <a:pPr marL="0" indent="0">
-              <a:buNone/>
-            </a:pPr>
-            <a:r>
-              <a:rPr lang="en-US" dirty="0">
-                <a:solidFill>
-                  <a:srgbClr val="000000"/>
-                </a:solidFill>
-                <a:latin typeface="Consolas" panose="020B0609020204030204" pitchFamily="49" charset="0"/>
-              </a:rPr>
-              <a:t>      </a:t>
-            </a:r>
-            <a:r>
-              <a:rPr lang="en-US" dirty="0" err="1">
-                <a:solidFill>
-                  <a:srgbClr val="000000"/>
-                </a:solidFill>
-                <a:latin typeface="Consolas" panose="020B0609020204030204" pitchFamily="49" charset="0"/>
-              </a:rPr>
-              <a:t>writeIndex</a:t>
-            </a:r>
-            <a:r>
-              <a:rPr lang="en-US" dirty="0">
-                <a:solidFill>
-                  <a:srgbClr val="000000"/>
-                </a:solidFill>
-                <a:latin typeface="Consolas" panose="020B0609020204030204" pitchFamily="49" charset="0"/>
-              </a:rPr>
-              <a:t>_.store(</a:t>
-            </a:r>
-            <a:r>
-              <a:rPr lang="en-US" dirty="0" err="1">
-                <a:solidFill>
-                  <a:srgbClr val="000000"/>
-                </a:solidFill>
-                <a:latin typeface="Consolas" panose="020B0609020204030204" pitchFamily="49" charset="0"/>
-              </a:rPr>
-              <a:t>nextWrite</a:t>
-            </a:r>
-            <a:r>
-              <a:rPr lang="en-US" dirty="0">
-                <a:solidFill>
-                  <a:srgbClr val="000000"/>
-                </a:solidFill>
-                <a:latin typeface="Consolas" panose="020B0609020204030204" pitchFamily="49" charset="0"/>
-              </a:rPr>
-              <a:t>, std::</a:t>
-            </a:r>
-            <a:r>
-              <a:rPr lang="en-US" dirty="0" err="1">
-                <a:solidFill>
-                  <a:srgbClr val="2F4F4F"/>
-                </a:solidFill>
-                <a:latin typeface="Consolas" panose="020B0609020204030204" pitchFamily="49" charset="0"/>
-              </a:rPr>
-              <a:t>memory_order_release</a:t>
-            </a:r>
-            <a:r>
-              <a:rPr lang="en-US" dirty="0">
-                <a:solidFill>
-                  <a:srgbClr val="000000"/>
-                </a:solidFill>
-                <a:latin typeface="Consolas" panose="020B0609020204030204" pitchFamily="49" charset="0"/>
-              </a:rPr>
-              <a:t>);</a:t>
-            </a:r>
-          </a:p>
-          <a:p>
-            <a:pPr marL="0" indent="0">
-              <a:buNone/>
-            </a:pPr>
-            <a:r>
-              <a:rPr lang="en-US" dirty="0">
-                <a:solidFill>
-                  <a:srgbClr val="0000FF"/>
-                </a:solidFill>
-                <a:latin typeface="Consolas" panose="020B0609020204030204" pitchFamily="49" charset="0"/>
-              </a:rPr>
-              <a:t>      return</a:t>
-            </a:r>
-            <a:r>
-              <a:rPr lang="en-US" dirty="0">
-                <a:solidFill>
-                  <a:srgbClr val="000000"/>
-                </a:solidFill>
-                <a:latin typeface="Consolas" panose="020B0609020204030204" pitchFamily="49" charset="0"/>
-              </a:rPr>
-              <a:t> </a:t>
-            </a:r>
-            <a:r>
-              <a:rPr lang="en-US" dirty="0">
-                <a:solidFill>
-                  <a:srgbClr val="0000FF"/>
-                </a:solidFill>
-                <a:latin typeface="Consolas" panose="020B0609020204030204" pitchFamily="49" charset="0"/>
-              </a:rPr>
-              <a:t>true</a:t>
-            </a:r>
-            <a:r>
-              <a:rPr lang="en-US" dirty="0">
-                <a:solidFill>
-                  <a:srgbClr val="000000"/>
-                </a:solidFill>
-                <a:latin typeface="Consolas" panose="020B0609020204030204" pitchFamily="49" charset="0"/>
-              </a:rPr>
-              <a:t>;</a:t>
-            </a:r>
-          </a:p>
-          <a:p>
-            <a:pPr marL="0" indent="0">
-              <a:buNone/>
-            </a:pPr>
-            <a:r>
-              <a:rPr lang="en-US" dirty="0">
-                <a:solidFill>
-                  <a:srgbClr val="000000"/>
-                </a:solidFill>
-                <a:latin typeface="Consolas" panose="020B0609020204030204" pitchFamily="49" charset="0"/>
-              </a:rPr>
-              <a:t>   }</a:t>
-            </a:r>
-          </a:p>
-          <a:p>
-            <a:pPr marL="0" indent="0">
-              <a:buNone/>
-            </a:pPr>
-            <a:r>
-              <a:rPr lang="en-US" dirty="0">
-                <a:solidFill>
-                  <a:srgbClr val="0000FF"/>
-                </a:solidFill>
-                <a:latin typeface="Consolas" panose="020B0609020204030204" pitchFamily="49" charset="0"/>
-              </a:rPr>
-              <a:t>   return</a:t>
-            </a:r>
-            <a:r>
-              <a:rPr lang="en-US" dirty="0">
-                <a:solidFill>
-                  <a:srgbClr val="000000"/>
-                </a:solidFill>
-                <a:latin typeface="Consolas" panose="020B0609020204030204" pitchFamily="49" charset="0"/>
-              </a:rPr>
-              <a:t> </a:t>
-            </a:r>
-            <a:r>
-              <a:rPr lang="en-US" dirty="0">
-                <a:solidFill>
-                  <a:srgbClr val="0000FF"/>
-                </a:solidFill>
-                <a:latin typeface="Consolas" panose="020B0609020204030204" pitchFamily="49" charset="0"/>
-              </a:rPr>
-              <a:t>false</a:t>
-            </a:r>
-            <a:r>
-              <a:rPr lang="en-US" dirty="0">
-                <a:solidFill>
-                  <a:srgbClr val="000000"/>
-                </a:solidFill>
-                <a:latin typeface="Consolas" panose="020B0609020204030204" pitchFamily="49" charset="0"/>
-              </a:rPr>
-              <a:t>; </a:t>
-            </a:r>
-            <a:r>
-              <a:rPr lang="en-US" dirty="0">
-                <a:solidFill>
-                  <a:srgbClr val="008000"/>
-                </a:solidFill>
-                <a:latin typeface="Consolas" panose="020B0609020204030204" pitchFamily="49" charset="0"/>
-              </a:rPr>
-              <a:t>// buffer full</a:t>
-            </a:r>
-            <a:endParaRPr lang="en-US" dirty="0">
-              <a:solidFill>
-                <a:srgbClr val="000000"/>
-              </a:solidFill>
-              <a:latin typeface="Consolas" panose="020B0609020204030204" pitchFamily="49" charset="0"/>
-            </a:endParaRPr>
-          </a:p>
-          <a:p>
-            <a:pPr marL="0" indent="0">
-              <a:buNone/>
-            </a:pPr>
-            <a:r>
-              <a:rPr lang="en-US" dirty="0">
-                <a:solidFill>
-                  <a:srgbClr val="000000"/>
-                </a:solidFill>
-                <a:latin typeface="Consolas" panose="020B0609020204030204" pitchFamily="49" charset="0"/>
-              </a:rPr>
-              <a:t>}</a:t>
-            </a:r>
-          </a:p>
-          <a:p>
-            <a:endParaRPr lang="en-US" dirty="0"/>
-          </a:p>
-        </p:txBody>
-      </p:sp>
-      <p:pic>
-        <p:nvPicPr>
-          <p:cNvPr id="5" name="Picture 4">
-            <a:extLst>
-              <a:ext uri="{FF2B5EF4-FFF2-40B4-BE49-F238E27FC236}">
-                <a16:creationId xmlns:a16="http://schemas.microsoft.com/office/drawing/2014/main" id="{67819C02-BD94-47F5-9A73-3510B1620EB6}"/>
-              </a:ext>
-            </a:extLst>
-          </p:cNvPr>
-          <p:cNvPicPr>
-            <a:picLocks noChangeAspect="1"/>
-          </p:cNvPicPr>
-          <p:nvPr/>
-        </p:nvPicPr>
-        <p:blipFill>
-          <a:blip r:embed="rId2"/>
-          <a:stretch>
-            <a:fillRect/>
-          </a:stretch>
-        </p:blipFill>
-        <p:spPr>
-          <a:xfrm>
-            <a:off x="8909807" y="365125"/>
-            <a:ext cx="2332415" cy="2091484"/>
-          </a:xfrm>
-          <a:prstGeom prst="rect">
-            <a:avLst/>
-          </a:prstGeom>
-        </p:spPr>
-      </p:pic>
-    </p:spTree>
-    <p:extLst>
-      <p:ext uri="{BB962C8B-B14F-4D97-AF65-F5344CB8AC3E}">
-        <p14:creationId xmlns:p14="http://schemas.microsoft.com/office/powerpoint/2010/main" val="2425718482"/>
-      </p:ext>
-    </p:extLst>
-  </p:cSld>
-  <p:clrMapOvr>
-    <a:masterClrMapping/>
-  </p:clrMapOvr>
-</p:sld>
-</file>
-
 <file path=ppt/slides/slide25.xml><?xml version="1.0" encoding="utf-8"?>
 <p:sld xmlns:a="http://schemas.openxmlformats.org/drawingml/2006/main" xmlns:r="http://schemas.openxmlformats.org/officeDocument/2006/relationships" xmlns:p="http://schemas.openxmlformats.org/presentationml/2006/main">
   <p:cSld>
@@ -25682,7 +25870,7 @@
           <a:p>
             <a:r>
               <a:rPr lang="en-US" dirty="0"/>
-              <a:t>Cache Ring Buffer</a:t>
+              <a:t>Full Size Buffer</a:t>
             </a:r>
           </a:p>
         </p:txBody>
@@ -25705,27 +25893,23 @@
         </p:nvSpPr>
         <p:spPr/>
         <p:txBody>
-          <a:bodyPr/>
+          <a:bodyPr>
+            <a:normAutofit fontScale="62500" lnSpcReduction="20000"/>
+          </a:bodyPr>
           <a:lstStyle/>
           <a:p>
-            <a:r>
-              <a:rPr lang="en-US" dirty="0"/>
-              <a:t>False sharing cache</a:t>
-            </a:r>
-          </a:p>
-          <a:p>
-            <a:r>
-              <a:rPr lang="en-US" dirty="0"/>
-              <a:t>Move lines around</a:t>
-            </a:r>
-          </a:p>
-          <a:p>
-            <a:r>
-              <a:rPr lang="en-US" dirty="0"/>
-              <a:t>Can do better, greater cost…</a:t>
-            </a:r>
-          </a:p>
-          <a:p>
+            <a:pPr marL="0" indent="0">
+              <a:buNone/>
+            </a:pPr>
+            <a:r>
+              <a:rPr lang="en-US" dirty="0">
+                <a:solidFill>
+                  <a:srgbClr val="008000"/>
+                </a:solidFill>
+                <a:latin typeface="Consolas" panose="020B0609020204030204" pitchFamily="49" charset="0"/>
+              </a:rPr>
+              <a:t>// try to write an element, fails if no space available</a:t>
+            </a:r>
             <a:endParaRPr lang="en-US" dirty="0">
               <a:solidFill>
                 <a:srgbClr val="000000"/>
@@ -25740,56 +25924,74 @@
             <a:r>
               <a:rPr lang="en-US" dirty="0">
                 <a:solidFill>
+                  <a:srgbClr val="0000FF"/>
+                </a:solidFill>
+                <a:latin typeface="Consolas" panose="020B0609020204030204" pitchFamily="49" charset="0"/>
+              </a:rPr>
+              <a:t>bool</a:t>
+            </a:r>
+            <a:r>
+              <a:rPr lang="en-US" dirty="0">
+                <a:solidFill>
+                  <a:srgbClr val="000000"/>
+                </a:solidFill>
+                <a:latin typeface="Consolas" panose="020B0609020204030204" pitchFamily="49" charset="0"/>
+              </a:rPr>
+              <a:t> Put(</a:t>
+            </a:r>
+            <a:r>
+              <a:rPr lang="en-US" dirty="0">
+                <a:solidFill>
+                  <a:srgbClr val="0000FF"/>
+                </a:solidFill>
+                <a:latin typeface="Consolas" panose="020B0609020204030204" pitchFamily="49" charset="0"/>
+              </a:rPr>
+              <a:t>const</a:t>
+            </a:r>
+            <a:r>
+              <a:rPr lang="en-US" dirty="0">
+                <a:solidFill>
+                  <a:srgbClr val="000000"/>
+                </a:solidFill>
+                <a:latin typeface="Consolas" panose="020B0609020204030204" pitchFamily="49" charset="0"/>
+              </a:rPr>
+              <a:t> </a:t>
+            </a:r>
+            <a:r>
+              <a:rPr lang="en-US" dirty="0" err="1">
+                <a:solidFill>
                   <a:srgbClr val="2B91AF"/>
                 </a:solidFill>
                 <a:latin typeface="Consolas" panose="020B0609020204030204" pitchFamily="49" charset="0"/>
               </a:rPr>
-              <a:t>atomic</a:t>
-            </a:r>
-            <a:r>
-              <a:rPr lang="en-US" dirty="0">
-                <a:solidFill>
-                  <a:srgbClr val="000000"/>
-                </a:solidFill>
-                <a:latin typeface="Consolas" panose="020B0609020204030204" pitchFamily="49" charset="0"/>
-              </a:rPr>
-              <a:t>&lt;</a:t>
-            </a:r>
-            <a:r>
-              <a:rPr lang="en-US" dirty="0" err="1">
-                <a:solidFill>
-                  <a:srgbClr val="2B91AF"/>
-                </a:solidFill>
-                <a:latin typeface="Consolas" panose="020B0609020204030204" pitchFamily="49" charset="0"/>
-              </a:rPr>
-              <a:t>IndexType</a:t>
-            </a:r>
-            <a:r>
-              <a:rPr lang="en-US" dirty="0">
-                <a:solidFill>
-                  <a:srgbClr val="000000"/>
-                </a:solidFill>
-                <a:latin typeface="Consolas" panose="020B0609020204030204" pitchFamily="49" charset="0"/>
-              </a:rPr>
-              <a:t>&gt; </a:t>
-            </a:r>
-            <a:r>
-              <a:rPr lang="en-US" dirty="0" err="1">
-                <a:solidFill>
-                  <a:srgbClr val="000000"/>
-                </a:solidFill>
-                <a:latin typeface="Consolas" panose="020B0609020204030204" pitchFamily="49" charset="0"/>
-              </a:rPr>
-              <a:t>writeIndex</a:t>
-            </a:r>
-            <a:r>
-              <a:rPr lang="en-US" dirty="0">
-                <a:solidFill>
-                  <a:srgbClr val="000000"/>
-                </a:solidFill>
-                <a:latin typeface="Consolas" panose="020B0609020204030204" pitchFamily="49" charset="0"/>
-              </a:rPr>
-              <a:t>_{ 0 };</a:t>
+              <a:t>DataType</a:t>
+            </a:r>
+            <a:r>
+              <a:rPr lang="en-US" dirty="0">
+                <a:solidFill>
+                  <a:srgbClr val="000000"/>
+                </a:solidFill>
+                <a:latin typeface="Consolas" panose="020B0609020204030204" pitchFamily="49" charset="0"/>
+              </a:rPr>
+              <a:t> &amp; </a:t>
+            </a:r>
+            <a:r>
+              <a:rPr lang="en-US" dirty="0">
+                <a:solidFill>
+                  <a:srgbClr val="808080"/>
+                </a:solidFill>
+                <a:latin typeface="Consolas" panose="020B0609020204030204" pitchFamily="49" charset="0"/>
+              </a:rPr>
+              <a:t>datum</a:t>
+            </a:r>
+            <a:r>
+              <a:rPr lang="en-US" dirty="0">
+                <a:solidFill>
+                  <a:srgbClr val="000000"/>
+                </a:solidFill>
+                <a:latin typeface="Consolas" panose="020B0609020204030204" pitchFamily="49" charset="0"/>
+              </a:rPr>
+              <a:t>)</a:t>
             </a:r>
           </a:p>
           <a:p>
@@ -25799,39 +26001,27 @@
             <a:r>
               <a:rPr lang="en-US" dirty="0">
                 <a:solidFill>
-                  <a:srgbClr val="2B91AF"/>
-                </a:solidFill>
-                <a:latin typeface="Consolas" panose="020B0609020204030204" pitchFamily="49" charset="0"/>
-              </a:rPr>
-              <a:t>array</a:t>
-            </a:r>
-            <a:r>
-              <a:rPr lang="en-US" dirty="0">
-                <a:solidFill>
-                  <a:srgbClr val="000000"/>
-                </a:solidFill>
-                <a:latin typeface="Consolas" panose="020B0609020204030204" pitchFamily="49" charset="0"/>
-              </a:rPr>
-              <a:t>&lt;</a:t>
-            </a:r>
-            <a:r>
-              <a:rPr lang="en-US" dirty="0" err="1">
-                <a:solidFill>
-                  <a:srgbClr val="2B91AF"/>
-                </a:solidFill>
-                <a:latin typeface="Consolas" panose="020B0609020204030204" pitchFamily="49" charset="0"/>
-              </a:rPr>
-              <a:t>DataType</a:t>
-            </a:r>
-            <a:r>
-              <a:rPr lang="en-US" dirty="0">
-                <a:solidFill>
-                  <a:srgbClr val="000000"/>
-                </a:solidFill>
-                <a:latin typeface="Consolas" panose="020B0609020204030204" pitchFamily="49" charset="0"/>
-              </a:rPr>
-              <a:t>, N&gt; buffer_;</a:t>
-            </a:r>
+                  <a:srgbClr val="000000"/>
+                </a:solidFill>
+                <a:latin typeface="Consolas" panose="020B0609020204030204" pitchFamily="49" charset="0"/>
+              </a:rPr>
+              <a:t>{ </a:t>
+            </a:r>
+            <a:r>
+              <a:rPr lang="en-US" dirty="0">
+                <a:solidFill>
+                  <a:srgbClr val="008000"/>
+                </a:solidFill>
+                <a:latin typeface="Consolas" panose="020B0609020204030204" pitchFamily="49" charset="0"/>
+              </a:rPr>
+              <a:t>// paper above has ability to write bigger blocks, is faster</a:t>
+            </a:r>
+            <a:endParaRPr lang="en-US" dirty="0">
+              <a:solidFill>
+                <a:srgbClr val="000000"/>
+              </a:solidFill>
+              <a:latin typeface="Consolas" panose="020B0609020204030204" pitchFamily="49" charset="0"/>
+            </a:endParaRPr>
           </a:p>
           <a:p>
             <a:pPr marL="0" indent="0">
@@ -25840,38 +26030,210 @@
             <a:r>
               <a:rPr lang="en-US" dirty="0">
                 <a:solidFill>
+                  <a:srgbClr val="0000FF"/>
+                </a:solidFill>
+                <a:latin typeface="Consolas" panose="020B0609020204030204" pitchFamily="49" charset="0"/>
+              </a:rPr>
+              <a:t>   const</a:t>
+            </a:r>
+            <a:r>
+              <a:rPr lang="en-US" dirty="0">
+                <a:solidFill>
+                  <a:srgbClr val="000000"/>
+                </a:solidFill>
+                <a:latin typeface="Consolas" panose="020B0609020204030204" pitchFamily="49" charset="0"/>
+              </a:rPr>
+              <a:t> </a:t>
+            </a:r>
+            <a:r>
+              <a:rPr lang="en-US" dirty="0">
+                <a:solidFill>
+                  <a:srgbClr val="0000FF"/>
+                </a:solidFill>
+                <a:latin typeface="Consolas" panose="020B0609020204030204" pitchFamily="49" charset="0"/>
+              </a:rPr>
+              <a:t>auto</a:t>
+            </a:r>
+            <a:r>
+              <a:rPr lang="en-US" dirty="0">
+                <a:solidFill>
+                  <a:srgbClr val="000000"/>
+                </a:solidFill>
+                <a:latin typeface="Consolas" panose="020B0609020204030204" pitchFamily="49" charset="0"/>
+              </a:rPr>
+              <a:t> w = </a:t>
+            </a:r>
+            <a:r>
+              <a:rPr lang="en-US" dirty="0" err="1">
+                <a:solidFill>
+                  <a:srgbClr val="000000"/>
+                </a:solidFill>
+                <a:latin typeface="Consolas" panose="020B0609020204030204" pitchFamily="49" charset="0"/>
+              </a:rPr>
+              <a:t>writeIndex</a:t>
+            </a:r>
+            <a:r>
+              <a:rPr lang="en-US" dirty="0">
+                <a:solidFill>
+                  <a:srgbClr val="000000"/>
+                </a:solidFill>
+                <a:latin typeface="Consolas" panose="020B0609020204030204" pitchFamily="49" charset="0"/>
+              </a:rPr>
+              <a:t>_.load(</a:t>
+            </a:r>
+            <a:r>
+              <a:rPr lang="en-US" dirty="0" err="1">
+                <a:solidFill>
+                  <a:srgbClr val="2F4F4F"/>
+                </a:solidFill>
+                <a:latin typeface="Consolas" panose="020B0609020204030204" pitchFamily="49" charset="0"/>
+              </a:rPr>
+              <a:t>memory_order_relaxed</a:t>
+            </a:r>
+            <a:r>
+              <a:rPr lang="en-US" dirty="0">
+                <a:solidFill>
+                  <a:srgbClr val="000000"/>
+                </a:solidFill>
+                <a:latin typeface="Consolas" panose="020B0609020204030204" pitchFamily="49" charset="0"/>
+              </a:rPr>
+              <a:t>);</a:t>
+            </a:r>
+          </a:p>
+          <a:p>
+            <a:pPr marL="0" indent="0">
+              <a:buNone/>
+            </a:pPr>
+            <a:r>
+              <a:rPr lang="en-US" dirty="0">
+                <a:solidFill>
+                  <a:srgbClr val="0000FF"/>
+                </a:solidFill>
+                <a:latin typeface="Consolas" panose="020B0609020204030204" pitchFamily="49" charset="0"/>
+              </a:rPr>
+              <a:t>   const</a:t>
+            </a:r>
+            <a:r>
+              <a:rPr lang="en-US" dirty="0">
+                <a:solidFill>
+                  <a:srgbClr val="000000"/>
+                </a:solidFill>
+                <a:latin typeface="Consolas" panose="020B0609020204030204" pitchFamily="49" charset="0"/>
+              </a:rPr>
+              <a:t> </a:t>
+            </a:r>
+            <a:r>
+              <a:rPr lang="en-US" dirty="0">
+                <a:solidFill>
+                  <a:srgbClr val="0000FF"/>
+                </a:solidFill>
+                <a:latin typeface="Consolas" panose="020B0609020204030204" pitchFamily="49" charset="0"/>
+              </a:rPr>
+              <a:t>auto</a:t>
+            </a:r>
+            <a:r>
+              <a:rPr lang="en-US" dirty="0">
+                <a:solidFill>
+                  <a:srgbClr val="000000"/>
+                </a:solidFill>
+                <a:latin typeface="Consolas" panose="020B0609020204030204" pitchFamily="49" charset="0"/>
+              </a:rPr>
+              <a:t> </a:t>
+            </a:r>
+            <a:r>
+              <a:rPr lang="en-US" dirty="0" err="1">
+                <a:solidFill>
+                  <a:srgbClr val="000000"/>
+                </a:solidFill>
+                <a:latin typeface="Consolas" panose="020B0609020204030204" pitchFamily="49" charset="0"/>
+              </a:rPr>
+              <a:t>nextWrite</a:t>
+            </a:r>
+            <a:r>
+              <a:rPr lang="en-US" dirty="0">
+                <a:solidFill>
+                  <a:srgbClr val="000000"/>
+                </a:solidFill>
+                <a:latin typeface="Consolas" panose="020B0609020204030204" pitchFamily="49" charset="0"/>
+              </a:rPr>
+              <a:t> = </a:t>
+            </a:r>
+            <a:r>
+              <a:rPr lang="en-US" dirty="0" err="1">
+                <a:solidFill>
                   <a:srgbClr val="2B91AF"/>
                 </a:solidFill>
                 <a:latin typeface="Consolas" panose="020B0609020204030204" pitchFamily="49" charset="0"/>
               </a:rPr>
-              <a:t>atomic</a:t>
-            </a:r>
-            <a:r>
-              <a:rPr lang="en-US" dirty="0">
-                <a:solidFill>
-                  <a:srgbClr val="000000"/>
-                </a:solidFill>
-                <a:latin typeface="Consolas" panose="020B0609020204030204" pitchFamily="49" charset="0"/>
-              </a:rPr>
-              <a:t>&lt;</a:t>
+              <a:t>RingMod</a:t>
+            </a:r>
+            <a:r>
+              <a:rPr lang="en-US" dirty="0">
+                <a:solidFill>
+                  <a:srgbClr val="000000"/>
+                </a:solidFill>
+                <a:latin typeface="Consolas" panose="020B0609020204030204" pitchFamily="49" charset="0"/>
+              </a:rPr>
+              <a:t>::</a:t>
+            </a:r>
+            <a:r>
+              <a:rPr lang="en-US" b="1" dirty="0">
+                <a:solidFill>
+                  <a:srgbClr val="FF0000"/>
+                </a:solidFill>
+                <a:latin typeface="Consolas" panose="020B0609020204030204" pitchFamily="49" charset="0"/>
+              </a:rPr>
+              <a:t>Mod2N</a:t>
+            </a:r>
+            <a:r>
+              <a:rPr lang="en-US" dirty="0">
+                <a:solidFill>
+                  <a:srgbClr val="000000"/>
+                </a:solidFill>
+                <a:latin typeface="Consolas" panose="020B0609020204030204" pitchFamily="49" charset="0"/>
+              </a:rPr>
+              <a:t>(w + 1);</a:t>
+            </a:r>
+          </a:p>
+          <a:p>
+            <a:pPr marL="0" indent="0">
+              <a:buNone/>
+            </a:pPr>
+            <a:r>
+              <a:rPr lang="en-US" dirty="0">
+                <a:solidFill>
+                  <a:srgbClr val="0000FF"/>
+                </a:solidFill>
+                <a:latin typeface="Consolas" panose="020B0609020204030204" pitchFamily="49" charset="0"/>
+              </a:rPr>
+              <a:t>   if</a:t>
+            </a:r>
+            <a:r>
+              <a:rPr lang="en-US" dirty="0">
+                <a:solidFill>
+                  <a:srgbClr val="000000"/>
+                </a:solidFill>
+                <a:latin typeface="Consolas" panose="020B0609020204030204" pitchFamily="49" charset="0"/>
+              </a:rPr>
+              <a:t> (</a:t>
             </a:r>
             <a:r>
               <a:rPr lang="en-US" dirty="0" err="1">
                 <a:solidFill>
-                  <a:srgbClr val="2B91AF"/>
-                </a:solidFill>
-                <a:latin typeface="Consolas" panose="020B0609020204030204" pitchFamily="49" charset="0"/>
-              </a:rPr>
-              <a:t>IndexType</a:t>
-            </a:r>
-            <a:r>
-              <a:rPr lang="en-US" dirty="0">
-                <a:solidFill>
-                  <a:srgbClr val="000000"/>
-                </a:solidFill>
-                <a:latin typeface="Consolas" panose="020B0609020204030204" pitchFamily="49" charset="0"/>
-              </a:rPr>
-              <a:t>&gt; </a:t>
+                  <a:srgbClr val="000000"/>
+                </a:solidFill>
+                <a:latin typeface="Consolas" panose="020B0609020204030204" pitchFamily="49" charset="0"/>
+              </a:rPr>
+              <a:t>nextWrite</a:t>
+            </a:r>
+            <a:r>
+              <a:rPr lang="en-US" dirty="0">
+                <a:solidFill>
+                  <a:srgbClr val="000000"/>
+                </a:solidFill>
+                <a:latin typeface="Consolas" panose="020B0609020204030204" pitchFamily="49" charset="0"/>
+              </a:rPr>
+              <a:t> != </a:t>
             </a:r>
             <a:r>
               <a:rPr lang="en-US" dirty="0" err="1">
@@ -25889,7 +26251,282 @@
                 </a:solidFill>
                 <a:latin typeface="Consolas" panose="020B0609020204030204" pitchFamily="49" charset="0"/>
               </a:rPr>
-              <a:t>_{ 0 };</a:t>
+              <a:t>_.load(</a:t>
+            </a:r>
+            <a:r>
+              <a:rPr lang="en-US" dirty="0" err="1">
+                <a:solidFill>
+                  <a:srgbClr val="2F4F4F"/>
+                </a:solidFill>
+                <a:latin typeface="Consolas" panose="020B0609020204030204" pitchFamily="49" charset="0"/>
+              </a:rPr>
+              <a:t>memory_order_acquire</a:t>
+            </a:r>
+            <a:r>
+              <a:rPr lang="en-US" dirty="0">
+                <a:solidFill>
+                  <a:srgbClr val="000000"/>
+                </a:solidFill>
+                <a:latin typeface="Consolas" panose="020B0609020204030204" pitchFamily="49" charset="0"/>
+              </a:rPr>
+              <a:t>))</a:t>
+            </a:r>
+          </a:p>
+          <a:p>
+            <a:pPr marL="0" indent="0">
+              <a:buNone/>
+            </a:pPr>
+            <a:r>
+              <a:rPr lang="en-US" dirty="0">
+                <a:solidFill>
+                  <a:srgbClr val="000000"/>
+                </a:solidFill>
+                <a:latin typeface="Consolas" panose="020B0609020204030204" pitchFamily="49" charset="0"/>
+              </a:rPr>
+              <a:t>   {</a:t>
+            </a:r>
+          </a:p>
+          <a:p>
+            <a:pPr marL="0" indent="0">
+              <a:buNone/>
+            </a:pPr>
+            <a:r>
+              <a:rPr lang="da-DK" dirty="0">
+                <a:solidFill>
+                  <a:srgbClr val="000000"/>
+                </a:solidFill>
+                <a:latin typeface="Consolas" panose="020B0609020204030204" pitchFamily="49" charset="0"/>
+              </a:rPr>
+              <a:t>      buffer_[</a:t>
+            </a:r>
+            <a:r>
+              <a:rPr lang="da-DK" b="1" dirty="0">
+                <a:solidFill>
+                  <a:srgbClr val="FF0000"/>
+                </a:solidFill>
+                <a:latin typeface="Consolas" panose="020B0609020204030204" pitchFamily="49" charset="0"/>
+              </a:rPr>
+              <a:t>RingMod::Mod1N</a:t>
+            </a:r>
+            <a:r>
+              <a:rPr lang="da-DK" dirty="0">
+                <a:solidFill>
+                  <a:srgbClr val="000000"/>
+                </a:solidFill>
+                <a:latin typeface="Consolas" panose="020B0609020204030204" pitchFamily="49" charset="0"/>
+              </a:rPr>
+              <a:t>(w)] = </a:t>
+            </a:r>
+            <a:r>
+              <a:rPr lang="da-DK" dirty="0">
+                <a:solidFill>
+                  <a:srgbClr val="808080"/>
+                </a:solidFill>
+                <a:latin typeface="Consolas" panose="020B0609020204030204" pitchFamily="49" charset="0"/>
+              </a:rPr>
+              <a:t>datum</a:t>
+            </a:r>
+            <a:r>
+              <a:rPr lang="da-DK" dirty="0">
+                <a:solidFill>
+                  <a:srgbClr val="000000"/>
+                </a:solidFill>
+                <a:latin typeface="Consolas" panose="020B0609020204030204" pitchFamily="49" charset="0"/>
+              </a:rPr>
+              <a:t>;</a:t>
+            </a:r>
+          </a:p>
+          <a:p>
+            <a:pPr marL="0" indent="0">
+              <a:buNone/>
+            </a:pPr>
+            <a:r>
+              <a:rPr lang="en-US" dirty="0">
+                <a:solidFill>
+                  <a:srgbClr val="000000"/>
+                </a:solidFill>
+                <a:latin typeface="Consolas" panose="020B0609020204030204" pitchFamily="49" charset="0"/>
+              </a:rPr>
+              <a:t>      </a:t>
+            </a:r>
+            <a:r>
+              <a:rPr lang="en-US" dirty="0" err="1">
+                <a:solidFill>
+                  <a:srgbClr val="000000"/>
+                </a:solidFill>
+                <a:latin typeface="Consolas" panose="020B0609020204030204" pitchFamily="49" charset="0"/>
+              </a:rPr>
+              <a:t>writeIndex</a:t>
+            </a:r>
+            <a:r>
+              <a:rPr lang="en-US" dirty="0">
+                <a:solidFill>
+                  <a:srgbClr val="000000"/>
+                </a:solidFill>
+                <a:latin typeface="Consolas" panose="020B0609020204030204" pitchFamily="49" charset="0"/>
+              </a:rPr>
+              <a:t>_.store(</a:t>
+            </a:r>
+            <a:r>
+              <a:rPr lang="en-US" dirty="0" err="1">
+                <a:solidFill>
+                  <a:srgbClr val="000000"/>
+                </a:solidFill>
+                <a:latin typeface="Consolas" panose="020B0609020204030204" pitchFamily="49" charset="0"/>
+              </a:rPr>
+              <a:t>nextWrite</a:t>
+            </a:r>
+            <a:r>
+              <a:rPr lang="en-US" dirty="0">
+                <a:solidFill>
+                  <a:srgbClr val="000000"/>
+                </a:solidFill>
+                <a:latin typeface="Consolas" panose="020B0609020204030204" pitchFamily="49" charset="0"/>
+              </a:rPr>
+              <a:t>, </a:t>
+            </a:r>
+            <a:r>
+              <a:rPr lang="en-US" dirty="0" err="1">
+                <a:solidFill>
+                  <a:srgbClr val="2F4F4F"/>
+                </a:solidFill>
+                <a:latin typeface="Consolas" panose="020B0609020204030204" pitchFamily="49" charset="0"/>
+              </a:rPr>
+              <a:t>memory_order_release</a:t>
+            </a:r>
+            <a:r>
+              <a:rPr lang="en-US" dirty="0">
+                <a:solidFill>
+                  <a:srgbClr val="000000"/>
+                </a:solidFill>
+                <a:latin typeface="Consolas" panose="020B0609020204030204" pitchFamily="49" charset="0"/>
+              </a:rPr>
+              <a:t>);</a:t>
+            </a:r>
+          </a:p>
+          <a:p>
+            <a:pPr marL="0" indent="0">
+              <a:buNone/>
+            </a:pPr>
+            <a:r>
+              <a:rPr lang="en-US" dirty="0">
+                <a:solidFill>
+                  <a:srgbClr val="0000FF"/>
+                </a:solidFill>
+                <a:latin typeface="Consolas" panose="020B0609020204030204" pitchFamily="49" charset="0"/>
+              </a:rPr>
+              <a:t>      return</a:t>
+            </a:r>
+            <a:r>
+              <a:rPr lang="en-US" dirty="0">
+                <a:solidFill>
+                  <a:srgbClr val="000000"/>
+                </a:solidFill>
+                <a:latin typeface="Consolas" panose="020B0609020204030204" pitchFamily="49" charset="0"/>
+              </a:rPr>
+              <a:t> </a:t>
+            </a:r>
+            <a:r>
+              <a:rPr lang="en-US" dirty="0">
+                <a:solidFill>
+                  <a:srgbClr val="0000FF"/>
+                </a:solidFill>
+                <a:latin typeface="Consolas" panose="020B0609020204030204" pitchFamily="49" charset="0"/>
+              </a:rPr>
+              <a:t>true</a:t>
+            </a:r>
+            <a:r>
+              <a:rPr lang="en-US" dirty="0">
+                <a:solidFill>
+                  <a:srgbClr val="000000"/>
+                </a:solidFill>
+                <a:latin typeface="Consolas" panose="020B0609020204030204" pitchFamily="49" charset="0"/>
+              </a:rPr>
+              <a:t>;</a:t>
+            </a:r>
+          </a:p>
+          <a:p>
+            <a:pPr marL="0" indent="0">
+              <a:buNone/>
+            </a:pPr>
+            <a:r>
+              <a:rPr lang="en-US" dirty="0">
+                <a:solidFill>
+                  <a:srgbClr val="000000"/>
+                </a:solidFill>
+                <a:latin typeface="Consolas" panose="020B0609020204030204" pitchFamily="49" charset="0"/>
+              </a:rPr>
+              <a:t>   }</a:t>
+            </a:r>
+          </a:p>
+          <a:p>
+            <a:pPr marL="0" indent="0">
+              <a:buNone/>
+            </a:pPr>
+            <a:r>
+              <a:rPr lang="en-US" dirty="0">
+                <a:solidFill>
+                  <a:srgbClr val="0000FF"/>
+                </a:solidFill>
+                <a:latin typeface="Consolas" panose="020B0609020204030204" pitchFamily="49" charset="0"/>
+              </a:rPr>
+              <a:t>   return</a:t>
+            </a:r>
+            <a:r>
+              <a:rPr lang="en-US" dirty="0">
+                <a:solidFill>
+                  <a:srgbClr val="000000"/>
+                </a:solidFill>
+                <a:latin typeface="Consolas" panose="020B0609020204030204" pitchFamily="49" charset="0"/>
+              </a:rPr>
+              <a:t> </a:t>
+            </a:r>
+            <a:r>
+              <a:rPr lang="en-US" dirty="0">
+                <a:solidFill>
+                  <a:srgbClr val="0000FF"/>
+                </a:solidFill>
+                <a:latin typeface="Consolas" panose="020B0609020204030204" pitchFamily="49" charset="0"/>
+              </a:rPr>
+              <a:t>false</a:t>
+            </a:r>
+            <a:r>
+              <a:rPr lang="en-US" dirty="0">
+                <a:solidFill>
+                  <a:srgbClr val="000000"/>
+                </a:solidFill>
+                <a:latin typeface="Consolas" panose="020B0609020204030204" pitchFamily="49" charset="0"/>
+              </a:rPr>
+              <a:t>; </a:t>
+            </a:r>
+            <a:r>
+              <a:rPr lang="en-US" dirty="0">
+                <a:solidFill>
+                  <a:srgbClr val="008000"/>
+                </a:solidFill>
+                <a:latin typeface="Consolas" panose="020B0609020204030204" pitchFamily="49" charset="0"/>
+              </a:rPr>
+              <a:t>// buffer full</a:t>
+            </a:r>
+            <a:endParaRPr lang="en-US" dirty="0">
+              <a:solidFill>
+                <a:srgbClr val="000000"/>
+              </a:solidFill>
+              <a:latin typeface="Consolas" panose="020B0609020204030204" pitchFamily="49" charset="0"/>
+            </a:endParaRPr>
+          </a:p>
+          <a:p>
+            <a:pPr marL="0" indent="0">
+              <a:buNone/>
+            </a:pPr>
+            <a:r>
+              <a:rPr lang="en-US" dirty="0">
+                <a:solidFill>
+                  <a:srgbClr val="000000"/>
+                </a:solidFill>
+                <a:latin typeface="Consolas" panose="020B0609020204030204" pitchFamily="49" charset="0"/>
+              </a:rPr>
+              <a:t>}</a:t>
             </a:r>
           </a:p>
           <a:p>
@@ -25902,7 +26539,7 @@
           <p:cNvPr id="5" name="Picture 4">
             <a:extLst>
               <a:ext uri="{FF2B5EF4-FFF2-40B4-BE49-F238E27FC236}">
-                <a16:creationId xmlns:a16="http://schemas.microsoft.com/office/drawing/2014/main" id="{B916EAB9-F4A7-4197-BE84-5090AA213F19}"/>
+                <a16:creationId xmlns:a16="http://schemas.microsoft.com/office/drawing/2014/main" id="{67819C02-BD94-47F5-9A73-3510B1620EB6}"/>
               </a:ext>
             </a:extLst>
           </p:cNvPr>
@@ -25930,7 +26567,7 @@
     </p:spTree>
     <p:extLst>
       <p:ext uri="{BB962C8B-B14F-4D97-AF65-F5344CB8AC3E}">
-        <p14:creationId xmlns:p14="http://schemas.microsoft.com/office/powerpoint/2010/main" val="2012634144"/>
+        <p14:creationId xmlns:p14="http://schemas.microsoft.com/office/powerpoint/2010/main" val="2425718482"/>
       </p:ext>
     </p:extLst>
   </p:cSld>
@@ -25980,7 +26617,7 @@
           <a:p>
             <a:r>
               <a:rPr lang="en-US" dirty="0"/>
-              <a:t>Blocks Ring Buffer</a:t>
+              <a:t>Cache Ring Buffer</a:t>
             </a:r>
           </a:p>
         </p:txBody>
@@ -26003,25 +26640,218 @@
         </p:nvSpPr>
         <p:spPr/>
         <p:txBody>
-          <a:bodyPr/>
+          <a:bodyPr>
+            <a:normAutofit fontScale="92500" lnSpcReduction="10000"/>
+          </a:bodyPr>
           <a:lstStyle/>
           <a:p>
             <a:r>
               <a:rPr lang="en-US" dirty="0"/>
-              <a:t>Most times one wants to write a block of bytes in</a:t>
-            </a:r>
-          </a:p>
-          <a:p>
+              <a:t>False sharing </a:t>
+            </a:r>
+          </a:p>
+          <a:p>
+            <a:pPr lvl="1"/>
             <a:r>
               <a:rPr lang="en-US" dirty="0"/>
-              <a:t>Often want to read a block out</a:t>
-            </a:r>
-          </a:p>
-          <a:p>
+              <a:t>Things close in memory but used by different threads</a:t>
+            </a:r>
+          </a:p>
+          <a:p>
+            <a:pPr lvl="1"/>
             <a:r>
               <a:rPr lang="en-US" dirty="0"/>
-              <a:t>Can avoid so many atomic hits by doing things in blocks</a:t>
-            </a:r>
+              <a:t>Either thread reads cache line, must read both items</a:t>
+            </a:r>
+          </a:p>
+          <a:p>
+            <a:pPr lvl="1"/>
+            <a:r>
+              <a:rPr lang="en-US" dirty="0"/>
+              <a:t>Thrashes</a:t>
+            </a:r>
+          </a:p>
+          <a:p>
+            <a:r>
+              <a:rPr lang="en-US" dirty="0"/>
+              <a:t>Move lines around to put space between things for different threads</a:t>
+            </a:r>
+          </a:p>
+          <a:p>
+            <a:r>
+              <a:rPr lang="en-US" dirty="0"/>
+              <a:t>Can do better, greater cost…</a:t>
+            </a:r>
+          </a:p>
+          <a:p>
+            <a:endParaRPr lang="en-US" dirty="0">
+              <a:solidFill>
+                <a:srgbClr val="000000"/>
+              </a:solidFill>
+              <a:latin typeface="Consolas" panose="020B0609020204030204" pitchFamily="49" charset="0"/>
+            </a:endParaRPr>
+          </a:p>
+          <a:p>
+            <a:pPr marL="0" indent="0">
+              <a:buNone/>
+            </a:pPr>
+            <a:r>
+              <a:rPr lang="en-US" dirty="0">
+                <a:solidFill>
+                  <a:srgbClr val="2B91AF"/>
+                </a:solidFill>
+                <a:latin typeface="Consolas" panose="020B0609020204030204" pitchFamily="49" charset="0"/>
+              </a:rPr>
+              <a:t>atomic</a:t>
+            </a:r>
+            <a:r>
+              <a:rPr lang="en-US" dirty="0">
+                <a:solidFill>
+                  <a:srgbClr val="000000"/>
+                </a:solidFill>
+                <a:latin typeface="Consolas" panose="020B0609020204030204" pitchFamily="49" charset="0"/>
+              </a:rPr>
+              <a:t>&lt;</a:t>
+            </a:r>
+            <a:r>
+              <a:rPr lang="en-US" dirty="0" err="1">
+                <a:solidFill>
+                  <a:srgbClr val="2B91AF"/>
+                </a:solidFill>
+                <a:latin typeface="Consolas" panose="020B0609020204030204" pitchFamily="49" charset="0"/>
+              </a:rPr>
+              <a:t>IndexType</a:t>
+            </a:r>
+            <a:r>
+              <a:rPr lang="en-US" dirty="0">
+                <a:solidFill>
+                  <a:srgbClr val="000000"/>
+                </a:solidFill>
+                <a:latin typeface="Consolas" panose="020B0609020204030204" pitchFamily="49" charset="0"/>
+              </a:rPr>
+              <a:t>&gt; </a:t>
+            </a:r>
+            <a:r>
+              <a:rPr lang="en-US" dirty="0" err="1">
+                <a:solidFill>
+                  <a:srgbClr val="000000"/>
+                </a:solidFill>
+                <a:latin typeface="Consolas" panose="020B0609020204030204" pitchFamily="49" charset="0"/>
+              </a:rPr>
+              <a:t>writeIndex</a:t>
+            </a:r>
+            <a:r>
+              <a:rPr lang="en-US" dirty="0">
+                <a:solidFill>
+                  <a:srgbClr val="000000"/>
+                </a:solidFill>
+                <a:latin typeface="Consolas" panose="020B0609020204030204" pitchFamily="49" charset="0"/>
+              </a:rPr>
+              <a:t>_{ 0 };</a:t>
+            </a:r>
+          </a:p>
+          <a:p>
+            <a:pPr marL="0" indent="0">
+              <a:buNone/>
+            </a:pPr>
+            <a:r>
+              <a:rPr lang="en-US" dirty="0">
+                <a:solidFill>
+                  <a:srgbClr val="2B91AF"/>
+                </a:solidFill>
+                <a:latin typeface="Consolas" panose="020B0609020204030204" pitchFamily="49" charset="0"/>
+              </a:rPr>
+              <a:t>array</a:t>
+            </a:r>
+            <a:r>
+              <a:rPr lang="en-US" dirty="0">
+                <a:solidFill>
+                  <a:srgbClr val="000000"/>
+                </a:solidFill>
+                <a:latin typeface="Consolas" panose="020B0609020204030204" pitchFamily="49" charset="0"/>
+              </a:rPr>
+              <a:t>&lt;</a:t>
+            </a:r>
+            <a:r>
+              <a:rPr lang="en-US" dirty="0" err="1">
+                <a:solidFill>
+                  <a:srgbClr val="2B91AF"/>
+                </a:solidFill>
+                <a:latin typeface="Consolas" panose="020B0609020204030204" pitchFamily="49" charset="0"/>
+              </a:rPr>
+              <a:t>DataType</a:t>
+            </a:r>
+            <a:r>
+              <a:rPr lang="en-US" dirty="0">
+                <a:solidFill>
+                  <a:srgbClr val="000000"/>
+                </a:solidFill>
+                <a:latin typeface="Consolas" panose="020B0609020204030204" pitchFamily="49" charset="0"/>
+              </a:rPr>
+              <a:t>, N&gt; buffer_;</a:t>
+            </a:r>
+          </a:p>
+          <a:p>
+            <a:pPr marL="0" indent="0">
+              <a:buNone/>
+            </a:pPr>
+            <a:r>
+              <a:rPr lang="en-US" dirty="0">
+                <a:solidFill>
+                  <a:srgbClr val="2B91AF"/>
+                </a:solidFill>
+                <a:latin typeface="Consolas" panose="020B0609020204030204" pitchFamily="49" charset="0"/>
+              </a:rPr>
+              <a:t>atomic</a:t>
+            </a:r>
+            <a:r>
+              <a:rPr lang="en-US" dirty="0">
+                <a:solidFill>
+                  <a:srgbClr val="000000"/>
+                </a:solidFill>
+                <a:latin typeface="Consolas" panose="020B0609020204030204" pitchFamily="49" charset="0"/>
+              </a:rPr>
+              <a:t>&lt;</a:t>
+            </a:r>
+            <a:r>
+              <a:rPr lang="en-US" dirty="0" err="1">
+                <a:solidFill>
+                  <a:srgbClr val="2B91AF"/>
+                </a:solidFill>
+                <a:latin typeface="Consolas" panose="020B0609020204030204" pitchFamily="49" charset="0"/>
+              </a:rPr>
+              <a:t>IndexType</a:t>
+            </a:r>
+            <a:r>
+              <a:rPr lang="en-US" dirty="0">
+                <a:solidFill>
+                  <a:srgbClr val="000000"/>
+                </a:solidFill>
+                <a:latin typeface="Consolas" panose="020B0609020204030204" pitchFamily="49" charset="0"/>
+              </a:rPr>
+              <a:t>&gt; </a:t>
+            </a:r>
+            <a:r>
+              <a:rPr lang="en-US" dirty="0" err="1">
+                <a:solidFill>
+                  <a:srgbClr val="000000"/>
+                </a:solidFill>
+                <a:latin typeface="Consolas" panose="020B0609020204030204" pitchFamily="49" charset="0"/>
+              </a:rPr>
+              <a:t>readIndex</a:t>
+            </a:r>
+            <a:r>
+              <a:rPr lang="en-US" dirty="0">
+                <a:solidFill>
+                  <a:srgbClr val="000000"/>
+                </a:solidFill>
+                <a:latin typeface="Consolas" panose="020B0609020204030204" pitchFamily="49" charset="0"/>
+              </a:rPr>
+              <a:t>_{ 0 };</a:t>
+            </a:r>
+          </a:p>
+          <a:p>
+            <a:endParaRPr lang="en-US" dirty="0"/>
           </a:p>
         </p:txBody>
       </p:sp>
@@ -26030,7 +26860,7 @@
           <p:cNvPr id="5" name="Picture 4">
             <a:extLst>
               <a:ext uri="{FF2B5EF4-FFF2-40B4-BE49-F238E27FC236}">
-                <a16:creationId xmlns:a16="http://schemas.microsoft.com/office/drawing/2014/main" id="{9A84CD82-B197-407C-91AD-7EA45CF5FAE6}"/>
+                <a16:creationId xmlns:a16="http://schemas.microsoft.com/office/drawing/2014/main" id="{B916EAB9-F4A7-4197-BE84-5090AA213F19}"/>
               </a:ext>
             </a:extLst>
           </p:cNvPr>
@@ -26058,7 +26888,7 @@
     </p:spTree>
     <p:extLst>
       <p:ext uri="{BB962C8B-B14F-4D97-AF65-F5344CB8AC3E}">
-        <p14:creationId xmlns:p14="http://schemas.microsoft.com/office/powerpoint/2010/main" val="2678605785"/>
+        <p14:creationId xmlns:p14="http://schemas.microsoft.com/office/powerpoint/2010/main" val="2012634144"/>
       </p:ext>
     </p:extLst>
   </p:cSld>
@@ -26132,33 +26962,44 @@
         <p:spPr/>
         <p:txBody>
           <a:bodyPr>
-            <a:normAutofit fontScale="55000" lnSpcReduction="20000"/>
+            <a:normAutofit/>
           </a:bodyPr>
           <a:lstStyle/>
           <a:p>
-            <a:pPr marL="0" indent="0">
-              <a:buNone/>
-            </a:pPr>
-            <a:r>
-              <a:rPr lang="en-US" dirty="0">
-                <a:solidFill>
-                  <a:srgbClr val="008000"/>
-                </a:solidFill>
-                <a:latin typeface="Consolas" panose="020B0609020204030204" pitchFamily="49" charset="0"/>
-              </a:rPr>
-              <a:t>// try to write n elements, fails if no space available</a:t>
-            </a:r>
-            <a:endParaRPr lang="en-US" dirty="0">
-              <a:solidFill>
-                <a:srgbClr val="000000"/>
-              </a:solidFill>
-              <a:latin typeface="Consolas" panose="020B0609020204030204" pitchFamily="49" charset="0"/>
-            </a:endParaRPr>
-          </a:p>
-          <a:p>
-            <a:pPr marL="0" indent="0">
-              <a:buNone/>
-            </a:pPr>
+            <a:r>
+              <a:rPr lang="en-US" dirty="0"/>
+              <a:t>Most times one wants to write a block of bytes in</a:t>
+            </a:r>
+          </a:p>
+          <a:p>
+            <a:endParaRPr lang="en-US" dirty="0"/>
+          </a:p>
+          <a:p>
+            <a:r>
+              <a:rPr lang="en-US" dirty="0"/>
+              <a:t>Often want to read a block out</a:t>
+            </a:r>
+          </a:p>
+          <a:p>
+            <a:endParaRPr lang="en-US" dirty="0"/>
+          </a:p>
+          <a:p>
+            <a:r>
+              <a:rPr lang="en-US" dirty="0"/>
+              <a:t>Can avoid so many atomic hits by doing things in blocks</a:t>
+            </a:r>
+          </a:p>
+          <a:p>
+            <a:endParaRPr lang="en-US" dirty="0"/>
+          </a:p>
+          <a:p>
+            <a:r>
+              <a:rPr lang="en-US" dirty="0"/>
+              <a:t>Add new APIs </a:t>
+            </a:r>
+          </a:p>
+          <a:p>
+            <a:pPr lvl="1"/>
             <a:r>
               <a:rPr lang="en-US" dirty="0">
                 <a:solidFill>
@@ -26178,13 +27019,142 @@
               <a:t> Put(</a:t>
             </a:r>
             <a:r>
+              <a:rPr lang="en-US" dirty="0" err="1">
+                <a:solidFill>
+                  <a:srgbClr val="2B91AF"/>
+                </a:solidFill>
+                <a:latin typeface="Consolas" panose="020B0609020204030204" pitchFamily="49" charset="0"/>
+              </a:rPr>
+              <a:t>DataType</a:t>
+            </a:r>
+            <a:r>
+              <a:rPr lang="en-US" dirty="0">
+                <a:solidFill>
+                  <a:srgbClr val="000000"/>
+                </a:solidFill>
+                <a:latin typeface="Consolas" panose="020B0609020204030204" pitchFamily="49" charset="0"/>
+              </a:rPr>
+              <a:t> * </a:t>
+            </a:r>
+            <a:r>
+              <a:rPr lang="en-US" dirty="0">
+                <a:solidFill>
+                  <a:srgbClr val="808080"/>
+                </a:solidFill>
+                <a:latin typeface="Consolas" panose="020B0609020204030204" pitchFamily="49" charset="0"/>
+              </a:rPr>
+              <a:t>data</a:t>
+            </a:r>
+            <a:r>
+              <a:rPr lang="en-US" dirty="0">
+                <a:solidFill>
+                  <a:srgbClr val="000000"/>
+                </a:solidFill>
+                <a:latin typeface="Consolas" panose="020B0609020204030204" pitchFamily="49" charset="0"/>
+              </a:rPr>
+              <a:t>, </a:t>
+            </a:r>
+            <a:r>
+              <a:rPr lang="en-US" dirty="0" err="1">
+                <a:solidFill>
+                  <a:srgbClr val="2B91AF"/>
+                </a:solidFill>
+                <a:latin typeface="Consolas" panose="020B0609020204030204" pitchFamily="49" charset="0"/>
+              </a:rPr>
+              <a:t>size_t</a:t>
+            </a:r>
+            <a:r>
+              <a:rPr lang="en-US" dirty="0">
+                <a:solidFill>
+                  <a:srgbClr val="000000"/>
+                </a:solidFill>
+                <a:latin typeface="Consolas" panose="020B0609020204030204" pitchFamily="49" charset="0"/>
+              </a:rPr>
+              <a:t> </a:t>
+            </a:r>
+            <a:r>
+              <a:rPr lang="en-US" dirty="0">
+                <a:solidFill>
+                  <a:srgbClr val="808080"/>
+                </a:solidFill>
+                <a:latin typeface="Consolas" panose="020B0609020204030204" pitchFamily="49" charset="0"/>
+              </a:rPr>
+              <a:t>n</a:t>
+            </a:r>
+            <a:r>
+              <a:rPr lang="en-US" dirty="0">
+                <a:solidFill>
+                  <a:srgbClr val="000000"/>
+                </a:solidFill>
+                <a:latin typeface="Consolas" panose="020B0609020204030204" pitchFamily="49" charset="0"/>
+              </a:rPr>
+              <a:t>)</a:t>
+            </a:r>
+          </a:p>
+          <a:p>
+            <a:pPr lvl="1"/>
+            <a:r>
               <a:rPr lang="en-US" dirty="0">
                 <a:solidFill>
                   <a:srgbClr val="0000FF"/>
                 </a:solidFill>
                 <a:latin typeface="Consolas" panose="020B0609020204030204" pitchFamily="49" charset="0"/>
               </a:rPr>
-              <a:t>const</a:t>
+              <a:t>bool</a:t>
+            </a:r>
+            <a:r>
+              <a:rPr lang="en-US" dirty="0">
+                <a:solidFill>
+                  <a:srgbClr val="000000"/>
+                </a:solidFill>
+                <a:latin typeface="Consolas" panose="020B0609020204030204" pitchFamily="49" charset="0"/>
+              </a:rPr>
+              <a:t> Get(</a:t>
+            </a:r>
+            <a:r>
+              <a:rPr lang="en-US" dirty="0" err="1">
+                <a:solidFill>
+                  <a:srgbClr val="2B91AF"/>
+                </a:solidFill>
+                <a:latin typeface="Consolas" panose="020B0609020204030204" pitchFamily="49" charset="0"/>
+              </a:rPr>
+              <a:t>DataType</a:t>
+            </a:r>
+            <a:r>
+              <a:rPr lang="en-US" dirty="0">
+                <a:solidFill>
+                  <a:srgbClr val="000000"/>
+                </a:solidFill>
+                <a:latin typeface="Consolas" panose="020B0609020204030204" pitchFamily="49" charset="0"/>
+              </a:rPr>
+              <a:t> * </a:t>
+            </a:r>
+            <a:r>
+              <a:rPr lang="en-US" dirty="0">
+                <a:solidFill>
+                  <a:srgbClr val="808080"/>
+                </a:solidFill>
+                <a:latin typeface="Consolas" panose="020B0609020204030204" pitchFamily="49" charset="0"/>
+              </a:rPr>
+              <a:t>data</a:t>
+            </a:r>
+            <a:r>
+              <a:rPr lang="en-US" dirty="0">
+                <a:solidFill>
+                  <a:srgbClr val="000000"/>
+                </a:solidFill>
+                <a:latin typeface="Consolas" panose="020B0609020204030204" pitchFamily="49" charset="0"/>
+              </a:rPr>
+              <a:t>, </a:t>
+            </a:r>
+            <a:r>
+              <a:rPr lang="en-US" dirty="0" err="1">
+                <a:solidFill>
+                  <a:srgbClr val="2B91AF"/>
+                </a:solidFill>
+                <a:latin typeface="Consolas" panose="020B0609020204030204" pitchFamily="49" charset="0"/>
+              </a:rPr>
+              <a:t>size_t</a:t>
             </a:r>
             <a:r>
               <a:rPr lang="en-US" dirty="0">
@@ -26196,66 +27166,12 @@
               <a:t> </a:t>
             </a:r>
             <a:r>
-              <a:rPr lang="en-US" dirty="0" err="1">
-                <a:solidFill>
-                  <a:srgbClr val="2B91AF"/>
-                </a:solidFill>
-                <a:latin typeface="Consolas" panose="020B0609020204030204" pitchFamily="49" charset="0"/>
-              </a:rPr>
-              <a:t>DataType</a:t>
-            </a:r>
-            <a:r>
-              <a:rPr lang="en-US" dirty="0">
-                <a:solidFill>
-                  <a:srgbClr val="000000"/>
-                </a:solidFill>
-                <a:latin typeface="Consolas" panose="020B0609020204030204" pitchFamily="49" charset="0"/>
-              </a:rPr>
-              <a:t> * </a:t>
-            </a:r>
-            <a:r>
               <a:rPr lang="en-US" dirty="0">
                 <a:solidFill>
                   <a:srgbClr val="808080"/>
                 </a:solidFill>
                 <a:latin typeface="Consolas" panose="020B0609020204030204" pitchFamily="49" charset="0"/>
               </a:rPr>
-              <a:t>data</a:t>
-            </a:r>
-            <a:r>
-              <a:rPr lang="en-US" dirty="0">
-                <a:solidFill>
-                  <a:srgbClr val="000000"/>
-                </a:solidFill>
-                <a:latin typeface="Consolas" panose="020B0609020204030204" pitchFamily="49" charset="0"/>
-              </a:rPr>
-              <a:t>, </a:t>
-            </a:r>
-            <a:r>
-              <a:rPr lang="en-US" dirty="0" err="1">
-                <a:solidFill>
-                  <a:srgbClr val="2B91AF"/>
-                </a:solidFill>
-                <a:latin typeface="Consolas" panose="020B0609020204030204" pitchFamily="49" charset="0"/>
-              </a:rPr>
-              <a:t>size_t</a:t>
-            </a:r>
-            <a:r>
-              <a:rPr lang="en-US" dirty="0">
-                <a:solidFill>
-                  <a:srgbClr val="000000"/>
-                </a:solidFill>
-                <a:latin typeface="Consolas" panose="020B0609020204030204" pitchFamily="49" charset="0"/>
-              </a:rPr>
-              <a:t> </a:t>
-            </a:r>
-            <a:r>
-              <a:rPr lang="en-US" dirty="0">
-                <a:solidFill>
-                  <a:srgbClr val="808080"/>
-                </a:solidFill>
-                <a:latin typeface="Consolas" panose="020B0609020204030204" pitchFamily="49" charset="0"/>
-              </a:rPr>
               <a:t>n</a:t>
             </a:r>
             <a:r>
@@ -26267,536 +27183,15 @@
               </a:rPr>
               <a:t>)</a:t>
             </a:r>
-          </a:p>
-          <a:p>
-            <a:pPr marL="0" indent="0">
-              <a:buNone/>
-            </a:pPr>
-            <a:r>
-              <a:rPr lang="en-US" dirty="0">
-                <a:solidFill>
-                  <a:srgbClr val="000000"/>
-                </a:solidFill>
-                <a:latin typeface="Consolas" panose="020B0609020204030204" pitchFamily="49" charset="0"/>
-              </a:rPr>
-              <a:t>{</a:t>
-            </a:r>
-          </a:p>
-          <a:p>
-            <a:pPr marL="0" indent="0">
-              <a:buNone/>
-            </a:pPr>
-            <a:r>
-              <a:rPr lang="en-US" dirty="0">
-                <a:solidFill>
-                  <a:srgbClr val="0000FF"/>
-                </a:solidFill>
-                <a:latin typeface="Consolas" panose="020B0609020204030204" pitchFamily="49" charset="0"/>
-              </a:rPr>
-              <a:t>   auto</a:t>
-            </a:r>
-            <a:r>
-              <a:rPr lang="en-US" dirty="0">
-                <a:solidFill>
-                  <a:srgbClr val="000000"/>
-                </a:solidFill>
-                <a:latin typeface="Consolas" panose="020B0609020204030204" pitchFamily="49" charset="0"/>
-              </a:rPr>
-              <a:t> w = </a:t>
-            </a:r>
-            <a:r>
-              <a:rPr lang="en-US" dirty="0" err="1">
-                <a:solidFill>
-                  <a:srgbClr val="000000"/>
-                </a:solidFill>
-                <a:latin typeface="Consolas" panose="020B0609020204030204" pitchFamily="49" charset="0"/>
-              </a:rPr>
-              <a:t>writeIndex</a:t>
-            </a:r>
-            <a:r>
-              <a:rPr lang="en-US" dirty="0">
-                <a:solidFill>
-                  <a:srgbClr val="000000"/>
-                </a:solidFill>
-                <a:latin typeface="Consolas" panose="020B0609020204030204" pitchFamily="49" charset="0"/>
-              </a:rPr>
-              <a:t>_.load(std::</a:t>
-            </a:r>
-            <a:r>
-              <a:rPr lang="en-US" dirty="0" err="1">
-                <a:solidFill>
-                  <a:srgbClr val="2F4F4F"/>
-                </a:solidFill>
-                <a:latin typeface="Consolas" panose="020B0609020204030204" pitchFamily="49" charset="0"/>
-              </a:rPr>
-              <a:t>memory_order_relaxed</a:t>
-            </a:r>
-            <a:r>
-              <a:rPr lang="en-US" dirty="0">
-                <a:solidFill>
-                  <a:srgbClr val="000000"/>
-                </a:solidFill>
-                <a:latin typeface="Consolas" panose="020B0609020204030204" pitchFamily="49" charset="0"/>
-              </a:rPr>
-              <a:t>);</a:t>
-            </a:r>
-          </a:p>
-          <a:p>
-            <a:pPr marL="0" indent="0">
-              <a:buNone/>
-            </a:pPr>
-            <a:r>
-              <a:rPr lang="en-US" dirty="0">
-                <a:solidFill>
-                  <a:srgbClr val="0000FF"/>
-                </a:solidFill>
-                <a:latin typeface="Consolas" panose="020B0609020204030204" pitchFamily="49" charset="0"/>
-              </a:rPr>
-              <a:t>   auto</a:t>
-            </a:r>
-            <a:r>
-              <a:rPr lang="en-US" dirty="0">
-                <a:solidFill>
-                  <a:srgbClr val="000000"/>
-                </a:solidFill>
-                <a:latin typeface="Consolas" panose="020B0609020204030204" pitchFamily="49" charset="0"/>
-              </a:rPr>
-              <a:t> r = </a:t>
-            </a:r>
-            <a:r>
-              <a:rPr lang="en-US" dirty="0" err="1">
-                <a:solidFill>
-                  <a:srgbClr val="000000"/>
-                </a:solidFill>
-                <a:latin typeface="Consolas" panose="020B0609020204030204" pitchFamily="49" charset="0"/>
-              </a:rPr>
-              <a:t>readIndex</a:t>
-            </a:r>
-            <a:r>
-              <a:rPr lang="en-US" dirty="0">
-                <a:solidFill>
-                  <a:srgbClr val="000000"/>
-                </a:solidFill>
-                <a:latin typeface="Consolas" panose="020B0609020204030204" pitchFamily="49" charset="0"/>
-              </a:rPr>
-              <a:t>_.load(std::</a:t>
-            </a:r>
-            <a:r>
-              <a:rPr lang="en-US" dirty="0" err="1">
-                <a:solidFill>
-                  <a:srgbClr val="2F4F4F"/>
-                </a:solidFill>
-                <a:latin typeface="Consolas" panose="020B0609020204030204" pitchFamily="49" charset="0"/>
-              </a:rPr>
-              <a:t>memory_order_acquire</a:t>
-            </a:r>
-            <a:r>
-              <a:rPr lang="en-US" dirty="0">
-                <a:solidFill>
-                  <a:srgbClr val="000000"/>
-                </a:solidFill>
-                <a:latin typeface="Consolas" panose="020B0609020204030204" pitchFamily="49" charset="0"/>
-              </a:rPr>
-              <a:t>);</a:t>
-            </a:r>
-          </a:p>
-          <a:p>
-            <a:pPr marL="0" indent="0">
-              <a:buNone/>
-            </a:pPr>
-            <a:r>
-              <a:rPr lang="pt-BR" dirty="0">
-                <a:solidFill>
-                  <a:srgbClr val="0000FF"/>
-                </a:solidFill>
-                <a:latin typeface="Consolas" panose="020B0609020204030204" pitchFamily="49" charset="0"/>
-              </a:rPr>
-              <a:t>   if</a:t>
-            </a:r>
-            <a:r>
-              <a:rPr lang="pt-BR" dirty="0">
-                <a:solidFill>
-                  <a:srgbClr val="000000"/>
-                </a:solidFill>
-                <a:latin typeface="Consolas" panose="020B0609020204030204" pitchFamily="49" charset="0"/>
-              </a:rPr>
-              <a:t> (Size() - </a:t>
-            </a:r>
-            <a:r>
-              <a:rPr lang="pt-BR" dirty="0">
-                <a:solidFill>
-                  <a:srgbClr val="2B91AF"/>
-                </a:solidFill>
-                <a:latin typeface="Consolas" panose="020B0609020204030204" pitchFamily="49" charset="0"/>
-              </a:rPr>
-              <a:t>RingMod</a:t>
-            </a:r>
-            <a:r>
-              <a:rPr lang="pt-BR" dirty="0">
-                <a:solidFill>
-                  <a:srgbClr val="000000"/>
-                </a:solidFill>
-                <a:latin typeface="Consolas" panose="020B0609020204030204" pitchFamily="49" charset="0"/>
-              </a:rPr>
-              <a:t>::Mod2N(2 * N + w - r) &lt; </a:t>
-            </a:r>
-            <a:r>
-              <a:rPr lang="pt-BR" dirty="0">
-                <a:solidFill>
-                  <a:srgbClr val="808080"/>
-                </a:solidFill>
-                <a:latin typeface="Consolas" panose="020B0609020204030204" pitchFamily="49" charset="0"/>
-              </a:rPr>
-              <a:t>n</a:t>
-            </a:r>
-            <a:r>
-              <a:rPr lang="pt-BR" dirty="0">
-                <a:solidFill>
-                  <a:srgbClr val="000000"/>
-                </a:solidFill>
-                <a:latin typeface="Consolas" panose="020B0609020204030204" pitchFamily="49" charset="0"/>
-              </a:rPr>
-              <a:t>)</a:t>
-            </a:r>
-          </a:p>
-          <a:p>
-            <a:pPr marL="0" indent="0">
-              <a:buNone/>
-            </a:pPr>
-            <a:r>
-              <a:rPr lang="en-US" dirty="0">
-                <a:solidFill>
-                  <a:srgbClr val="0000FF"/>
-                </a:solidFill>
-                <a:latin typeface="Consolas" panose="020B0609020204030204" pitchFamily="49" charset="0"/>
-              </a:rPr>
-              <a:t>      return</a:t>
-            </a:r>
-            <a:r>
-              <a:rPr lang="en-US" dirty="0">
-                <a:solidFill>
-                  <a:srgbClr val="000000"/>
-                </a:solidFill>
-                <a:latin typeface="Consolas" panose="020B0609020204030204" pitchFamily="49" charset="0"/>
-              </a:rPr>
-              <a:t> </a:t>
-            </a:r>
-            <a:r>
-              <a:rPr lang="en-US" dirty="0">
-                <a:solidFill>
-                  <a:srgbClr val="0000FF"/>
-                </a:solidFill>
-                <a:latin typeface="Consolas" panose="020B0609020204030204" pitchFamily="49" charset="0"/>
-              </a:rPr>
-              <a:t>false</a:t>
-            </a:r>
-            <a:r>
-              <a:rPr lang="en-US" dirty="0">
-                <a:solidFill>
-                  <a:srgbClr val="000000"/>
-                </a:solidFill>
-                <a:latin typeface="Consolas" panose="020B0609020204030204" pitchFamily="49" charset="0"/>
-              </a:rPr>
-              <a:t>; </a:t>
-            </a:r>
-            <a:r>
-              <a:rPr lang="en-US" dirty="0">
-                <a:solidFill>
-                  <a:srgbClr val="008000"/>
-                </a:solidFill>
-                <a:latin typeface="Consolas" panose="020B0609020204030204" pitchFamily="49" charset="0"/>
-              </a:rPr>
-              <a:t>// does not fit</a:t>
-            </a:r>
-            <a:endParaRPr lang="en-US" dirty="0">
-              <a:solidFill>
-                <a:srgbClr val="000000"/>
-              </a:solidFill>
-              <a:latin typeface="Consolas" panose="020B0609020204030204" pitchFamily="49" charset="0"/>
-            </a:endParaRPr>
-          </a:p>
-          <a:p>
-            <a:pPr marL="0" indent="0">
-              <a:buNone/>
-            </a:pPr>
-            <a:r>
-              <a:rPr lang="nn-NO" dirty="0">
-                <a:solidFill>
-                  <a:srgbClr val="0000FF"/>
-                </a:solidFill>
-                <a:latin typeface="Consolas" panose="020B0609020204030204" pitchFamily="49" charset="0"/>
-              </a:rPr>
-              <a:t>   for</a:t>
-            </a:r>
-            <a:r>
-              <a:rPr lang="nn-NO" dirty="0">
-                <a:solidFill>
-                  <a:srgbClr val="000000"/>
-                </a:solidFill>
-                <a:latin typeface="Consolas" panose="020B0609020204030204" pitchFamily="49" charset="0"/>
-              </a:rPr>
-              <a:t> (</a:t>
-            </a:r>
-            <a:r>
-              <a:rPr lang="nn-NO" dirty="0">
-                <a:solidFill>
-                  <a:srgbClr val="0000FF"/>
-                </a:solidFill>
-                <a:latin typeface="Consolas" panose="020B0609020204030204" pitchFamily="49" charset="0"/>
-              </a:rPr>
-              <a:t>auto</a:t>
-            </a:r>
-            <a:r>
-              <a:rPr lang="nn-NO" dirty="0">
-                <a:solidFill>
-                  <a:srgbClr val="000000"/>
-                </a:solidFill>
-                <a:latin typeface="Consolas" panose="020B0609020204030204" pitchFamily="49" charset="0"/>
-              </a:rPr>
-              <a:t> i = 0; i &lt; </a:t>
-            </a:r>
-            <a:r>
-              <a:rPr lang="nn-NO" dirty="0">
-                <a:solidFill>
-                  <a:srgbClr val="808080"/>
-                </a:solidFill>
-                <a:latin typeface="Consolas" panose="020B0609020204030204" pitchFamily="49" charset="0"/>
-              </a:rPr>
-              <a:t>n</a:t>
-            </a:r>
-            <a:r>
-              <a:rPr lang="nn-NO" dirty="0">
-                <a:solidFill>
-                  <a:srgbClr val="000000"/>
-                </a:solidFill>
-                <a:latin typeface="Consolas" panose="020B0609020204030204" pitchFamily="49" charset="0"/>
-              </a:rPr>
-              <a:t>; ++i)</a:t>
-            </a:r>
-          </a:p>
-          <a:p>
-            <a:pPr marL="0" indent="0">
-              <a:buNone/>
-            </a:pPr>
-            <a:r>
-              <a:rPr lang="en-US" dirty="0">
-                <a:solidFill>
-                  <a:srgbClr val="000000"/>
-                </a:solidFill>
-                <a:latin typeface="Consolas" panose="020B0609020204030204" pitchFamily="49" charset="0"/>
-              </a:rPr>
-              <a:t>   {</a:t>
-            </a:r>
-          </a:p>
-          <a:p>
-            <a:pPr marL="0" indent="0">
-              <a:buNone/>
-            </a:pPr>
-            <a:r>
-              <a:rPr lang="da-DK" dirty="0">
-                <a:solidFill>
-                  <a:srgbClr val="000000"/>
-                </a:solidFill>
-                <a:latin typeface="Consolas" panose="020B0609020204030204" pitchFamily="49" charset="0"/>
-              </a:rPr>
-              <a:t>      buffer_[</a:t>
-            </a:r>
-            <a:r>
-              <a:rPr lang="da-DK" dirty="0">
-                <a:solidFill>
-                  <a:srgbClr val="2B91AF"/>
-                </a:solidFill>
-                <a:latin typeface="Consolas" panose="020B0609020204030204" pitchFamily="49" charset="0"/>
-              </a:rPr>
-              <a:t>RingMod</a:t>
-            </a:r>
-            <a:r>
-              <a:rPr lang="da-DK" dirty="0">
-                <a:solidFill>
-                  <a:srgbClr val="000000"/>
-                </a:solidFill>
-                <a:latin typeface="Consolas" panose="020B0609020204030204" pitchFamily="49" charset="0"/>
-              </a:rPr>
-              <a:t>::Mod1N(w)] = </a:t>
-            </a:r>
-            <a:r>
-              <a:rPr lang="da-DK" dirty="0">
-                <a:solidFill>
-                  <a:srgbClr val="808080"/>
-                </a:solidFill>
-                <a:latin typeface="Consolas" panose="020B0609020204030204" pitchFamily="49" charset="0"/>
-              </a:rPr>
-              <a:t>data</a:t>
-            </a:r>
-            <a:r>
-              <a:rPr lang="da-DK" dirty="0">
-                <a:solidFill>
-                  <a:srgbClr val="000000"/>
-                </a:solidFill>
-                <a:latin typeface="Consolas" panose="020B0609020204030204" pitchFamily="49" charset="0"/>
-              </a:rPr>
-              <a:t>[i];</a:t>
-            </a:r>
-          </a:p>
-          <a:p>
-            <a:pPr marL="0" indent="0">
-              <a:buNone/>
-            </a:pPr>
-            <a:r>
-              <a:rPr lang="en-US" dirty="0">
-                <a:solidFill>
-                  <a:srgbClr val="000000"/>
-                </a:solidFill>
-                <a:latin typeface="Consolas" panose="020B0609020204030204" pitchFamily="49" charset="0"/>
-              </a:rPr>
-              <a:t>      </a:t>
-            </a:r>
-            <a:r>
-              <a:rPr lang="pl-PL" dirty="0">
-                <a:solidFill>
-                  <a:srgbClr val="000000"/>
-                </a:solidFill>
-                <a:latin typeface="Consolas" panose="020B0609020204030204" pitchFamily="49" charset="0"/>
-              </a:rPr>
-              <a:t>w = </a:t>
-            </a:r>
-            <a:r>
-              <a:rPr lang="pl-PL" dirty="0">
-                <a:solidFill>
-                  <a:srgbClr val="2B91AF"/>
-                </a:solidFill>
-                <a:latin typeface="Consolas" panose="020B0609020204030204" pitchFamily="49" charset="0"/>
-              </a:rPr>
-              <a:t>RingMod</a:t>
-            </a:r>
-            <a:r>
-              <a:rPr lang="pl-PL" dirty="0">
-                <a:solidFill>
-                  <a:srgbClr val="000000"/>
-                </a:solidFill>
-                <a:latin typeface="Consolas" panose="020B0609020204030204" pitchFamily="49" charset="0"/>
-              </a:rPr>
-              <a:t>::Mod2N(w + 1);</a:t>
-            </a:r>
-          </a:p>
-          <a:p>
-            <a:pPr marL="0" indent="0">
-              <a:buNone/>
-            </a:pPr>
-            <a:r>
-              <a:rPr lang="en-US" dirty="0">
-                <a:solidFill>
-                  <a:srgbClr val="000000"/>
-                </a:solidFill>
-                <a:latin typeface="Consolas" panose="020B0609020204030204" pitchFamily="49" charset="0"/>
-              </a:rPr>
-              <a:t>   }</a:t>
-            </a:r>
-          </a:p>
-          <a:p>
-            <a:pPr marL="0" indent="0">
-              <a:buNone/>
-            </a:pPr>
-            <a:r>
-              <a:rPr lang="en-US" dirty="0">
-                <a:solidFill>
-                  <a:srgbClr val="000000"/>
-                </a:solidFill>
-                <a:latin typeface="Consolas" panose="020B0609020204030204" pitchFamily="49" charset="0"/>
-              </a:rPr>
-              <a:t>   </a:t>
-            </a:r>
-            <a:r>
-              <a:rPr lang="en-US" dirty="0" err="1">
-                <a:solidFill>
-                  <a:srgbClr val="000000"/>
-                </a:solidFill>
-                <a:latin typeface="Consolas" panose="020B0609020204030204" pitchFamily="49" charset="0"/>
-              </a:rPr>
-              <a:t>writeIndex</a:t>
-            </a:r>
-            <a:r>
-              <a:rPr lang="en-US" dirty="0">
-                <a:solidFill>
-                  <a:srgbClr val="000000"/>
-                </a:solidFill>
-                <a:latin typeface="Consolas" panose="020B0609020204030204" pitchFamily="49" charset="0"/>
-              </a:rPr>
-              <a:t>_.store(w, std::</a:t>
-            </a:r>
-            <a:r>
-              <a:rPr lang="en-US" dirty="0" err="1">
-                <a:solidFill>
-                  <a:srgbClr val="2F4F4F"/>
-                </a:solidFill>
-                <a:latin typeface="Consolas" panose="020B0609020204030204" pitchFamily="49" charset="0"/>
-              </a:rPr>
-              <a:t>memory_order_release</a:t>
-            </a:r>
-            <a:r>
-              <a:rPr lang="en-US" dirty="0">
-                <a:solidFill>
-                  <a:srgbClr val="000000"/>
-                </a:solidFill>
-                <a:latin typeface="Consolas" panose="020B0609020204030204" pitchFamily="49" charset="0"/>
-              </a:rPr>
-              <a:t>);</a:t>
-            </a:r>
-          </a:p>
-          <a:p>
-            <a:pPr marL="0" indent="0">
-              <a:buNone/>
-            </a:pPr>
-            <a:r>
-              <a:rPr lang="en-US" dirty="0">
-                <a:solidFill>
-                  <a:srgbClr val="0000FF"/>
-                </a:solidFill>
-                <a:latin typeface="Consolas" panose="020B0609020204030204" pitchFamily="49" charset="0"/>
-              </a:rPr>
-              <a:t>   return</a:t>
-            </a:r>
-            <a:r>
-              <a:rPr lang="en-US" dirty="0">
-                <a:solidFill>
-                  <a:srgbClr val="000000"/>
-                </a:solidFill>
-                <a:latin typeface="Consolas" panose="020B0609020204030204" pitchFamily="49" charset="0"/>
-              </a:rPr>
-              <a:t> </a:t>
-            </a:r>
-            <a:r>
-              <a:rPr lang="en-US" dirty="0">
-                <a:solidFill>
-                  <a:srgbClr val="0000FF"/>
-                </a:solidFill>
-                <a:latin typeface="Consolas" panose="020B0609020204030204" pitchFamily="49" charset="0"/>
-              </a:rPr>
-              <a:t>true</a:t>
-            </a:r>
-            <a:r>
-              <a:rPr lang="en-US" dirty="0">
-                <a:solidFill>
-                  <a:srgbClr val="000000"/>
-                </a:solidFill>
-                <a:latin typeface="Consolas" panose="020B0609020204030204" pitchFamily="49" charset="0"/>
-              </a:rPr>
-              <a:t>;</a:t>
-            </a:r>
-          </a:p>
-          <a:p>
-            <a:pPr marL="0" indent="0">
-              <a:buNone/>
-            </a:pPr>
-            <a:r>
-              <a:rPr lang="en-US" dirty="0">
-                <a:solidFill>
-                  <a:srgbClr val="000000"/>
-                </a:solidFill>
-                <a:latin typeface="Consolas" panose="020B0609020204030204" pitchFamily="49" charset="0"/>
-              </a:rPr>
-              <a:t>}</a:t>
-            </a:r>
+            <a:endParaRPr lang="en-US" dirty="0"/>
+          </a:p>
+          <a:p>
+            <a:pPr lvl="1"/>
+            <a:endParaRPr lang="en-US" dirty="0"/>
+          </a:p>
+          <a:p>
+            <a:pPr lvl="1"/>
+            <a:endParaRPr lang="en-US" dirty="0"/>
           </a:p>
         </p:txBody>
       </p:sp>
@@ -26833,7 +27228,7 @@
     </p:spTree>
     <p:extLst>
       <p:ext uri="{BB962C8B-B14F-4D97-AF65-F5344CB8AC3E}">
-        <p14:creationId xmlns:p14="http://schemas.microsoft.com/office/powerpoint/2010/main" val="1166027742"/>
+        <p14:creationId xmlns:p14="http://schemas.microsoft.com/office/powerpoint/2010/main" val="2678605785"/>
       </p:ext>
     </p:extLst>
   </p:cSld>
@@ -26883,7 +27278,7 @@
           <a:p>
             <a:r>
               <a:rPr lang="en-US" dirty="0"/>
-              <a:t>Predictive Ring Buffer (final buffer)</a:t>
+              <a:t>Blocks Ring Buffer</a:t>
             </a:r>
           </a:p>
         </p:txBody>
@@ -26904,57 +27299,12 @@
             <p:ph idx="1"/>
           </p:nvPr>
         </p:nvSpPr>
-        <p:spPr>
-          <a:xfrm>
-            <a:off x="838200" y="1825625"/>
-            <a:ext cx="10515600" cy="4351338"/>
-          </a:xfrm>
-        </p:spPr>
+        <p:spPr/>
         <p:txBody>
           <a:bodyPr>
-            <a:normAutofit fontScale="70000" lnSpcReduction="20000"/>
+            <a:normAutofit fontScale="55000" lnSpcReduction="20000"/>
           </a:bodyPr>
           <a:lstStyle/>
-          <a:p>
-            <a:r>
-              <a:rPr lang="en-US" dirty="0"/>
-              <a:t>Can avoid some atomic checks by caching a </a:t>
-            </a:r>
-            <a:br>
-              <a:rPr lang="en-US" dirty="0"/>
-            </a:br>
-            <a:r>
-              <a:rPr lang="en-US" dirty="0"/>
-              <a:t>non-atomic value on each of </a:t>
-            </a:r>
-            <a:br>
-              <a:rPr lang="en-US" dirty="0"/>
-            </a:br>
-            <a:r>
-              <a:rPr lang="en-US" dirty="0"/>
-              <a:t>producer/consumer side</a:t>
-            </a:r>
-          </a:p>
-          <a:p>
-            <a:r>
-              <a:rPr lang="en-US" dirty="0"/>
-              <a:t>Adds memory cost of two more counters</a:t>
-            </a:r>
-          </a:p>
-          <a:p>
-            <a:r>
-              <a:rPr lang="en-US" dirty="0"/>
-              <a:t>Improves performance on some architectures</a:t>
-            </a:r>
-          </a:p>
-          <a:p>
-            <a:endParaRPr lang="en-US" dirty="0">
-              <a:solidFill>
-                <a:srgbClr val="6F008A"/>
-              </a:solidFill>
-              <a:latin typeface="Consolas" panose="020B0609020204030204" pitchFamily="49" charset="0"/>
-            </a:endParaRPr>
-          </a:p>
           <a:p>
             <a:pPr marL="0" indent="0">
               <a:buNone/>
@@ -26966,150 +27316,7 @@
                 </a:solidFill>
                 <a:latin typeface="Consolas" panose="020B0609020204030204" pitchFamily="49" charset="0"/>
               </a:rPr>
-              <a:t>// predictive read index, cache neighbors</a:t>
-            </a:r>
-            <a:endParaRPr lang="en-US" dirty="0">
-              <a:solidFill>
-                <a:srgbClr val="2B91AF"/>
-              </a:solidFill>
-              <a:latin typeface="Consolas" panose="020B0609020204030204" pitchFamily="49" charset="0"/>
-            </a:endParaRPr>
-          </a:p>
-          <a:p>
-            <a:pPr marL="0" indent="0">
-              <a:buNone/>
-            </a:pPr>
-            <a:r>
-              <a:rPr lang="en-US" dirty="0" err="1">
-                <a:solidFill>
-                  <a:srgbClr val="2B91AF"/>
-                </a:solidFill>
-                <a:latin typeface="Consolas" panose="020B0609020204030204" pitchFamily="49" charset="0"/>
-              </a:rPr>
-              <a:t>IndexType</a:t>
-            </a:r>
-            <a:r>
-              <a:rPr lang="en-US" dirty="0">
-                <a:solidFill>
-                  <a:srgbClr val="000000"/>
-                </a:solidFill>
-                <a:latin typeface="Consolas" panose="020B0609020204030204" pitchFamily="49" charset="0"/>
-              </a:rPr>
-              <a:t> </a:t>
-            </a:r>
-            <a:r>
-              <a:rPr lang="en-US" dirty="0" err="1">
-                <a:solidFill>
-                  <a:srgbClr val="000000"/>
-                </a:solidFill>
-                <a:latin typeface="Consolas" panose="020B0609020204030204" pitchFamily="49" charset="0"/>
-              </a:rPr>
-              <a:t>pReadIndex</a:t>
-            </a:r>
-            <a:r>
-              <a:rPr lang="en-US" dirty="0">
-                <a:solidFill>
-                  <a:srgbClr val="000000"/>
-                </a:solidFill>
-                <a:latin typeface="Consolas" panose="020B0609020204030204" pitchFamily="49" charset="0"/>
-              </a:rPr>
-              <a:t>_{ 0 }; </a:t>
-            </a:r>
-          </a:p>
-          <a:p>
-            <a:pPr marL="0" indent="0">
-              <a:buNone/>
-            </a:pPr>
-            <a:r>
-              <a:rPr lang="en-US" dirty="0">
-                <a:solidFill>
-                  <a:srgbClr val="2B91AF"/>
-                </a:solidFill>
-                <a:latin typeface="Consolas" panose="020B0609020204030204" pitchFamily="49" charset="0"/>
-              </a:rPr>
-              <a:t>atomic</a:t>
-            </a:r>
-            <a:r>
-              <a:rPr lang="en-US" dirty="0">
-                <a:solidFill>
-                  <a:srgbClr val="000000"/>
-                </a:solidFill>
-                <a:latin typeface="Consolas" panose="020B0609020204030204" pitchFamily="49" charset="0"/>
-              </a:rPr>
-              <a:t>&lt;</a:t>
-            </a:r>
-            <a:r>
-              <a:rPr lang="en-US" dirty="0" err="1">
-                <a:solidFill>
-                  <a:srgbClr val="2B91AF"/>
-                </a:solidFill>
-                <a:latin typeface="Consolas" panose="020B0609020204030204" pitchFamily="49" charset="0"/>
-              </a:rPr>
-              <a:t>IndexType</a:t>
-            </a:r>
-            <a:r>
-              <a:rPr lang="en-US" dirty="0">
-                <a:solidFill>
-                  <a:srgbClr val="000000"/>
-                </a:solidFill>
-                <a:latin typeface="Consolas" panose="020B0609020204030204" pitchFamily="49" charset="0"/>
-              </a:rPr>
-              <a:t>&gt; </a:t>
-            </a:r>
-            <a:r>
-              <a:rPr lang="en-US" dirty="0" err="1">
-                <a:solidFill>
-                  <a:srgbClr val="000000"/>
-                </a:solidFill>
-                <a:latin typeface="Consolas" panose="020B0609020204030204" pitchFamily="49" charset="0"/>
-              </a:rPr>
-              <a:t>writeIndex</a:t>
-            </a:r>
-            <a:r>
-              <a:rPr lang="en-US" dirty="0">
-                <a:solidFill>
-                  <a:srgbClr val="000000"/>
-                </a:solidFill>
-                <a:latin typeface="Consolas" panose="020B0609020204030204" pitchFamily="49" charset="0"/>
-              </a:rPr>
-              <a:t>_{ 0 };</a:t>
-            </a:r>
-          </a:p>
-          <a:p>
-            <a:pPr marL="0" indent="0">
-              <a:buNone/>
-            </a:pPr>
-            <a:r>
-              <a:rPr lang="en-US" dirty="0" err="1">
-                <a:solidFill>
-                  <a:srgbClr val="2B91AF"/>
-                </a:solidFill>
-                <a:latin typeface="Consolas" panose="020B0609020204030204" pitchFamily="49" charset="0"/>
-              </a:rPr>
-              <a:t>DataType</a:t>
-            </a:r>
-            <a:r>
-              <a:rPr lang="en-US" dirty="0">
-                <a:solidFill>
-                  <a:srgbClr val="000000"/>
-                </a:solidFill>
-                <a:latin typeface="Consolas" panose="020B0609020204030204" pitchFamily="49" charset="0"/>
-              </a:rPr>
-              <a:t> buffer_[N];</a:t>
-            </a:r>
-          </a:p>
-          <a:p>
-            <a:pPr marL="0" indent="0">
-              <a:buNone/>
-            </a:pPr>
-            <a:r>
-              <a:rPr lang="en-US" dirty="0">
-                <a:solidFill>
-                  <a:srgbClr val="008000"/>
-                </a:solidFill>
-                <a:latin typeface="Consolas" panose="020B0609020204030204" pitchFamily="49" charset="0"/>
-              </a:rPr>
-              <a:t>// predictive write index, cache neighbors</a:t>
+              <a:t>// try to write n elements, fails if no space available</a:t>
             </a:r>
             <a:endParaRPr lang="en-US" dirty="0">
               <a:solidFill>
@@ -27123,13 +27330,103 @@
               <a:buNone/>
             </a:pPr>
             <a:r>
+              <a:rPr lang="en-US" dirty="0">
+                <a:solidFill>
+                  <a:srgbClr val="0000FF"/>
+                </a:solidFill>
+                <a:latin typeface="Consolas" panose="020B0609020204030204" pitchFamily="49" charset="0"/>
+              </a:rPr>
+              <a:t>bool</a:t>
+            </a:r>
+            <a:r>
+              <a:rPr lang="en-US" dirty="0">
+                <a:solidFill>
+                  <a:srgbClr val="000000"/>
+                </a:solidFill>
+                <a:latin typeface="Consolas" panose="020B0609020204030204" pitchFamily="49" charset="0"/>
+              </a:rPr>
+              <a:t> </a:t>
+            </a:r>
+            <a:r>
+              <a:rPr lang="en-US" dirty="0">
+                <a:solidFill>
+                  <a:srgbClr val="800000"/>
+                </a:solidFill>
+                <a:latin typeface="Consolas" panose="020B0609020204030204" pitchFamily="49" charset="0"/>
+              </a:rPr>
+              <a:t>Put</a:t>
+            </a:r>
+            <a:r>
+              <a:rPr lang="en-US" dirty="0">
+                <a:solidFill>
+                  <a:srgbClr val="000000"/>
+                </a:solidFill>
+                <a:latin typeface="Consolas" panose="020B0609020204030204" pitchFamily="49" charset="0"/>
+              </a:rPr>
+              <a:t>(</a:t>
+            </a:r>
+            <a:r>
+              <a:rPr lang="en-US" dirty="0">
+                <a:solidFill>
+                  <a:srgbClr val="0000FF"/>
+                </a:solidFill>
+                <a:latin typeface="Consolas" panose="020B0609020204030204" pitchFamily="49" charset="0"/>
+              </a:rPr>
+              <a:t>const</a:t>
+            </a:r>
+            <a:r>
+              <a:rPr lang="en-US" dirty="0">
+                <a:solidFill>
+                  <a:srgbClr val="000000"/>
+                </a:solidFill>
+                <a:latin typeface="Consolas" panose="020B0609020204030204" pitchFamily="49" charset="0"/>
+              </a:rPr>
+              <a:t> </a:t>
+            </a:r>
+            <a:r>
               <a:rPr lang="en-US" dirty="0" err="1">
                 <a:solidFill>
-                  <a:srgbClr val="2B91AF"/>
-                </a:solidFill>
-                <a:latin typeface="Consolas" panose="020B0609020204030204" pitchFamily="49" charset="0"/>
-              </a:rPr>
-              <a:t>IndexType</a:t>
+                  <a:srgbClr val="008080"/>
+                </a:solidFill>
+                <a:latin typeface="Consolas" panose="020B0609020204030204" pitchFamily="49" charset="0"/>
+              </a:rPr>
+              <a:t>DataType</a:t>
+            </a:r>
+            <a:r>
+              <a:rPr lang="en-US" dirty="0">
+                <a:solidFill>
+                  <a:srgbClr val="000000"/>
+                </a:solidFill>
+                <a:latin typeface="Consolas" panose="020B0609020204030204" pitchFamily="49" charset="0"/>
+              </a:rPr>
+              <a:t> * </a:t>
+            </a:r>
+            <a:r>
+              <a:rPr lang="en-US" dirty="0">
+                <a:solidFill>
+                  <a:srgbClr val="808080"/>
+                </a:solidFill>
+                <a:latin typeface="Consolas" panose="020B0609020204030204" pitchFamily="49" charset="0"/>
+              </a:rPr>
+              <a:t>data</a:t>
+            </a:r>
+            <a:r>
+              <a:rPr lang="en-US" dirty="0">
+                <a:solidFill>
+                  <a:srgbClr val="000000"/>
+                </a:solidFill>
+                <a:latin typeface="Consolas" panose="020B0609020204030204" pitchFamily="49" charset="0"/>
+              </a:rPr>
+              <a:t>, </a:t>
+            </a:r>
+            <a:r>
+              <a:rPr lang="en-US" dirty="0" err="1">
+                <a:solidFill>
+                  <a:srgbClr val="008080"/>
+                </a:solidFill>
+                <a:latin typeface="Consolas" panose="020B0609020204030204" pitchFamily="49" charset="0"/>
+              </a:rPr>
+              <a:t>size_t</a:t>
             </a:r>
             <a:r>
               <a:rPr lang="en-US" dirty="0">
@@ -27141,22 +27438,22 @@
               <a:t> </a:t>
             </a:r>
             <a:r>
-              <a:rPr lang="en-US" dirty="0" err="1">
-                <a:solidFill>
-                  <a:srgbClr val="000000"/>
-                </a:solidFill>
-                <a:latin typeface="Consolas" panose="020B0609020204030204" pitchFamily="49" charset="0"/>
-              </a:rPr>
-              <a:t>pWriteIndex</a:t>
-            </a:r>
-            <a:r>
-              <a:rPr lang="en-US" dirty="0">
-                <a:solidFill>
-                  <a:srgbClr val="000000"/>
-                </a:solidFill>
-                <a:latin typeface="Consolas" panose="020B0609020204030204" pitchFamily="49" charset="0"/>
-              </a:rPr>
-              <a:t>_{ 0 }; </a:t>
+              <a:rPr lang="en-US" dirty="0">
+                <a:solidFill>
+                  <a:srgbClr val="808080"/>
+                </a:solidFill>
+                <a:latin typeface="Consolas" panose="020B0609020204030204" pitchFamily="49" charset="0"/>
+              </a:rPr>
+              <a:t>n</a:t>
+            </a:r>
+            <a:r>
+              <a:rPr lang="en-US" dirty="0">
+                <a:solidFill>
+                  <a:srgbClr val="000000"/>
+                </a:solidFill>
+                <a:latin typeface="Consolas" panose="020B0609020204030204" pitchFamily="49" charset="0"/>
+              </a:rPr>
+              <a:t>)</a:t>
             </a:r>
           </a:p>
           <a:p>
@@ -27166,66 +27463,588 @@
             <a:r>
               <a:rPr lang="en-US" dirty="0">
                 <a:solidFill>
-                  <a:srgbClr val="2B91AF"/>
-                </a:solidFill>
-                <a:latin typeface="Consolas" panose="020B0609020204030204" pitchFamily="49" charset="0"/>
-              </a:rPr>
-              <a:t>atomic</a:t>
-            </a:r>
-            <a:r>
-              <a:rPr lang="en-US" dirty="0">
-                <a:solidFill>
-                  <a:srgbClr val="000000"/>
-                </a:solidFill>
-                <a:latin typeface="Consolas" panose="020B0609020204030204" pitchFamily="49" charset="0"/>
-              </a:rPr>
-              <a:t>&lt;</a:t>
-            </a:r>
-            <a:r>
-              <a:rPr lang="en-US" dirty="0" err="1">
-                <a:solidFill>
-                  <a:srgbClr val="2B91AF"/>
-                </a:solidFill>
-                <a:latin typeface="Consolas" panose="020B0609020204030204" pitchFamily="49" charset="0"/>
-              </a:rPr>
-              <a:t>IndexType</a:t>
-            </a:r>
-            <a:r>
-              <a:rPr lang="en-US" dirty="0">
-                <a:solidFill>
-                  <a:srgbClr val="000000"/>
-                </a:solidFill>
-                <a:latin typeface="Consolas" panose="020B0609020204030204" pitchFamily="49" charset="0"/>
-              </a:rPr>
-              <a:t>&gt; </a:t>
-            </a:r>
-            <a:r>
-              <a:rPr lang="en-US" dirty="0" err="1">
-                <a:solidFill>
-                  <a:srgbClr val="000000"/>
-                </a:solidFill>
-                <a:latin typeface="Consolas" panose="020B0609020204030204" pitchFamily="49" charset="0"/>
-              </a:rPr>
-              <a:t>readIndex</a:t>
-            </a:r>
-            <a:r>
-              <a:rPr lang="en-US" dirty="0">
-                <a:solidFill>
-                  <a:srgbClr val="000000"/>
-                </a:solidFill>
-                <a:latin typeface="Consolas" panose="020B0609020204030204" pitchFamily="49" charset="0"/>
-              </a:rPr>
-              <a:t>_{ 0 };</a:t>
+                  <a:srgbClr val="000000"/>
+                </a:solidFill>
+                <a:latin typeface="Consolas" panose="020B0609020204030204" pitchFamily="49" charset="0"/>
+              </a:rPr>
+              <a:t>{</a:t>
             </a:r>
           </a:p>
           <a:p>
             <a:pPr marL="0" indent="0">
               <a:buNone/>
             </a:pPr>
-            <a:endParaRPr lang="en-US" dirty="0"/>
-          </a:p>
-          <a:p>
-            <a:endParaRPr lang="en-US" dirty="0"/>
+            <a:r>
+              <a:rPr lang="en-US" dirty="0">
+                <a:solidFill>
+                  <a:srgbClr val="0000FF"/>
+                </a:solidFill>
+                <a:latin typeface="Consolas" panose="020B0609020204030204" pitchFamily="49" charset="0"/>
+              </a:rPr>
+              <a:t>   auto</a:t>
+            </a:r>
+            <a:r>
+              <a:rPr lang="en-US" dirty="0">
+                <a:solidFill>
+                  <a:srgbClr val="000000"/>
+                </a:solidFill>
+                <a:latin typeface="Consolas" panose="020B0609020204030204" pitchFamily="49" charset="0"/>
+              </a:rPr>
+              <a:t> w = </a:t>
+            </a:r>
+            <a:r>
+              <a:rPr lang="en-US" dirty="0" err="1">
+                <a:solidFill>
+                  <a:srgbClr val="000000"/>
+                </a:solidFill>
+                <a:latin typeface="Consolas" panose="020B0609020204030204" pitchFamily="49" charset="0"/>
+              </a:rPr>
+              <a:t>writeIndex</a:t>
+            </a:r>
+            <a:r>
+              <a:rPr lang="en-US" dirty="0">
+                <a:solidFill>
+                  <a:srgbClr val="000000"/>
+                </a:solidFill>
+                <a:latin typeface="Consolas" panose="020B0609020204030204" pitchFamily="49" charset="0"/>
+              </a:rPr>
+              <a:t>_.load(</a:t>
+            </a:r>
+            <a:r>
+              <a:rPr lang="en-US" dirty="0" err="1">
+                <a:solidFill>
+                  <a:srgbClr val="000000"/>
+                </a:solidFill>
+                <a:latin typeface="Consolas" panose="020B0609020204030204" pitchFamily="49" charset="0"/>
+              </a:rPr>
+              <a:t>memory_order_relaxed</a:t>
+            </a:r>
+            <a:r>
+              <a:rPr lang="en-US" dirty="0">
+                <a:solidFill>
+                  <a:srgbClr val="000000"/>
+                </a:solidFill>
+                <a:latin typeface="Consolas" panose="020B0609020204030204" pitchFamily="49" charset="0"/>
+              </a:rPr>
+              <a:t>);</a:t>
+            </a:r>
+          </a:p>
+          <a:p>
+            <a:pPr marL="0" indent="0">
+              <a:buNone/>
+            </a:pPr>
+            <a:r>
+              <a:rPr lang="en-US" dirty="0">
+                <a:solidFill>
+                  <a:srgbClr val="0000FF"/>
+                </a:solidFill>
+                <a:latin typeface="Consolas" panose="020B0609020204030204" pitchFamily="49" charset="0"/>
+              </a:rPr>
+              <a:t>   auto</a:t>
+            </a:r>
+            <a:r>
+              <a:rPr lang="en-US" dirty="0">
+                <a:solidFill>
+                  <a:srgbClr val="000000"/>
+                </a:solidFill>
+                <a:latin typeface="Consolas" panose="020B0609020204030204" pitchFamily="49" charset="0"/>
+              </a:rPr>
+              <a:t> r = </a:t>
+            </a:r>
+            <a:r>
+              <a:rPr lang="en-US" dirty="0" err="1">
+                <a:solidFill>
+                  <a:srgbClr val="000000"/>
+                </a:solidFill>
+                <a:latin typeface="Consolas" panose="020B0609020204030204" pitchFamily="49" charset="0"/>
+              </a:rPr>
+              <a:t>readIndex</a:t>
+            </a:r>
+            <a:r>
+              <a:rPr lang="en-US" dirty="0">
+                <a:solidFill>
+                  <a:srgbClr val="000000"/>
+                </a:solidFill>
+                <a:latin typeface="Consolas" panose="020B0609020204030204" pitchFamily="49" charset="0"/>
+              </a:rPr>
+              <a:t>_.load(</a:t>
+            </a:r>
+            <a:r>
+              <a:rPr lang="en-US" dirty="0" err="1">
+                <a:solidFill>
+                  <a:srgbClr val="000000"/>
+                </a:solidFill>
+                <a:latin typeface="Consolas" panose="020B0609020204030204" pitchFamily="49" charset="0"/>
+              </a:rPr>
+              <a:t>memory_order_acquire</a:t>
+            </a:r>
+            <a:r>
+              <a:rPr lang="en-US" dirty="0">
+                <a:solidFill>
+                  <a:srgbClr val="000000"/>
+                </a:solidFill>
+                <a:latin typeface="Consolas" panose="020B0609020204030204" pitchFamily="49" charset="0"/>
+              </a:rPr>
+              <a:t>);</a:t>
+            </a:r>
+          </a:p>
+          <a:p>
+            <a:pPr marL="0" indent="0">
+              <a:buNone/>
+            </a:pPr>
+            <a:r>
+              <a:rPr lang="pt-BR" dirty="0">
+                <a:solidFill>
+                  <a:srgbClr val="0000FF"/>
+                </a:solidFill>
+                <a:latin typeface="Consolas" panose="020B0609020204030204" pitchFamily="49" charset="0"/>
+              </a:rPr>
+              <a:t>   if</a:t>
+            </a:r>
+            <a:r>
+              <a:rPr lang="pt-BR" dirty="0">
+                <a:solidFill>
+                  <a:srgbClr val="000000"/>
+                </a:solidFill>
+                <a:latin typeface="Consolas" panose="020B0609020204030204" pitchFamily="49" charset="0"/>
+              </a:rPr>
+              <a:t> (</a:t>
+            </a:r>
+            <a:r>
+              <a:rPr lang="pt-BR" dirty="0">
+                <a:solidFill>
+                  <a:srgbClr val="800000"/>
+                </a:solidFill>
+                <a:latin typeface="Consolas" panose="020B0609020204030204" pitchFamily="49" charset="0"/>
+              </a:rPr>
+              <a:t>Size</a:t>
+            </a:r>
+            <a:r>
+              <a:rPr lang="pt-BR" dirty="0">
+                <a:solidFill>
+                  <a:srgbClr val="000000"/>
+                </a:solidFill>
+                <a:latin typeface="Consolas" panose="020B0609020204030204" pitchFamily="49" charset="0"/>
+              </a:rPr>
+              <a:t>() - </a:t>
+            </a:r>
+            <a:r>
+              <a:rPr lang="pt-BR" dirty="0">
+                <a:solidFill>
+                  <a:srgbClr val="008080"/>
+                </a:solidFill>
+                <a:latin typeface="Consolas" panose="020B0609020204030204" pitchFamily="49" charset="0"/>
+              </a:rPr>
+              <a:t>RingMod</a:t>
+            </a:r>
+            <a:r>
+              <a:rPr lang="pt-BR" dirty="0">
+                <a:solidFill>
+                  <a:srgbClr val="000000"/>
+                </a:solidFill>
+                <a:latin typeface="Consolas" panose="020B0609020204030204" pitchFamily="49" charset="0"/>
+              </a:rPr>
+              <a:t>::Mod2N(2 * N + w - r) &lt; </a:t>
+            </a:r>
+            <a:r>
+              <a:rPr lang="pt-BR" dirty="0">
+                <a:solidFill>
+                  <a:srgbClr val="808080"/>
+                </a:solidFill>
+                <a:latin typeface="Consolas" panose="020B0609020204030204" pitchFamily="49" charset="0"/>
+              </a:rPr>
+              <a:t>n</a:t>
+            </a:r>
+            <a:r>
+              <a:rPr lang="pt-BR" dirty="0">
+                <a:solidFill>
+                  <a:srgbClr val="000000"/>
+                </a:solidFill>
+                <a:latin typeface="Consolas" panose="020B0609020204030204" pitchFamily="49" charset="0"/>
+              </a:rPr>
+              <a:t>)</a:t>
+            </a:r>
+          </a:p>
+          <a:p>
+            <a:pPr marL="0" indent="0">
+              <a:buNone/>
+            </a:pPr>
+            <a:r>
+              <a:rPr lang="en-US" dirty="0">
+                <a:solidFill>
+                  <a:srgbClr val="0000FF"/>
+                </a:solidFill>
+                <a:latin typeface="Consolas" panose="020B0609020204030204" pitchFamily="49" charset="0"/>
+              </a:rPr>
+              <a:t>      return</a:t>
+            </a:r>
+            <a:r>
+              <a:rPr lang="en-US" dirty="0">
+                <a:solidFill>
+                  <a:srgbClr val="000000"/>
+                </a:solidFill>
+                <a:latin typeface="Consolas" panose="020B0609020204030204" pitchFamily="49" charset="0"/>
+              </a:rPr>
+              <a:t> </a:t>
+            </a:r>
+            <a:r>
+              <a:rPr lang="en-US" dirty="0">
+                <a:solidFill>
+                  <a:srgbClr val="0000FF"/>
+                </a:solidFill>
+                <a:latin typeface="Consolas" panose="020B0609020204030204" pitchFamily="49" charset="0"/>
+              </a:rPr>
+              <a:t>false</a:t>
+            </a:r>
+            <a:r>
+              <a:rPr lang="en-US" dirty="0">
+                <a:solidFill>
+                  <a:srgbClr val="000000"/>
+                </a:solidFill>
+                <a:latin typeface="Consolas" panose="020B0609020204030204" pitchFamily="49" charset="0"/>
+              </a:rPr>
+              <a:t>; </a:t>
+            </a:r>
+            <a:r>
+              <a:rPr lang="en-US" dirty="0">
+                <a:solidFill>
+                  <a:srgbClr val="008000"/>
+                </a:solidFill>
+                <a:latin typeface="Consolas" panose="020B0609020204030204" pitchFamily="49" charset="0"/>
+              </a:rPr>
+              <a:t>// does not fit</a:t>
+            </a:r>
+            <a:endParaRPr lang="en-US" dirty="0">
+              <a:solidFill>
+                <a:srgbClr val="000000"/>
+              </a:solidFill>
+              <a:latin typeface="Consolas" panose="020B0609020204030204" pitchFamily="49" charset="0"/>
+            </a:endParaRPr>
+          </a:p>
+          <a:p>
+            <a:pPr marL="0" indent="0">
+              <a:buNone/>
+            </a:pPr>
+            <a:r>
+              <a:rPr lang="da-DK" dirty="0">
+                <a:solidFill>
+                  <a:srgbClr val="0000FF"/>
+                </a:solidFill>
+                <a:latin typeface="Consolas" panose="020B0609020204030204" pitchFamily="49" charset="0"/>
+              </a:rPr>
+              <a:t>   auto</a:t>
+            </a:r>
+            <a:r>
+              <a:rPr lang="da-DK" dirty="0">
+                <a:solidFill>
+                  <a:srgbClr val="000000"/>
+                </a:solidFill>
+                <a:latin typeface="Consolas" panose="020B0609020204030204" pitchFamily="49" charset="0"/>
+              </a:rPr>
+              <a:t> t = </a:t>
+            </a:r>
+            <a:r>
+              <a:rPr lang="da-DK" dirty="0">
+                <a:solidFill>
+                  <a:srgbClr val="008080"/>
+                </a:solidFill>
+                <a:latin typeface="Consolas" panose="020B0609020204030204" pitchFamily="49" charset="0"/>
+              </a:rPr>
+              <a:t>RingMod</a:t>
+            </a:r>
+            <a:r>
+              <a:rPr lang="da-DK" dirty="0">
+                <a:solidFill>
+                  <a:srgbClr val="000000"/>
+                </a:solidFill>
+                <a:latin typeface="Consolas" panose="020B0609020204030204" pitchFamily="49" charset="0"/>
+              </a:rPr>
+              <a:t>::Mod1N(w);</a:t>
+            </a:r>
+          </a:p>
+          <a:p>
+            <a:pPr marL="0" indent="0">
+              <a:buNone/>
+            </a:pPr>
+            <a:r>
+              <a:rPr lang="nn-NO" dirty="0">
+                <a:solidFill>
+                  <a:srgbClr val="0000FF"/>
+                </a:solidFill>
+                <a:latin typeface="Consolas" panose="020B0609020204030204" pitchFamily="49" charset="0"/>
+              </a:rPr>
+              <a:t>   for</a:t>
+            </a:r>
+            <a:r>
+              <a:rPr lang="nn-NO" dirty="0">
+                <a:solidFill>
+                  <a:srgbClr val="000000"/>
+                </a:solidFill>
+                <a:latin typeface="Consolas" panose="020B0609020204030204" pitchFamily="49" charset="0"/>
+              </a:rPr>
+              <a:t> (</a:t>
+            </a:r>
+            <a:r>
+              <a:rPr lang="nn-NO" dirty="0">
+                <a:solidFill>
+                  <a:srgbClr val="0000FF"/>
+                </a:solidFill>
+                <a:latin typeface="Consolas" panose="020B0609020204030204" pitchFamily="49" charset="0"/>
+              </a:rPr>
+              <a:t>auto</a:t>
+            </a:r>
+            <a:r>
+              <a:rPr lang="nn-NO" dirty="0">
+                <a:solidFill>
+                  <a:srgbClr val="000000"/>
+                </a:solidFill>
+                <a:latin typeface="Consolas" panose="020B0609020204030204" pitchFamily="49" charset="0"/>
+              </a:rPr>
+              <a:t> i = 0; i &lt; </a:t>
+            </a:r>
+            <a:r>
+              <a:rPr lang="nn-NO" dirty="0">
+                <a:solidFill>
+                  <a:srgbClr val="808080"/>
+                </a:solidFill>
+                <a:latin typeface="Consolas" panose="020B0609020204030204" pitchFamily="49" charset="0"/>
+              </a:rPr>
+              <a:t>n</a:t>
+            </a:r>
+            <a:r>
+              <a:rPr lang="nn-NO" dirty="0">
+                <a:solidFill>
+                  <a:srgbClr val="000000"/>
+                </a:solidFill>
+                <a:latin typeface="Consolas" panose="020B0609020204030204" pitchFamily="49" charset="0"/>
+              </a:rPr>
+              <a:t>; ++i)</a:t>
+            </a:r>
+          </a:p>
+          <a:p>
+            <a:pPr marL="0" indent="0">
+              <a:buNone/>
+            </a:pPr>
+            <a:r>
+              <a:rPr lang="da-DK" dirty="0">
+                <a:solidFill>
+                  <a:srgbClr val="000000"/>
+                </a:solidFill>
+                <a:latin typeface="Consolas" panose="020B0609020204030204" pitchFamily="49" charset="0"/>
+              </a:rPr>
+              <a:t>      buffer_[</a:t>
+            </a:r>
+            <a:r>
+              <a:rPr lang="da-DK" dirty="0">
+                <a:solidFill>
+                  <a:srgbClr val="008080"/>
+                </a:solidFill>
+                <a:latin typeface="Consolas" panose="020B0609020204030204" pitchFamily="49" charset="0"/>
+              </a:rPr>
+              <a:t>RingMod</a:t>
+            </a:r>
+            <a:r>
+              <a:rPr lang="da-DK" dirty="0">
+                <a:solidFill>
+                  <a:srgbClr val="000000"/>
+                </a:solidFill>
+                <a:latin typeface="Consolas" panose="020B0609020204030204" pitchFamily="49" charset="0"/>
+              </a:rPr>
+              <a:t>::Mod1N(t+i)] = </a:t>
+            </a:r>
+            <a:r>
+              <a:rPr lang="da-DK" dirty="0">
+                <a:solidFill>
+                  <a:srgbClr val="808080"/>
+                </a:solidFill>
+                <a:latin typeface="Consolas" panose="020B0609020204030204" pitchFamily="49" charset="0"/>
+              </a:rPr>
+              <a:t>data</a:t>
+            </a:r>
+            <a:r>
+              <a:rPr lang="da-DK" dirty="0">
+                <a:solidFill>
+                  <a:srgbClr val="000000"/>
+                </a:solidFill>
+                <a:latin typeface="Consolas" panose="020B0609020204030204" pitchFamily="49" charset="0"/>
+              </a:rPr>
+              <a:t>[i];</a:t>
+            </a:r>
+          </a:p>
+          <a:p>
+            <a:pPr marL="0" indent="0">
+              <a:buNone/>
+            </a:pPr>
+            <a:r>
+              <a:rPr lang="en-US" dirty="0">
+                <a:solidFill>
+                  <a:srgbClr val="000000"/>
+                </a:solidFill>
+                <a:latin typeface="Consolas" panose="020B0609020204030204" pitchFamily="49" charset="0"/>
+              </a:rPr>
+              <a:t>   </a:t>
+            </a:r>
+            <a:r>
+              <a:rPr lang="pl-PL" dirty="0">
+                <a:solidFill>
+                  <a:srgbClr val="000000"/>
+                </a:solidFill>
+                <a:latin typeface="Consolas" panose="020B0609020204030204" pitchFamily="49" charset="0"/>
+              </a:rPr>
+              <a:t>w = </a:t>
+            </a:r>
+            <a:r>
+              <a:rPr lang="pl-PL" dirty="0">
+                <a:solidFill>
+                  <a:srgbClr val="008080"/>
+                </a:solidFill>
+                <a:latin typeface="Consolas" panose="020B0609020204030204" pitchFamily="49" charset="0"/>
+              </a:rPr>
+              <a:t>RingMod</a:t>
+            </a:r>
+            <a:r>
+              <a:rPr lang="pl-PL" dirty="0">
+                <a:solidFill>
+                  <a:srgbClr val="000000"/>
+                </a:solidFill>
+                <a:latin typeface="Consolas" panose="020B0609020204030204" pitchFamily="49" charset="0"/>
+              </a:rPr>
+              <a:t>::Mod2N(w + </a:t>
+            </a:r>
+            <a:r>
+              <a:rPr lang="pl-PL" dirty="0">
+                <a:solidFill>
+                  <a:srgbClr val="808080"/>
+                </a:solidFill>
+                <a:latin typeface="Consolas" panose="020B0609020204030204" pitchFamily="49" charset="0"/>
+              </a:rPr>
+              <a:t>n</a:t>
+            </a:r>
+            <a:r>
+              <a:rPr lang="pl-PL" dirty="0">
+                <a:solidFill>
+                  <a:srgbClr val="000000"/>
+                </a:solidFill>
+                <a:latin typeface="Consolas" panose="020B0609020204030204" pitchFamily="49" charset="0"/>
+              </a:rPr>
+              <a:t>);</a:t>
+            </a:r>
+          </a:p>
+          <a:p>
+            <a:pPr marL="0" indent="0">
+              <a:buNone/>
+            </a:pPr>
+            <a:r>
+              <a:rPr lang="en-US" dirty="0">
+                <a:solidFill>
+                  <a:srgbClr val="000000"/>
+                </a:solidFill>
+                <a:latin typeface="Consolas" panose="020B0609020204030204" pitchFamily="49" charset="0"/>
+              </a:rPr>
+              <a:t>   </a:t>
+            </a:r>
+            <a:r>
+              <a:rPr lang="en-US" dirty="0" err="1">
+                <a:solidFill>
+                  <a:srgbClr val="000000"/>
+                </a:solidFill>
+                <a:latin typeface="Consolas" panose="020B0609020204030204" pitchFamily="49" charset="0"/>
+              </a:rPr>
+              <a:t>writeIndex</a:t>
+            </a:r>
+            <a:r>
+              <a:rPr lang="en-US" dirty="0">
+                <a:solidFill>
+                  <a:srgbClr val="000000"/>
+                </a:solidFill>
+                <a:latin typeface="Consolas" panose="020B0609020204030204" pitchFamily="49" charset="0"/>
+              </a:rPr>
+              <a:t>_.store(w, </a:t>
+            </a:r>
+            <a:r>
+              <a:rPr lang="en-US" dirty="0" err="1">
+                <a:solidFill>
+                  <a:srgbClr val="000000"/>
+                </a:solidFill>
+                <a:latin typeface="Consolas" panose="020B0609020204030204" pitchFamily="49" charset="0"/>
+              </a:rPr>
+              <a:t>memory_order_release</a:t>
+            </a:r>
+            <a:r>
+              <a:rPr lang="en-US" dirty="0">
+                <a:solidFill>
+                  <a:srgbClr val="000000"/>
+                </a:solidFill>
+                <a:latin typeface="Consolas" panose="020B0609020204030204" pitchFamily="49" charset="0"/>
+              </a:rPr>
+              <a:t>);</a:t>
+            </a:r>
+          </a:p>
+          <a:p>
+            <a:pPr marL="0" indent="0">
+              <a:buNone/>
+            </a:pPr>
+            <a:r>
+              <a:rPr lang="en-US" dirty="0">
+                <a:solidFill>
+                  <a:srgbClr val="0000FF"/>
+                </a:solidFill>
+                <a:latin typeface="Consolas" panose="020B0609020204030204" pitchFamily="49" charset="0"/>
+              </a:rPr>
+              <a:t>   return</a:t>
+            </a:r>
+            <a:r>
+              <a:rPr lang="en-US" dirty="0">
+                <a:solidFill>
+                  <a:srgbClr val="000000"/>
+                </a:solidFill>
+                <a:latin typeface="Consolas" panose="020B0609020204030204" pitchFamily="49" charset="0"/>
+              </a:rPr>
+              <a:t> </a:t>
+            </a:r>
+            <a:r>
+              <a:rPr lang="en-US" dirty="0">
+                <a:solidFill>
+                  <a:srgbClr val="0000FF"/>
+                </a:solidFill>
+                <a:latin typeface="Consolas" panose="020B0609020204030204" pitchFamily="49" charset="0"/>
+              </a:rPr>
+              <a:t>true</a:t>
+            </a:r>
+            <a:r>
+              <a:rPr lang="en-US" dirty="0">
+                <a:solidFill>
+                  <a:srgbClr val="000000"/>
+                </a:solidFill>
+                <a:latin typeface="Consolas" panose="020B0609020204030204" pitchFamily="49" charset="0"/>
+              </a:rPr>
+              <a:t>;</a:t>
+            </a:r>
+          </a:p>
+          <a:p>
+            <a:pPr marL="0" indent="0">
+              <a:buNone/>
+            </a:pPr>
+            <a:r>
+              <a:rPr lang="en-US" dirty="0">
+                <a:solidFill>
+                  <a:srgbClr val="000000"/>
+                </a:solidFill>
+                <a:latin typeface="Consolas" panose="020B0609020204030204" pitchFamily="49" charset="0"/>
+              </a:rPr>
+              <a:t>}</a:t>
+            </a:r>
+          </a:p>
+          <a:p>
+            <a:pPr marL="0" indent="0">
+              <a:buNone/>
+            </a:pPr>
+            <a:endParaRPr lang="en-US" dirty="0">
+              <a:solidFill>
+                <a:srgbClr val="000000"/>
+              </a:solidFill>
+              <a:latin typeface="Consolas" panose="020B0609020204030204" pitchFamily="49" charset="0"/>
+            </a:endParaRPr>
           </a:p>
         </p:txBody>
       </p:sp>
@@ -27234,7 +28053,7 @@
           <p:cNvPr id="5" name="Picture 4">
             <a:extLst>
               <a:ext uri="{FF2B5EF4-FFF2-40B4-BE49-F238E27FC236}">
-                <a16:creationId xmlns:a16="http://schemas.microsoft.com/office/drawing/2014/main" id="{7D48B3C0-059B-454F-B547-FE0885754F77}"/>
+                <a16:creationId xmlns:a16="http://schemas.microsoft.com/office/drawing/2014/main" id="{9A84CD82-B197-407C-91AD-7EA45CF5FAE6}"/>
               </a:ext>
             </a:extLst>
           </p:cNvPr>
@@ -27262,7 +28081,7 @@
     </p:spTree>
     <p:extLst>
       <p:ext uri="{BB962C8B-B14F-4D97-AF65-F5344CB8AC3E}">
-        <p14:creationId xmlns:p14="http://schemas.microsoft.com/office/powerpoint/2010/main" val="2168506085"/>
+        <p14:creationId xmlns:p14="http://schemas.microsoft.com/office/powerpoint/2010/main" val="1166027742"/>
       </p:ext>
     </p:extLst>
   </p:cSld>
@@ -27333,12 +28152,57 @@
             <p:ph idx="1"/>
           </p:nvPr>
         </p:nvSpPr>
-        <p:spPr/>
+        <p:spPr>
+          <a:xfrm>
+            <a:off x="838200" y="1825625"/>
+            <a:ext cx="10515600" cy="4351338"/>
+          </a:xfrm>
+        </p:spPr>
         <p:txBody>
           <a:bodyPr>
-            <a:normAutofit fontScale="77500" lnSpcReduction="20000"/>
+            <a:normAutofit fontScale="70000" lnSpcReduction="20000"/>
           </a:bodyPr>
           <a:lstStyle/>
+          <a:p>
+            <a:r>
+              <a:rPr lang="en-US" dirty="0"/>
+              <a:t>Can avoid some atomic checks by caching a </a:t>
+            </a:r>
+            <a:br>
+              <a:rPr lang="en-US" dirty="0"/>
+            </a:br>
+            <a:r>
+              <a:rPr lang="en-US" dirty="0"/>
+              <a:t>non-atomic value on each of </a:t>
+            </a:r>
+            <a:br>
+              <a:rPr lang="en-US" dirty="0"/>
+            </a:br>
+            <a:r>
+              <a:rPr lang="en-US" dirty="0"/>
+              <a:t>producer/consumer side</a:t>
+            </a:r>
+          </a:p>
+          <a:p>
+            <a:r>
+              <a:rPr lang="en-US" dirty="0"/>
+              <a:t>Adds memory cost of two more counters</a:t>
+            </a:r>
+          </a:p>
+          <a:p>
+            <a:r>
+              <a:rPr lang="en-US" dirty="0"/>
+              <a:t>Improves performance on some architectures</a:t>
+            </a:r>
+          </a:p>
+          <a:p>
+            <a:endParaRPr lang="en-US" dirty="0">
+              <a:solidFill>
+                <a:srgbClr val="6F008A"/>
+              </a:solidFill>
+              <a:latin typeface="Consolas" panose="020B0609020204030204" pitchFamily="49" charset="0"/>
+            </a:endParaRPr>
+          </a:p>
           <a:p>
             <a:pPr marL="0" indent="0">
               <a:buNone/>
@@ -27346,124 +28210,58 @@
             <a:r>
               <a:rPr lang="en-US" dirty="0">
                 <a:solidFill>
-                  <a:srgbClr val="0000FF"/>
-                </a:solidFill>
-                <a:latin typeface="Consolas" panose="020B0609020204030204" pitchFamily="49" charset="0"/>
-              </a:rPr>
-              <a:t>bool</a:t>
-            </a:r>
-            <a:r>
-              <a:rPr lang="en-US" dirty="0">
-                <a:solidFill>
-                  <a:srgbClr val="000000"/>
-                </a:solidFill>
-                <a:latin typeface="Consolas" panose="020B0609020204030204" pitchFamily="49" charset="0"/>
-              </a:rPr>
-              <a:t> Put(</a:t>
-            </a:r>
-            <a:r>
-              <a:rPr lang="en-US" dirty="0">
-                <a:solidFill>
-                  <a:srgbClr val="0000FF"/>
-                </a:solidFill>
-                <a:latin typeface="Consolas" panose="020B0609020204030204" pitchFamily="49" charset="0"/>
-              </a:rPr>
-              <a:t>const</a:t>
-            </a:r>
-            <a:r>
-              <a:rPr lang="en-US" dirty="0">
-                <a:solidFill>
-                  <a:srgbClr val="000000"/>
-                </a:solidFill>
-                <a:latin typeface="Consolas" panose="020B0609020204030204" pitchFamily="49" charset="0"/>
-              </a:rPr>
-              <a:t> </a:t>
-            </a:r>
-            <a:r>
-              <a:rPr lang="en-US" dirty="0" err="1">
-                <a:solidFill>
-                  <a:srgbClr val="2B91AF"/>
-                </a:solidFill>
-                <a:latin typeface="Consolas" panose="020B0609020204030204" pitchFamily="49" charset="0"/>
-              </a:rPr>
-              <a:t>DataType</a:t>
-            </a:r>
-            <a:r>
-              <a:rPr lang="en-US" dirty="0">
-                <a:solidFill>
-                  <a:srgbClr val="000000"/>
-                </a:solidFill>
-                <a:latin typeface="Consolas" panose="020B0609020204030204" pitchFamily="49" charset="0"/>
-              </a:rPr>
-              <a:t> * </a:t>
-            </a:r>
-            <a:r>
-              <a:rPr lang="en-US" dirty="0">
-                <a:solidFill>
-                  <a:srgbClr val="808080"/>
-                </a:solidFill>
-                <a:latin typeface="Consolas" panose="020B0609020204030204" pitchFamily="49" charset="0"/>
-              </a:rPr>
-              <a:t>data</a:t>
-            </a:r>
-            <a:r>
-              <a:rPr lang="en-US" dirty="0">
-                <a:solidFill>
-                  <a:srgbClr val="000000"/>
-                </a:solidFill>
-                <a:latin typeface="Consolas" panose="020B0609020204030204" pitchFamily="49" charset="0"/>
-              </a:rPr>
-              <a:t>, </a:t>
-            </a:r>
-            <a:r>
-              <a:rPr lang="en-US" dirty="0" err="1">
-                <a:solidFill>
-                  <a:srgbClr val="2B91AF"/>
-                </a:solidFill>
-                <a:latin typeface="Consolas" panose="020B0609020204030204" pitchFamily="49" charset="0"/>
-              </a:rPr>
-              <a:t>size_t</a:t>
-            </a:r>
-            <a:r>
-              <a:rPr lang="en-US" dirty="0">
-                <a:solidFill>
-                  <a:srgbClr val="000000"/>
-                </a:solidFill>
-                <a:latin typeface="Consolas" panose="020B0609020204030204" pitchFamily="49" charset="0"/>
-              </a:rPr>
-              <a:t> </a:t>
-            </a:r>
-            <a:r>
-              <a:rPr lang="en-US" dirty="0">
-                <a:solidFill>
-                  <a:srgbClr val="808080"/>
-                </a:solidFill>
-                <a:latin typeface="Consolas" panose="020B0609020204030204" pitchFamily="49" charset="0"/>
-              </a:rPr>
-              <a:t>n</a:t>
-            </a:r>
-            <a:r>
-              <a:rPr lang="en-US" dirty="0">
-                <a:solidFill>
-                  <a:srgbClr val="000000"/>
-                </a:solidFill>
-                <a:latin typeface="Consolas" panose="020B0609020204030204" pitchFamily="49" charset="0"/>
-              </a:rPr>
-              <a:t>)</a:t>
-            </a:r>
+                  <a:srgbClr val="008000"/>
+                </a:solidFill>
+                <a:latin typeface="Consolas" panose="020B0609020204030204" pitchFamily="49" charset="0"/>
+              </a:rPr>
+              <a:t>// predictive read index, cache neighbors</a:t>
+            </a:r>
+            <a:endParaRPr lang="en-US" dirty="0">
+              <a:solidFill>
+                <a:srgbClr val="2B91AF"/>
+              </a:solidFill>
+              <a:latin typeface="Consolas" panose="020B0609020204030204" pitchFamily="49" charset="0"/>
+            </a:endParaRPr>
           </a:p>
           <a:p>
             <a:pPr marL="0" indent="0">
               <a:buNone/>
             </a:pPr>
             <a:r>
-              <a:rPr lang="en-US" dirty="0">
-                <a:solidFill>
-                  <a:srgbClr val="000000"/>
-                </a:solidFill>
-                <a:latin typeface="Consolas" panose="020B0609020204030204" pitchFamily="49" charset="0"/>
-              </a:rPr>
-              <a:t>{ </a:t>
+              <a:rPr lang="en-US" dirty="0" err="1">
+                <a:solidFill>
+                  <a:srgbClr val="2B91AF"/>
+                </a:solidFill>
+                <a:latin typeface="Consolas" panose="020B0609020204030204" pitchFamily="49" charset="0"/>
+              </a:rPr>
+              <a:t>IndexType</a:t>
+            </a:r>
+            <a:r>
+              <a:rPr lang="en-US" dirty="0">
+                <a:solidFill>
+                  <a:srgbClr val="000000"/>
+                </a:solidFill>
+                <a:latin typeface="Consolas" panose="020B0609020204030204" pitchFamily="49" charset="0"/>
+              </a:rPr>
+              <a:t> </a:t>
+            </a:r>
+            <a:r>
+              <a:rPr lang="en-US" dirty="0" err="1">
+                <a:solidFill>
+                  <a:srgbClr val="000000"/>
+                </a:solidFill>
+                <a:latin typeface="Consolas" panose="020B0609020204030204" pitchFamily="49" charset="0"/>
+              </a:rPr>
+              <a:t>pReadIndex</a:t>
+            </a:r>
+            <a:r>
+              <a:rPr lang="en-US" dirty="0">
+                <a:solidFill>
+                  <a:srgbClr val="000000"/>
+                </a:solidFill>
+                <a:latin typeface="Consolas" panose="020B0609020204030204" pitchFamily="49" charset="0"/>
+              </a:rPr>
+              <a:t>_{ 0 }; </a:t>
             </a:r>
           </a:p>
           <a:p>
@@ -27473,24 +28271,42 @@
             <a:r>
               <a:rPr lang="en-US" dirty="0">
                 <a:solidFill>
-                  <a:srgbClr val="0000FF"/>
-                </a:solidFill>
-                <a:latin typeface="Consolas" panose="020B0609020204030204" pitchFamily="49" charset="0"/>
-              </a:rPr>
-              <a:t>   auto</a:t>
-            </a:r>
-            <a:r>
-              <a:rPr lang="en-US" dirty="0">
-                <a:solidFill>
-                  <a:srgbClr val="000000"/>
-                </a:solidFill>
-                <a:latin typeface="Consolas" panose="020B0609020204030204" pitchFamily="49" charset="0"/>
-              </a:rPr>
-              <a:t> w = </a:t>
+                  <a:srgbClr val="2B91AF"/>
+                </a:solidFill>
+                <a:latin typeface="Consolas" panose="020B0609020204030204" pitchFamily="49" charset="0"/>
+              </a:rPr>
+              <a:t>atomic</a:t>
+            </a:r>
+            <a:r>
+              <a:rPr lang="en-US" dirty="0">
+                <a:solidFill>
+                  <a:srgbClr val="000000"/>
+                </a:solidFill>
+                <a:latin typeface="Consolas" panose="020B0609020204030204" pitchFamily="49" charset="0"/>
+              </a:rPr>
+              <a:t>&lt;</a:t>
             </a:r>
             <a:r>
               <a:rPr lang="en-US" dirty="0" err="1">
                 <a:solidFill>
+                  <a:srgbClr val="2B91AF"/>
+                </a:solidFill>
+                <a:latin typeface="Consolas" panose="020B0609020204030204" pitchFamily="49" charset="0"/>
+              </a:rPr>
+              <a:t>IndexType</a:t>
+            </a:r>
+            <a:r>
+              <a:rPr lang="en-US" dirty="0">
+                <a:solidFill>
+                  <a:srgbClr val="000000"/>
+                </a:solidFill>
+                <a:latin typeface="Consolas" panose="020B0609020204030204" pitchFamily="49" charset="0"/>
+              </a:rPr>
+              <a:t>&gt; </a:t>
+            </a:r>
+            <a:r>
+              <a:rPr lang="en-US" dirty="0" err="1">
+                <a:solidFill>
                   <a:srgbClr val="000000"/>
                 </a:solidFill>
                 <a:latin typeface="Consolas" panose="020B0609020204030204" pitchFamily="49" charset="0"/>
@@ -27504,25 +28320,7 @@
                 </a:solidFill>
                 <a:latin typeface="Consolas" panose="020B0609020204030204" pitchFamily="49" charset="0"/>
               </a:rPr>
-              <a:t>_.load(</a:t>
-            </a:r>
-            <a:r>
-              <a:rPr lang="en-US" dirty="0">
-                <a:solidFill>
-                  <a:srgbClr val="6F008A"/>
-                </a:solidFill>
-                <a:latin typeface="Consolas" panose="020B0609020204030204" pitchFamily="49" charset="0"/>
-              </a:rPr>
-              <a:t>...</a:t>
-            </a:r>
-            <a:r>
-              <a:rPr lang="en-US" dirty="0">
-                <a:solidFill>
-                  <a:srgbClr val="000000"/>
-                </a:solidFill>
-                <a:latin typeface="Consolas" panose="020B0609020204030204" pitchFamily="49" charset="0"/>
-              </a:rPr>
-              <a:t>);</a:t>
+              <a:t>_{ 0 };</a:t>
             </a:r>
           </a:p>
           <a:p>
@@ -27530,13 +28328,36 @@
               <a:buNone/>
             </a:pPr>
             <a:r>
+              <a:rPr lang="en-US" dirty="0" err="1">
+                <a:solidFill>
+                  <a:srgbClr val="2B91AF"/>
+                </a:solidFill>
+                <a:latin typeface="Consolas" panose="020B0609020204030204" pitchFamily="49" charset="0"/>
+              </a:rPr>
+              <a:t>DataType</a:t>
+            </a:r>
+            <a:r>
+              <a:rPr lang="en-US" dirty="0">
+                <a:solidFill>
+                  <a:srgbClr val="000000"/>
+                </a:solidFill>
+                <a:latin typeface="Consolas" panose="020B0609020204030204" pitchFamily="49" charset="0"/>
+              </a:rPr>
+              <a:t> buffer_[N];</a:t>
+            </a:r>
+          </a:p>
+          <a:p>
+            <a:pPr marL="0" indent="0">
+              <a:buNone/>
+            </a:pPr>
+            <a:r>
               <a:rPr lang="en-US" dirty="0">
                 <a:solidFill>
                   <a:srgbClr val="008000"/>
                 </a:solidFill>
                 <a:latin typeface="Consolas" panose="020B0609020204030204" pitchFamily="49" charset="0"/>
               </a:rPr>
-              <a:t>   // predicted available to write</a:t>
+              <a:t>// predictive write index, cache neighbors</a:t>
             </a:r>
             <a:endParaRPr lang="en-US" dirty="0">
               <a:solidFill>
@@ -27550,40 +28371,22 @@
               <a:buNone/>
             </a:pPr>
             <a:r>
-              <a:rPr lang="en-US" dirty="0">
-                <a:solidFill>
-                  <a:srgbClr val="0000FF"/>
-                </a:solidFill>
-                <a:latin typeface="Consolas" panose="020B0609020204030204" pitchFamily="49" charset="0"/>
-              </a:rPr>
-              <a:t>   if</a:t>
-            </a:r>
-            <a:r>
-              <a:rPr lang="en-US" dirty="0">
-                <a:solidFill>
-                  <a:srgbClr val="000000"/>
-                </a:solidFill>
-                <a:latin typeface="Consolas" panose="020B0609020204030204" pitchFamily="49" charset="0"/>
-              </a:rPr>
-              <a:t> ( Size() - </a:t>
-            </a:r>
-            <a:r>
               <a:rPr lang="en-US" dirty="0" err="1">
                 <a:solidFill>
                   <a:srgbClr val="2B91AF"/>
                 </a:solidFill>
                 <a:latin typeface="Consolas" panose="020B0609020204030204" pitchFamily="49" charset="0"/>
               </a:rPr>
-              <a:t>RingMod</a:t>
-            </a:r>
-            <a:r>
-              <a:rPr lang="en-US" dirty="0">
-                <a:solidFill>
-                  <a:srgbClr val="000000"/>
-                </a:solidFill>
-                <a:latin typeface="Consolas" panose="020B0609020204030204" pitchFamily="49" charset="0"/>
-              </a:rPr>
-              <a:t>::Mod2N(2 * N + w - </a:t>
+              <a:t>IndexType</a:t>
+            </a:r>
+            <a:r>
+              <a:rPr lang="en-US" dirty="0">
+                <a:solidFill>
+                  <a:srgbClr val="000000"/>
+                </a:solidFill>
+                <a:latin typeface="Consolas" panose="020B0609020204030204" pitchFamily="49" charset="0"/>
+              </a:rPr>
+              <a:t> </a:t>
             </a:r>
             <a:r>
               <a:rPr lang="en-US" dirty="0" err="1">
@@ -27592,34 +28395,16 @@
                 </a:solidFill>
                 <a:latin typeface="Consolas" panose="020B0609020204030204" pitchFamily="49" charset="0"/>
               </a:rPr>
-              <a:t>pReadIndex</a:t>
-            </a:r>
-            <a:r>
-              <a:rPr lang="en-US" dirty="0">
-                <a:solidFill>
-                  <a:srgbClr val="000000"/>
-                </a:solidFill>
-                <a:latin typeface="Consolas" panose="020B0609020204030204" pitchFamily="49" charset="0"/>
-              </a:rPr>
-              <a:t>_) &lt; </a:t>
-            </a:r>
-            <a:r>
-              <a:rPr lang="en-US" dirty="0">
-                <a:solidFill>
-                  <a:srgbClr val="808080"/>
-                </a:solidFill>
-                <a:latin typeface="Consolas" panose="020B0609020204030204" pitchFamily="49" charset="0"/>
-              </a:rPr>
-              <a:t>n</a:t>
-            </a:r>
-            <a:r>
-              <a:rPr lang="en-US" dirty="0">
-                <a:solidFill>
-                  <a:srgbClr val="000000"/>
-                </a:solidFill>
-                <a:latin typeface="Consolas" panose="020B0609020204030204" pitchFamily="49" charset="0"/>
-              </a:rPr>
-              <a:t>)</a:t>
+              <a:t>pWriteIndex</a:t>
+            </a:r>
+            <a:r>
+              <a:rPr lang="en-US" dirty="0">
+                <a:solidFill>
+                  <a:srgbClr val="000000"/>
+                </a:solidFill>
+                <a:latin typeface="Consolas" panose="020B0609020204030204" pitchFamily="49" charset="0"/>
+              </a:rPr>
+              <a:t>_{ 0 }; </a:t>
             </a:r>
           </a:p>
           <a:p>
@@ -27629,276 +28414,66 @@
             <a:r>
               <a:rPr lang="en-US" dirty="0">
                 <a:solidFill>
-                  <a:srgbClr val="000000"/>
-                </a:solidFill>
-                <a:latin typeface="Consolas" panose="020B0609020204030204" pitchFamily="49" charset="0"/>
-              </a:rPr>
-              <a:t>   { </a:t>
-            </a:r>
-            <a:r>
-              <a:rPr lang="en-US" dirty="0">
-                <a:solidFill>
-                  <a:srgbClr val="008000"/>
-                </a:solidFill>
-                <a:latin typeface="Consolas" panose="020B0609020204030204" pitchFamily="49" charset="0"/>
-              </a:rPr>
-              <a:t>// may not fit, check more exactly, costing an atomic read</a:t>
-            </a:r>
-            <a:endParaRPr lang="en-US" dirty="0">
-              <a:solidFill>
-                <a:srgbClr val="000000"/>
-              </a:solidFill>
-              <a:latin typeface="Consolas" panose="020B0609020204030204" pitchFamily="49" charset="0"/>
-            </a:endParaRPr>
+                  <a:srgbClr val="2B91AF"/>
+                </a:solidFill>
+                <a:latin typeface="Consolas" panose="020B0609020204030204" pitchFamily="49" charset="0"/>
+              </a:rPr>
+              <a:t>atomic</a:t>
+            </a:r>
+            <a:r>
+              <a:rPr lang="en-US" dirty="0">
+                <a:solidFill>
+                  <a:srgbClr val="000000"/>
+                </a:solidFill>
+                <a:latin typeface="Consolas" panose="020B0609020204030204" pitchFamily="49" charset="0"/>
+              </a:rPr>
+              <a:t>&lt;</a:t>
+            </a:r>
+            <a:r>
+              <a:rPr lang="en-US" dirty="0" err="1">
+                <a:solidFill>
+                  <a:srgbClr val="2B91AF"/>
+                </a:solidFill>
+                <a:latin typeface="Consolas" panose="020B0609020204030204" pitchFamily="49" charset="0"/>
+              </a:rPr>
+              <a:t>IndexType</a:t>
+            </a:r>
+            <a:r>
+              <a:rPr lang="en-US" dirty="0">
+                <a:solidFill>
+                  <a:srgbClr val="000000"/>
+                </a:solidFill>
+                <a:latin typeface="Consolas" panose="020B0609020204030204" pitchFamily="49" charset="0"/>
+              </a:rPr>
+              <a:t>&gt; </a:t>
+            </a:r>
+            <a:r>
+              <a:rPr lang="en-US" dirty="0" err="1">
+                <a:solidFill>
+                  <a:srgbClr val="000000"/>
+                </a:solidFill>
+                <a:latin typeface="Consolas" panose="020B0609020204030204" pitchFamily="49" charset="0"/>
+              </a:rPr>
+              <a:t>readIndex</a:t>
+            </a:r>
+            <a:r>
+              <a:rPr lang="en-US" dirty="0">
+                <a:solidFill>
+                  <a:srgbClr val="000000"/>
+                </a:solidFill>
+                <a:latin typeface="Consolas" panose="020B0609020204030204" pitchFamily="49" charset="0"/>
+              </a:rPr>
+              <a:t>_{ 0 };</a:t>
+            </a:r>
           </a:p>
           <a:p>
             <a:pPr marL="0" indent="0">
               <a:buNone/>
             </a:pPr>
-            <a:r>
-              <a:rPr lang="en-US" dirty="0">
-                <a:solidFill>
-                  <a:srgbClr val="000000"/>
-                </a:solidFill>
-                <a:latin typeface="Consolas" panose="020B0609020204030204" pitchFamily="49" charset="0"/>
-              </a:rPr>
-              <a:t>      </a:t>
-            </a:r>
-            <a:r>
-              <a:rPr lang="en-US" dirty="0" err="1">
-                <a:solidFill>
-                  <a:srgbClr val="000000"/>
-                </a:solidFill>
-                <a:latin typeface="Consolas" panose="020B0609020204030204" pitchFamily="49" charset="0"/>
-              </a:rPr>
-              <a:t>pReadIndex</a:t>
-            </a:r>
-            <a:r>
-              <a:rPr lang="en-US" dirty="0">
-                <a:solidFill>
-                  <a:srgbClr val="000000"/>
-                </a:solidFill>
-                <a:latin typeface="Consolas" panose="020B0609020204030204" pitchFamily="49" charset="0"/>
-              </a:rPr>
-              <a:t>_ = </a:t>
-            </a:r>
-            <a:r>
-              <a:rPr lang="en-US" dirty="0" err="1">
-                <a:solidFill>
-                  <a:srgbClr val="000000"/>
-                </a:solidFill>
-                <a:latin typeface="Consolas" panose="020B0609020204030204" pitchFamily="49" charset="0"/>
-              </a:rPr>
-              <a:t>readIndex</a:t>
-            </a:r>
-            <a:r>
-              <a:rPr lang="en-US" dirty="0">
-                <a:solidFill>
-                  <a:srgbClr val="000000"/>
-                </a:solidFill>
-                <a:latin typeface="Consolas" panose="020B0609020204030204" pitchFamily="49" charset="0"/>
-              </a:rPr>
-              <a:t>_.load(</a:t>
-            </a:r>
-            <a:r>
-              <a:rPr lang="en-US" dirty="0">
-                <a:solidFill>
-                  <a:srgbClr val="6F008A"/>
-                </a:solidFill>
-                <a:latin typeface="Consolas" panose="020B0609020204030204" pitchFamily="49" charset="0"/>
-              </a:rPr>
-              <a:t>...</a:t>
-            </a:r>
-            <a:r>
-              <a:rPr lang="en-US" dirty="0">
-                <a:solidFill>
-                  <a:srgbClr val="000000"/>
-                </a:solidFill>
-                <a:latin typeface="Consolas" panose="020B0609020204030204" pitchFamily="49" charset="0"/>
-              </a:rPr>
-              <a:t>);</a:t>
-            </a:r>
-          </a:p>
-          <a:p>
-            <a:pPr marL="0" indent="0">
-              <a:buNone/>
-            </a:pPr>
-            <a:r>
-              <a:rPr lang="en-US" dirty="0">
-                <a:solidFill>
-                  <a:srgbClr val="008000"/>
-                </a:solidFill>
-                <a:latin typeface="Consolas" panose="020B0609020204030204" pitchFamily="49" charset="0"/>
-              </a:rPr>
-              <a:t>      // current available to write</a:t>
-            </a:r>
-            <a:endParaRPr lang="en-US" dirty="0">
-              <a:solidFill>
-                <a:srgbClr val="000000"/>
-              </a:solidFill>
-              <a:latin typeface="Consolas" panose="020B0609020204030204" pitchFamily="49" charset="0"/>
-            </a:endParaRPr>
-          </a:p>
-          <a:p>
-            <a:pPr marL="0" indent="0">
-              <a:buNone/>
-            </a:pPr>
-            <a:r>
-              <a:rPr lang="en-US" dirty="0">
-                <a:solidFill>
-                  <a:srgbClr val="0000FF"/>
-                </a:solidFill>
-                <a:latin typeface="Consolas" panose="020B0609020204030204" pitchFamily="49" charset="0"/>
-              </a:rPr>
-              <a:t>      if</a:t>
-            </a:r>
-            <a:r>
-              <a:rPr lang="en-US" dirty="0">
-                <a:solidFill>
-                  <a:srgbClr val="000000"/>
-                </a:solidFill>
-                <a:latin typeface="Consolas" panose="020B0609020204030204" pitchFamily="49" charset="0"/>
-              </a:rPr>
-              <a:t> (Size() - </a:t>
-            </a:r>
-            <a:r>
-              <a:rPr lang="en-US" dirty="0" err="1">
-                <a:solidFill>
-                  <a:srgbClr val="2B91AF"/>
-                </a:solidFill>
-                <a:latin typeface="Consolas" panose="020B0609020204030204" pitchFamily="49" charset="0"/>
-              </a:rPr>
-              <a:t>RingMod</a:t>
-            </a:r>
-            <a:r>
-              <a:rPr lang="en-US" dirty="0">
-                <a:solidFill>
-                  <a:srgbClr val="000000"/>
-                </a:solidFill>
-                <a:latin typeface="Consolas" panose="020B0609020204030204" pitchFamily="49" charset="0"/>
-              </a:rPr>
-              <a:t>::Mod2N(2 * N + w - </a:t>
-            </a:r>
-            <a:r>
-              <a:rPr lang="en-US" dirty="0" err="1">
-                <a:solidFill>
-                  <a:srgbClr val="000000"/>
-                </a:solidFill>
-                <a:latin typeface="Consolas" panose="020B0609020204030204" pitchFamily="49" charset="0"/>
-              </a:rPr>
-              <a:t>pReadIndex</a:t>
-            </a:r>
-            <a:r>
-              <a:rPr lang="en-US" dirty="0">
-                <a:solidFill>
-                  <a:srgbClr val="000000"/>
-                </a:solidFill>
-                <a:latin typeface="Consolas" panose="020B0609020204030204" pitchFamily="49" charset="0"/>
-              </a:rPr>
-              <a:t>_) &lt; </a:t>
-            </a:r>
-            <a:r>
-              <a:rPr lang="en-US" dirty="0">
-                <a:solidFill>
-                  <a:srgbClr val="808080"/>
-                </a:solidFill>
-                <a:latin typeface="Consolas" panose="020B0609020204030204" pitchFamily="49" charset="0"/>
-              </a:rPr>
-              <a:t>n</a:t>
-            </a:r>
-            <a:r>
-              <a:rPr lang="en-US" dirty="0">
-                <a:solidFill>
-                  <a:srgbClr val="000000"/>
-                </a:solidFill>
-                <a:latin typeface="Consolas" panose="020B0609020204030204" pitchFamily="49" charset="0"/>
-              </a:rPr>
-              <a:t>)</a:t>
-            </a:r>
-          </a:p>
-          <a:p>
-            <a:pPr marL="0" indent="0">
-              <a:buNone/>
-            </a:pPr>
-            <a:r>
-              <a:rPr lang="en-US" dirty="0">
-                <a:solidFill>
-                  <a:srgbClr val="0000FF"/>
-                </a:solidFill>
-                <a:latin typeface="Consolas" panose="020B0609020204030204" pitchFamily="49" charset="0"/>
-              </a:rPr>
-              <a:t>         return</a:t>
-            </a:r>
-            <a:r>
-              <a:rPr lang="en-US" dirty="0">
-                <a:solidFill>
-                  <a:srgbClr val="000000"/>
-                </a:solidFill>
-                <a:latin typeface="Consolas" panose="020B0609020204030204" pitchFamily="49" charset="0"/>
-              </a:rPr>
-              <a:t> </a:t>
-            </a:r>
-            <a:r>
-              <a:rPr lang="en-US" dirty="0">
-                <a:solidFill>
-                  <a:srgbClr val="0000FF"/>
-                </a:solidFill>
-                <a:latin typeface="Consolas" panose="020B0609020204030204" pitchFamily="49" charset="0"/>
-              </a:rPr>
-              <a:t>false</a:t>
-            </a:r>
-            <a:r>
-              <a:rPr lang="en-US" dirty="0">
-                <a:solidFill>
-                  <a:srgbClr val="000000"/>
-                </a:solidFill>
-                <a:latin typeface="Consolas" panose="020B0609020204030204" pitchFamily="49" charset="0"/>
-              </a:rPr>
-              <a:t>; </a:t>
-            </a:r>
-            <a:r>
-              <a:rPr lang="en-US" dirty="0">
-                <a:solidFill>
-                  <a:srgbClr val="008000"/>
-                </a:solidFill>
-                <a:latin typeface="Consolas" panose="020B0609020204030204" pitchFamily="49" charset="0"/>
-              </a:rPr>
-              <a:t>// does not fit</a:t>
-            </a:r>
-            <a:endParaRPr lang="en-US" dirty="0">
-              <a:solidFill>
-                <a:srgbClr val="000000"/>
-              </a:solidFill>
-              <a:latin typeface="Consolas" panose="020B0609020204030204" pitchFamily="49" charset="0"/>
-            </a:endParaRPr>
-          </a:p>
-          <a:p>
-            <a:pPr marL="0" indent="0">
-              <a:buNone/>
-            </a:pPr>
-            <a:r>
-              <a:rPr lang="en-US" dirty="0">
-                <a:solidFill>
-                  <a:srgbClr val="000000"/>
-                </a:solidFill>
-                <a:latin typeface="Consolas" panose="020B0609020204030204" pitchFamily="49" charset="0"/>
-              </a:rPr>
-              <a:t>   }</a:t>
-            </a:r>
-          </a:p>
-          <a:p>
-            <a:pPr marL="0" indent="0">
-              <a:buNone/>
-            </a:pPr>
-            <a:r>
-              <a:rPr lang="en-US" dirty="0">
-                <a:solidFill>
-                  <a:srgbClr val="000000"/>
-                </a:solidFill>
-                <a:latin typeface="Consolas" panose="020B0609020204030204" pitchFamily="49" charset="0"/>
-              </a:rPr>
-              <a:t>...</a:t>
-            </a:r>
+            <a:endParaRPr lang="en-US" dirty="0"/>
+          </a:p>
+          <a:p>
+            <a:endParaRPr lang="en-US" dirty="0"/>
           </a:p>
         </p:txBody>
       </p:sp>
@@ -27917,7 +28492,7 @@
           <p:nvPr/>
         </p:nvPicPr>
         <p:blipFill>
-          <a:blip r:embed="rId2"/>
+          <a:blip r:embed="rId3"/>
           <a:stretch>
             <a:fillRect/>
           </a:stretch>
@@ -27935,7 +28510,7 @@
     </p:spTree>
     <p:extLst>
       <p:ext uri="{BB962C8B-B14F-4D97-AF65-F5344CB8AC3E}">
-        <p14:creationId xmlns:p14="http://schemas.microsoft.com/office/powerpoint/2010/main" val="3236024605"/>
+        <p14:creationId xmlns:p14="http://schemas.microsoft.com/office/powerpoint/2010/main" val="2168506085"/>
       </p:ext>
     </p:extLst>
   </p:cSld>
@@ -28142,6 +28717,679 @@
 </file>
 
 <file path=ppt/slides/slide30.xml><?xml version="1.0" encoding="utf-8"?>
+<p:sld xmlns:a="http://schemas.openxmlformats.org/drawingml/2006/main" xmlns:r="http://schemas.openxmlformats.org/officeDocument/2006/relationships" xmlns:p="http://schemas.openxmlformats.org/presentationml/2006/main">
+  <p:cSld>
+    <p:spTree>
+      <p:nvGrpSpPr>
+        <p:cNvPr id="1" name=""/>
+        <p:cNvGrpSpPr/>
+        <p:nvPr/>
+      </p:nvGrpSpPr>
+      <p:grpSpPr>
+        <a:xfrm>
+          <a:off x="0" y="0"/>
+          <a:ext cx="0" cy="0"/>
+          <a:chOff x="0" y="0"/>
+          <a:chExt cx="0" cy="0"/>
+        </a:xfrm>
+      </p:grpSpPr>
+      <p:sp>
+        <p:nvSpPr>
+          <p:cNvPr id="2" name="Title 1">
+            <a:extLst>
+              <a:ext uri="{FF2B5EF4-FFF2-40B4-BE49-F238E27FC236}">
+                <a16:creationId xmlns:a16="http://schemas.microsoft.com/office/drawing/2014/main" id="{C31C4400-181D-43B7-8888-05CA9E6A1531}"/>
+              </a:ext>
+            </a:extLst>
+          </p:cNvPr>
+          <p:cNvSpPr>
+            <a:spLocks noGrp="1"/>
+          </p:cNvSpPr>
+          <p:nvPr>
+            <p:ph type="title"/>
+          </p:nvPr>
+        </p:nvSpPr>
+        <p:spPr/>
+        <p:txBody>
+          <a:bodyPr/>
+          <a:lstStyle/>
+          <a:p>
+            <a:r>
+              <a:rPr lang="en-US" dirty="0"/>
+              <a:t>Predictive Ring Buffer (final buffer)</a:t>
+            </a:r>
+          </a:p>
+        </p:txBody>
+      </p:sp>
+      <p:sp>
+        <p:nvSpPr>
+          <p:cNvPr id="3" name="Content Placeholder 2">
+            <a:extLst>
+              <a:ext uri="{FF2B5EF4-FFF2-40B4-BE49-F238E27FC236}">
+                <a16:creationId xmlns:a16="http://schemas.microsoft.com/office/drawing/2014/main" id="{96A8DF8F-AE57-4A23-9A3C-DC7CA2FC2577}"/>
+              </a:ext>
+            </a:extLst>
+          </p:cNvPr>
+          <p:cNvSpPr>
+            <a:spLocks noGrp="1"/>
+          </p:cNvSpPr>
+          <p:nvPr>
+            <p:ph idx="1"/>
+          </p:nvPr>
+        </p:nvSpPr>
+        <p:spPr/>
+        <p:txBody>
+          <a:bodyPr>
+            <a:normAutofit fontScale="77500" lnSpcReduction="20000"/>
+          </a:bodyPr>
+          <a:lstStyle/>
+          <a:p>
+            <a:pPr marL="0" indent="0">
+              <a:buNone/>
+            </a:pPr>
+            <a:r>
+              <a:rPr lang="en-US" dirty="0">
+                <a:solidFill>
+                  <a:srgbClr val="0000FF"/>
+                </a:solidFill>
+                <a:latin typeface="Consolas" panose="020B0609020204030204" pitchFamily="49" charset="0"/>
+              </a:rPr>
+              <a:t>bool</a:t>
+            </a:r>
+            <a:r>
+              <a:rPr lang="en-US" dirty="0">
+                <a:solidFill>
+                  <a:srgbClr val="000000"/>
+                </a:solidFill>
+                <a:latin typeface="Consolas" panose="020B0609020204030204" pitchFamily="49" charset="0"/>
+              </a:rPr>
+              <a:t> Put(</a:t>
+            </a:r>
+            <a:r>
+              <a:rPr lang="en-US" dirty="0">
+                <a:solidFill>
+                  <a:srgbClr val="0000FF"/>
+                </a:solidFill>
+                <a:latin typeface="Consolas" panose="020B0609020204030204" pitchFamily="49" charset="0"/>
+              </a:rPr>
+              <a:t>const</a:t>
+            </a:r>
+            <a:r>
+              <a:rPr lang="en-US" dirty="0">
+                <a:solidFill>
+                  <a:srgbClr val="000000"/>
+                </a:solidFill>
+                <a:latin typeface="Consolas" panose="020B0609020204030204" pitchFamily="49" charset="0"/>
+              </a:rPr>
+              <a:t> </a:t>
+            </a:r>
+            <a:r>
+              <a:rPr lang="en-US" dirty="0" err="1">
+                <a:solidFill>
+                  <a:srgbClr val="2B91AF"/>
+                </a:solidFill>
+                <a:latin typeface="Consolas" panose="020B0609020204030204" pitchFamily="49" charset="0"/>
+              </a:rPr>
+              <a:t>DataType</a:t>
+            </a:r>
+            <a:r>
+              <a:rPr lang="en-US" dirty="0">
+                <a:solidFill>
+                  <a:srgbClr val="000000"/>
+                </a:solidFill>
+                <a:latin typeface="Consolas" panose="020B0609020204030204" pitchFamily="49" charset="0"/>
+              </a:rPr>
+              <a:t> * </a:t>
+            </a:r>
+            <a:r>
+              <a:rPr lang="en-US" dirty="0">
+                <a:solidFill>
+                  <a:srgbClr val="808080"/>
+                </a:solidFill>
+                <a:latin typeface="Consolas" panose="020B0609020204030204" pitchFamily="49" charset="0"/>
+              </a:rPr>
+              <a:t>data</a:t>
+            </a:r>
+            <a:r>
+              <a:rPr lang="en-US" dirty="0">
+                <a:solidFill>
+                  <a:srgbClr val="000000"/>
+                </a:solidFill>
+                <a:latin typeface="Consolas" panose="020B0609020204030204" pitchFamily="49" charset="0"/>
+              </a:rPr>
+              <a:t>, </a:t>
+            </a:r>
+            <a:r>
+              <a:rPr lang="en-US" dirty="0" err="1">
+                <a:solidFill>
+                  <a:srgbClr val="2B91AF"/>
+                </a:solidFill>
+                <a:latin typeface="Consolas" panose="020B0609020204030204" pitchFamily="49" charset="0"/>
+              </a:rPr>
+              <a:t>size_t</a:t>
+            </a:r>
+            <a:r>
+              <a:rPr lang="en-US" dirty="0">
+                <a:solidFill>
+                  <a:srgbClr val="000000"/>
+                </a:solidFill>
+                <a:latin typeface="Consolas" panose="020B0609020204030204" pitchFamily="49" charset="0"/>
+              </a:rPr>
+              <a:t> </a:t>
+            </a:r>
+            <a:r>
+              <a:rPr lang="en-US" dirty="0">
+                <a:solidFill>
+                  <a:srgbClr val="808080"/>
+                </a:solidFill>
+                <a:latin typeface="Consolas" panose="020B0609020204030204" pitchFamily="49" charset="0"/>
+              </a:rPr>
+              <a:t>n</a:t>
+            </a:r>
+            <a:r>
+              <a:rPr lang="en-US" dirty="0">
+                <a:solidFill>
+                  <a:srgbClr val="000000"/>
+                </a:solidFill>
+                <a:latin typeface="Consolas" panose="020B0609020204030204" pitchFamily="49" charset="0"/>
+              </a:rPr>
+              <a:t>)</a:t>
+            </a:r>
+          </a:p>
+          <a:p>
+            <a:pPr marL="0" indent="0">
+              <a:buNone/>
+            </a:pPr>
+            <a:r>
+              <a:rPr lang="en-US" dirty="0">
+                <a:solidFill>
+                  <a:srgbClr val="000000"/>
+                </a:solidFill>
+                <a:latin typeface="Consolas" panose="020B0609020204030204" pitchFamily="49" charset="0"/>
+              </a:rPr>
+              <a:t>{ </a:t>
+            </a:r>
+          </a:p>
+          <a:p>
+            <a:pPr marL="0" indent="0">
+              <a:buNone/>
+            </a:pPr>
+            <a:r>
+              <a:rPr lang="en-US" dirty="0">
+                <a:solidFill>
+                  <a:srgbClr val="0000FF"/>
+                </a:solidFill>
+                <a:latin typeface="Consolas" panose="020B0609020204030204" pitchFamily="49" charset="0"/>
+              </a:rPr>
+              <a:t>   auto</a:t>
+            </a:r>
+            <a:r>
+              <a:rPr lang="en-US" dirty="0">
+                <a:solidFill>
+                  <a:srgbClr val="000000"/>
+                </a:solidFill>
+                <a:latin typeface="Consolas" panose="020B0609020204030204" pitchFamily="49" charset="0"/>
+              </a:rPr>
+              <a:t> w = </a:t>
+            </a:r>
+            <a:r>
+              <a:rPr lang="en-US" dirty="0" err="1">
+                <a:solidFill>
+                  <a:srgbClr val="000000"/>
+                </a:solidFill>
+                <a:latin typeface="Consolas" panose="020B0609020204030204" pitchFamily="49" charset="0"/>
+              </a:rPr>
+              <a:t>writeIndex</a:t>
+            </a:r>
+            <a:r>
+              <a:rPr lang="en-US" dirty="0">
+                <a:solidFill>
+                  <a:srgbClr val="000000"/>
+                </a:solidFill>
+                <a:latin typeface="Consolas" panose="020B0609020204030204" pitchFamily="49" charset="0"/>
+              </a:rPr>
+              <a:t>_.load(</a:t>
+            </a:r>
+            <a:r>
+              <a:rPr lang="en-US" dirty="0">
+                <a:solidFill>
+                  <a:srgbClr val="6F008A"/>
+                </a:solidFill>
+                <a:latin typeface="Consolas" panose="020B0609020204030204" pitchFamily="49" charset="0"/>
+              </a:rPr>
+              <a:t>...</a:t>
+            </a:r>
+            <a:r>
+              <a:rPr lang="en-US" dirty="0">
+                <a:solidFill>
+                  <a:srgbClr val="000000"/>
+                </a:solidFill>
+                <a:latin typeface="Consolas" panose="020B0609020204030204" pitchFamily="49" charset="0"/>
+              </a:rPr>
+              <a:t>);</a:t>
+            </a:r>
+          </a:p>
+          <a:p>
+            <a:pPr marL="0" indent="0">
+              <a:buNone/>
+            </a:pPr>
+            <a:r>
+              <a:rPr lang="en-US" dirty="0">
+                <a:solidFill>
+                  <a:srgbClr val="008000"/>
+                </a:solidFill>
+                <a:latin typeface="Consolas" panose="020B0609020204030204" pitchFamily="49" charset="0"/>
+              </a:rPr>
+              <a:t>   // predicted available to write</a:t>
+            </a:r>
+            <a:endParaRPr lang="en-US" dirty="0">
+              <a:solidFill>
+                <a:srgbClr val="000000"/>
+              </a:solidFill>
+              <a:latin typeface="Consolas" panose="020B0609020204030204" pitchFamily="49" charset="0"/>
+            </a:endParaRPr>
+          </a:p>
+          <a:p>
+            <a:pPr marL="0" indent="0">
+              <a:buNone/>
+            </a:pPr>
+            <a:r>
+              <a:rPr lang="en-US" dirty="0">
+                <a:solidFill>
+                  <a:srgbClr val="0000FF"/>
+                </a:solidFill>
+                <a:latin typeface="Consolas" panose="020B0609020204030204" pitchFamily="49" charset="0"/>
+              </a:rPr>
+              <a:t>   if</a:t>
+            </a:r>
+            <a:r>
+              <a:rPr lang="en-US" dirty="0">
+                <a:solidFill>
+                  <a:srgbClr val="000000"/>
+                </a:solidFill>
+                <a:latin typeface="Consolas" panose="020B0609020204030204" pitchFamily="49" charset="0"/>
+              </a:rPr>
+              <a:t> ( Size() - </a:t>
+            </a:r>
+            <a:r>
+              <a:rPr lang="en-US" dirty="0" err="1">
+                <a:solidFill>
+                  <a:srgbClr val="2B91AF"/>
+                </a:solidFill>
+                <a:latin typeface="Consolas" panose="020B0609020204030204" pitchFamily="49" charset="0"/>
+              </a:rPr>
+              <a:t>RingMod</a:t>
+            </a:r>
+            <a:r>
+              <a:rPr lang="en-US" dirty="0">
+                <a:solidFill>
+                  <a:srgbClr val="000000"/>
+                </a:solidFill>
+                <a:latin typeface="Consolas" panose="020B0609020204030204" pitchFamily="49" charset="0"/>
+              </a:rPr>
+              <a:t>::Mod2N(2 * N + w - </a:t>
+            </a:r>
+            <a:r>
+              <a:rPr lang="en-US" dirty="0" err="1">
+                <a:solidFill>
+                  <a:srgbClr val="000000"/>
+                </a:solidFill>
+                <a:latin typeface="Consolas" panose="020B0609020204030204" pitchFamily="49" charset="0"/>
+              </a:rPr>
+              <a:t>pReadIndex</a:t>
+            </a:r>
+            <a:r>
+              <a:rPr lang="en-US" dirty="0">
+                <a:solidFill>
+                  <a:srgbClr val="000000"/>
+                </a:solidFill>
+                <a:latin typeface="Consolas" panose="020B0609020204030204" pitchFamily="49" charset="0"/>
+              </a:rPr>
+              <a:t>_) &lt; </a:t>
+            </a:r>
+            <a:r>
+              <a:rPr lang="en-US" dirty="0">
+                <a:solidFill>
+                  <a:srgbClr val="808080"/>
+                </a:solidFill>
+                <a:latin typeface="Consolas" panose="020B0609020204030204" pitchFamily="49" charset="0"/>
+              </a:rPr>
+              <a:t>n</a:t>
+            </a:r>
+            <a:r>
+              <a:rPr lang="en-US" dirty="0">
+                <a:solidFill>
+                  <a:srgbClr val="000000"/>
+                </a:solidFill>
+                <a:latin typeface="Consolas" panose="020B0609020204030204" pitchFamily="49" charset="0"/>
+              </a:rPr>
+              <a:t>)</a:t>
+            </a:r>
+          </a:p>
+          <a:p>
+            <a:pPr marL="0" indent="0">
+              <a:buNone/>
+            </a:pPr>
+            <a:r>
+              <a:rPr lang="en-US" dirty="0">
+                <a:solidFill>
+                  <a:srgbClr val="000000"/>
+                </a:solidFill>
+                <a:latin typeface="Consolas" panose="020B0609020204030204" pitchFamily="49" charset="0"/>
+              </a:rPr>
+              <a:t>   { </a:t>
+            </a:r>
+            <a:r>
+              <a:rPr lang="en-US" dirty="0">
+                <a:solidFill>
+                  <a:srgbClr val="008000"/>
+                </a:solidFill>
+                <a:latin typeface="Consolas" panose="020B0609020204030204" pitchFamily="49" charset="0"/>
+              </a:rPr>
+              <a:t>// may not fit, check more exactly, costing an atomic read</a:t>
+            </a:r>
+            <a:endParaRPr lang="en-US" dirty="0">
+              <a:solidFill>
+                <a:srgbClr val="000000"/>
+              </a:solidFill>
+              <a:latin typeface="Consolas" panose="020B0609020204030204" pitchFamily="49" charset="0"/>
+            </a:endParaRPr>
+          </a:p>
+          <a:p>
+            <a:pPr marL="0" indent="0">
+              <a:buNone/>
+            </a:pPr>
+            <a:r>
+              <a:rPr lang="en-US" dirty="0">
+                <a:solidFill>
+                  <a:srgbClr val="000000"/>
+                </a:solidFill>
+                <a:latin typeface="Consolas" panose="020B0609020204030204" pitchFamily="49" charset="0"/>
+              </a:rPr>
+              <a:t>      </a:t>
+            </a:r>
+            <a:r>
+              <a:rPr lang="en-US" dirty="0" err="1">
+                <a:solidFill>
+                  <a:srgbClr val="000000"/>
+                </a:solidFill>
+                <a:latin typeface="Consolas" panose="020B0609020204030204" pitchFamily="49" charset="0"/>
+              </a:rPr>
+              <a:t>pReadIndex</a:t>
+            </a:r>
+            <a:r>
+              <a:rPr lang="en-US" dirty="0">
+                <a:solidFill>
+                  <a:srgbClr val="000000"/>
+                </a:solidFill>
+                <a:latin typeface="Consolas" panose="020B0609020204030204" pitchFamily="49" charset="0"/>
+              </a:rPr>
+              <a:t>_ = </a:t>
+            </a:r>
+            <a:r>
+              <a:rPr lang="en-US" dirty="0" err="1">
+                <a:solidFill>
+                  <a:srgbClr val="000000"/>
+                </a:solidFill>
+                <a:latin typeface="Consolas" panose="020B0609020204030204" pitchFamily="49" charset="0"/>
+              </a:rPr>
+              <a:t>readIndex</a:t>
+            </a:r>
+            <a:r>
+              <a:rPr lang="en-US" dirty="0">
+                <a:solidFill>
+                  <a:srgbClr val="000000"/>
+                </a:solidFill>
+                <a:latin typeface="Consolas" panose="020B0609020204030204" pitchFamily="49" charset="0"/>
+              </a:rPr>
+              <a:t>_.load(</a:t>
+            </a:r>
+            <a:r>
+              <a:rPr lang="en-US" dirty="0">
+                <a:solidFill>
+                  <a:srgbClr val="6F008A"/>
+                </a:solidFill>
+                <a:latin typeface="Consolas" panose="020B0609020204030204" pitchFamily="49" charset="0"/>
+              </a:rPr>
+              <a:t>...</a:t>
+            </a:r>
+            <a:r>
+              <a:rPr lang="en-US" dirty="0">
+                <a:solidFill>
+                  <a:srgbClr val="000000"/>
+                </a:solidFill>
+                <a:latin typeface="Consolas" panose="020B0609020204030204" pitchFamily="49" charset="0"/>
+              </a:rPr>
+              <a:t>);</a:t>
+            </a:r>
+          </a:p>
+          <a:p>
+            <a:pPr marL="0" indent="0">
+              <a:buNone/>
+            </a:pPr>
+            <a:r>
+              <a:rPr lang="en-US" dirty="0">
+                <a:solidFill>
+                  <a:srgbClr val="008000"/>
+                </a:solidFill>
+                <a:latin typeface="Consolas" panose="020B0609020204030204" pitchFamily="49" charset="0"/>
+              </a:rPr>
+              <a:t>      // current available to write</a:t>
+            </a:r>
+            <a:endParaRPr lang="en-US" dirty="0">
+              <a:solidFill>
+                <a:srgbClr val="000000"/>
+              </a:solidFill>
+              <a:latin typeface="Consolas" panose="020B0609020204030204" pitchFamily="49" charset="0"/>
+            </a:endParaRPr>
+          </a:p>
+          <a:p>
+            <a:pPr marL="0" indent="0">
+              <a:buNone/>
+            </a:pPr>
+            <a:r>
+              <a:rPr lang="en-US" dirty="0">
+                <a:solidFill>
+                  <a:srgbClr val="0000FF"/>
+                </a:solidFill>
+                <a:latin typeface="Consolas" panose="020B0609020204030204" pitchFamily="49" charset="0"/>
+              </a:rPr>
+              <a:t>      if</a:t>
+            </a:r>
+            <a:r>
+              <a:rPr lang="en-US" dirty="0">
+                <a:solidFill>
+                  <a:srgbClr val="000000"/>
+                </a:solidFill>
+                <a:latin typeface="Consolas" panose="020B0609020204030204" pitchFamily="49" charset="0"/>
+              </a:rPr>
+              <a:t> (Size() - </a:t>
+            </a:r>
+            <a:r>
+              <a:rPr lang="en-US" dirty="0" err="1">
+                <a:solidFill>
+                  <a:srgbClr val="2B91AF"/>
+                </a:solidFill>
+                <a:latin typeface="Consolas" panose="020B0609020204030204" pitchFamily="49" charset="0"/>
+              </a:rPr>
+              <a:t>RingMod</a:t>
+            </a:r>
+            <a:r>
+              <a:rPr lang="en-US" dirty="0">
+                <a:solidFill>
+                  <a:srgbClr val="000000"/>
+                </a:solidFill>
+                <a:latin typeface="Consolas" panose="020B0609020204030204" pitchFamily="49" charset="0"/>
+              </a:rPr>
+              <a:t>::Mod2N(2 * N + w - </a:t>
+            </a:r>
+            <a:r>
+              <a:rPr lang="en-US" dirty="0" err="1">
+                <a:solidFill>
+                  <a:srgbClr val="000000"/>
+                </a:solidFill>
+                <a:latin typeface="Consolas" panose="020B0609020204030204" pitchFamily="49" charset="0"/>
+              </a:rPr>
+              <a:t>pReadIndex</a:t>
+            </a:r>
+            <a:r>
+              <a:rPr lang="en-US" dirty="0">
+                <a:solidFill>
+                  <a:srgbClr val="000000"/>
+                </a:solidFill>
+                <a:latin typeface="Consolas" panose="020B0609020204030204" pitchFamily="49" charset="0"/>
+              </a:rPr>
+              <a:t>_) &lt; </a:t>
+            </a:r>
+            <a:r>
+              <a:rPr lang="en-US" dirty="0">
+                <a:solidFill>
+                  <a:srgbClr val="808080"/>
+                </a:solidFill>
+                <a:latin typeface="Consolas" panose="020B0609020204030204" pitchFamily="49" charset="0"/>
+              </a:rPr>
+              <a:t>n</a:t>
+            </a:r>
+            <a:r>
+              <a:rPr lang="en-US" dirty="0">
+                <a:solidFill>
+                  <a:srgbClr val="000000"/>
+                </a:solidFill>
+                <a:latin typeface="Consolas" panose="020B0609020204030204" pitchFamily="49" charset="0"/>
+              </a:rPr>
+              <a:t>)</a:t>
+            </a:r>
+          </a:p>
+          <a:p>
+            <a:pPr marL="0" indent="0">
+              <a:buNone/>
+            </a:pPr>
+            <a:r>
+              <a:rPr lang="en-US" dirty="0">
+                <a:solidFill>
+                  <a:srgbClr val="0000FF"/>
+                </a:solidFill>
+                <a:latin typeface="Consolas" panose="020B0609020204030204" pitchFamily="49" charset="0"/>
+              </a:rPr>
+              <a:t>         return</a:t>
+            </a:r>
+            <a:r>
+              <a:rPr lang="en-US" dirty="0">
+                <a:solidFill>
+                  <a:srgbClr val="000000"/>
+                </a:solidFill>
+                <a:latin typeface="Consolas" panose="020B0609020204030204" pitchFamily="49" charset="0"/>
+              </a:rPr>
+              <a:t> </a:t>
+            </a:r>
+            <a:r>
+              <a:rPr lang="en-US" dirty="0">
+                <a:solidFill>
+                  <a:srgbClr val="0000FF"/>
+                </a:solidFill>
+                <a:latin typeface="Consolas" panose="020B0609020204030204" pitchFamily="49" charset="0"/>
+              </a:rPr>
+              <a:t>false</a:t>
+            </a:r>
+            <a:r>
+              <a:rPr lang="en-US" dirty="0">
+                <a:solidFill>
+                  <a:srgbClr val="000000"/>
+                </a:solidFill>
+                <a:latin typeface="Consolas" panose="020B0609020204030204" pitchFamily="49" charset="0"/>
+              </a:rPr>
+              <a:t>; </a:t>
+            </a:r>
+            <a:r>
+              <a:rPr lang="en-US" dirty="0">
+                <a:solidFill>
+                  <a:srgbClr val="008000"/>
+                </a:solidFill>
+                <a:latin typeface="Consolas" panose="020B0609020204030204" pitchFamily="49" charset="0"/>
+              </a:rPr>
+              <a:t>// does not fit</a:t>
+            </a:r>
+            <a:endParaRPr lang="en-US" dirty="0">
+              <a:solidFill>
+                <a:srgbClr val="000000"/>
+              </a:solidFill>
+              <a:latin typeface="Consolas" panose="020B0609020204030204" pitchFamily="49" charset="0"/>
+            </a:endParaRPr>
+          </a:p>
+          <a:p>
+            <a:pPr marL="0" indent="0">
+              <a:buNone/>
+            </a:pPr>
+            <a:r>
+              <a:rPr lang="en-US" dirty="0">
+                <a:solidFill>
+                  <a:srgbClr val="000000"/>
+                </a:solidFill>
+                <a:latin typeface="Consolas" panose="020B0609020204030204" pitchFamily="49" charset="0"/>
+              </a:rPr>
+              <a:t>   }</a:t>
+            </a:r>
+          </a:p>
+          <a:p>
+            <a:pPr marL="0" indent="0">
+              <a:buNone/>
+            </a:pPr>
+            <a:r>
+              <a:rPr lang="en-US" dirty="0">
+                <a:solidFill>
+                  <a:srgbClr val="000000"/>
+                </a:solidFill>
+                <a:latin typeface="Consolas" panose="020B0609020204030204" pitchFamily="49" charset="0"/>
+              </a:rPr>
+              <a:t>...</a:t>
+            </a:r>
+          </a:p>
+        </p:txBody>
+      </p:sp>
+      <p:pic>
+        <p:nvPicPr>
+          <p:cNvPr id="5" name="Picture 4">
+            <a:extLst>
+              <a:ext uri="{FF2B5EF4-FFF2-40B4-BE49-F238E27FC236}">
+                <a16:creationId xmlns:a16="http://schemas.microsoft.com/office/drawing/2014/main" id="{7D48B3C0-059B-454F-B547-FE0885754F77}"/>
+              </a:ext>
+            </a:extLst>
+          </p:cNvPr>
+          <p:cNvPicPr>
+            <a:picLocks noChangeAspect="1"/>
+          </p:cNvPicPr>
+          <p:nvPr/>
+        </p:nvPicPr>
+        <p:blipFill>
+          <a:blip r:embed="rId2"/>
+          <a:stretch>
+            <a:fillRect/>
+          </a:stretch>
+        </p:blipFill>
+        <p:spPr>
+          <a:xfrm>
+            <a:off x="8909807" y="365125"/>
+            <a:ext cx="2332415" cy="2091484"/>
+          </a:xfrm>
+          <a:prstGeom prst="rect">
+            <a:avLst/>
+          </a:prstGeom>
+        </p:spPr>
+      </p:pic>
+    </p:spTree>
+    <p:extLst>
+      <p:ext uri="{BB962C8B-B14F-4D97-AF65-F5344CB8AC3E}">
+        <p14:creationId xmlns:p14="http://schemas.microsoft.com/office/powerpoint/2010/main" val="3236024605"/>
+      </p:ext>
+    </p:extLst>
+  </p:cSld>
+  <p:clrMapOvr>
+    <a:masterClrMapping/>
+  </p:clrMapOvr>
+</p:sld>
+</file>
+
+<file path=ppt/slides/slide31.xml><?xml version="1.0" encoding="utf-8"?>
 <p:sld xmlns:a="http://schemas.openxmlformats.org/drawingml/2006/main" xmlns:r="http://schemas.openxmlformats.org/officeDocument/2006/relationships" xmlns:p="http://schemas.openxmlformats.org/presentationml/2006/main">
   <p:cSld>
     <p:spTree>
@@ -28253,7 +29501,7 @@
       </p:sp>
       <p:graphicFrame>
         <p:nvGraphicFramePr>
-          <p:cNvPr id="5" name="Chart 4">
+          <p:cNvPr id="8" name="Chart 7">
             <a:extLst>
               <a:ext uri="{FF2B5EF4-FFF2-40B4-BE49-F238E27FC236}">
                 <a16:creationId xmlns:a16="http://schemas.microsoft.com/office/drawing/2014/main" id="{E3C362EC-4F87-4A72-B35B-5B233592EA4C}"/>
@@ -28266,14 +29514,14 @@
           <p:nvPr>
             <p:extLst>
               <p:ext uri="{D42A27DB-BD31-4B8C-83A1-F6EECF244321}">
-                <p14:modId xmlns:p14="http://schemas.microsoft.com/office/powerpoint/2010/main" val="846023720"/>
+                <p14:modId xmlns:p14="http://schemas.microsoft.com/office/powerpoint/2010/main" val="266553038"/>
               </p:ext>
             </p:extLst>
           </p:nvPr>
         </p:nvGraphicFramePr>
         <p:xfrm>
-          <a:off x="632691" y="2629694"/>
-          <a:ext cx="4572000" cy="2743200"/>
+          <a:off x="838200" y="2954044"/>
+          <a:ext cx="5226728" cy="3136037"/>
         </p:xfrm>
         <a:graphic>
           <a:graphicData uri="http://schemas.openxmlformats.org/drawingml/2006/chart">
@@ -28283,7 +29531,7 @@
       </p:graphicFrame>
       <p:graphicFrame>
         <p:nvGraphicFramePr>
-          <p:cNvPr id="6" name="Chart 5">
+          <p:cNvPr id="9" name="Chart 8">
             <a:extLst>
               <a:ext uri="{FF2B5EF4-FFF2-40B4-BE49-F238E27FC236}">
                 <a16:creationId xmlns:a16="http://schemas.microsoft.com/office/drawing/2014/main" id="{8F41DE9D-A6F6-455F-A0E1-1BFB5D0B62FF}"/>
@@ -28296,14 +29544,14 @@
           <p:nvPr>
             <p:extLst>
               <p:ext uri="{D42A27DB-BD31-4B8C-83A1-F6EECF244321}">
-                <p14:modId xmlns:p14="http://schemas.microsoft.com/office/powerpoint/2010/main" val="1258766414"/>
+                <p14:modId xmlns:p14="http://schemas.microsoft.com/office/powerpoint/2010/main" val="1014523550"/>
               </p:ext>
             </p:extLst>
           </p:nvPr>
         </p:nvGraphicFramePr>
         <p:xfrm>
-          <a:off x="5830567" y="2816802"/>
-          <a:ext cx="4572000" cy="2743200"/>
+          <a:off x="6064927" y="2954044"/>
+          <a:ext cx="5226727" cy="3136036"/>
         </p:xfrm>
         <a:graphic>
           <a:graphicData uri="http://schemas.openxmlformats.org/drawingml/2006/chart">
@@ -28315,152 +29563,6 @@
     <p:extLst>
       <p:ext uri="{BB962C8B-B14F-4D97-AF65-F5344CB8AC3E}">
         <p14:creationId xmlns:p14="http://schemas.microsoft.com/office/powerpoint/2010/main" val="1258149329"/>
-      </p:ext>
-    </p:extLst>
-  </p:cSld>
-  <p:clrMapOvr>
-    <a:masterClrMapping/>
-  </p:clrMapOvr>
-</p:sld>
-</file>
-
-<file path=ppt/slides/slide31.xml><?xml version="1.0" encoding="utf-8"?>
-<p:sld xmlns:a="http://schemas.openxmlformats.org/drawingml/2006/main" xmlns:r="http://schemas.openxmlformats.org/officeDocument/2006/relationships" xmlns:p="http://schemas.openxmlformats.org/presentationml/2006/main">
-  <p:cSld>
-    <p:spTree>
-      <p:nvGrpSpPr>
-        <p:cNvPr id="1" name=""/>
-        <p:cNvGrpSpPr/>
-        <p:nvPr/>
-      </p:nvGrpSpPr>
-      <p:grpSpPr>
-        <a:xfrm>
-          <a:off x="0" y="0"/>
-          <a:ext cx="0" cy="0"/>
-          <a:chOff x="0" y="0"/>
-          <a:chExt cx="0" cy="0"/>
-        </a:xfrm>
-      </p:grpSpPr>
-      <p:sp>
-        <p:nvSpPr>
-          <p:cNvPr id="2" name="Title 1">
-            <a:extLst>
-              <a:ext uri="{FF2B5EF4-FFF2-40B4-BE49-F238E27FC236}">
-                <a16:creationId xmlns:a16="http://schemas.microsoft.com/office/drawing/2014/main" id="{C31C4400-181D-43B7-8888-05CA9E6A1531}"/>
-              </a:ext>
-            </a:extLst>
-          </p:cNvPr>
-          <p:cNvSpPr>
-            <a:spLocks noGrp="1"/>
-          </p:cNvSpPr>
-          <p:nvPr>
-            <p:ph type="title"/>
-          </p:nvPr>
-        </p:nvSpPr>
-        <p:spPr/>
-        <p:txBody>
-          <a:bodyPr/>
-          <a:lstStyle/>
-          <a:p>
-            <a:r>
-              <a:rPr lang="en-US" dirty="0"/>
-              <a:t>Performance 5		</a:t>
-            </a:r>
-          </a:p>
-        </p:txBody>
-      </p:sp>
-      <p:sp>
-        <p:nvSpPr>
-          <p:cNvPr id="3" name="Content Placeholder 2">
-            <a:extLst>
-              <a:ext uri="{FF2B5EF4-FFF2-40B4-BE49-F238E27FC236}">
-                <a16:creationId xmlns:a16="http://schemas.microsoft.com/office/drawing/2014/main" id="{96A8DF8F-AE57-4A23-9A3C-DC7CA2FC2577}"/>
-              </a:ext>
-            </a:extLst>
-          </p:cNvPr>
-          <p:cNvSpPr>
-            <a:spLocks noGrp="1"/>
-          </p:cNvSpPr>
-          <p:nvPr>
-            <p:ph idx="1"/>
-          </p:nvPr>
-        </p:nvSpPr>
-        <p:spPr/>
-        <p:txBody>
-          <a:bodyPr/>
-          <a:lstStyle/>
-          <a:p>
-            <a:r>
-              <a:rPr lang="en-US" dirty="0"/>
-              <a:t>Blocks vs predictive</a:t>
-            </a:r>
-          </a:p>
-        </p:txBody>
-      </p:sp>
-      <p:graphicFrame>
-        <p:nvGraphicFramePr>
-          <p:cNvPr id="5" name="Chart 4">
-            <a:extLst>
-              <a:ext uri="{FF2B5EF4-FFF2-40B4-BE49-F238E27FC236}">
-                <a16:creationId xmlns:a16="http://schemas.microsoft.com/office/drawing/2014/main" id="{9321F6D0-417A-43B3-AD04-248DA7349C79}"/>
-              </a:ext>
-            </a:extLst>
-          </p:cNvPr>
-          <p:cNvGraphicFramePr>
-            <a:graphicFrameLocks/>
-          </p:cNvGraphicFramePr>
-          <p:nvPr>
-            <p:extLst>
-              <p:ext uri="{D42A27DB-BD31-4B8C-83A1-F6EECF244321}">
-                <p14:modId xmlns:p14="http://schemas.microsoft.com/office/powerpoint/2010/main" val="997558729"/>
-              </p:ext>
-            </p:extLst>
-          </p:nvPr>
-        </p:nvGraphicFramePr>
-        <p:xfrm>
-          <a:off x="1524000" y="2536795"/>
-          <a:ext cx="4572000" cy="2743200"/>
-        </p:xfrm>
-        <a:graphic>
-          <a:graphicData uri="http://schemas.openxmlformats.org/drawingml/2006/chart">
-            <c:chart xmlns:c="http://schemas.openxmlformats.org/drawingml/2006/chart" xmlns:r="http://schemas.openxmlformats.org/officeDocument/2006/relationships" r:id="rId2"/>
-          </a:graphicData>
-        </a:graphic>
-      </p:graphicFrame>
-      <p:pic>
-        <p:nvPicPr>
-          <p:cNvPr id="6" name="Picture 5">
-            <a:extLst>
-              <a:ext uri="{FF2B5EF4-FFF2-40B4-BE49-F238E27FC236}">
-                <a16:creationId xmlns:a16="http://schemas.microsoft.com/office/drawing/2014/main" id="{6D29608F-A7B9-4095-9270-3DC77EE57FC6}"/>
-              </a:ext>
-            </a:extLst>
-          </p:cNvPr>
-          <p:cNvPicPr>
-            <a:picLocks noChangeAspect="1"/>
-          </p:cNvPicPr>
-          <p:nvPr/>
-        </p:nvPicPr>
-        <p:blipFill>
-          <a:blip r:embed="rId3"/>
-          <a:stretch>
-            <a:fillRect/>
-          </a:stretch>
-        </p:blipFill>
-        <p:spPr>
-          <a:xfrm>
-            <a:off x="8909807" y="365125"/>
-            <a:ext cx="2332415" cy="2091484"/>
-          </a:xfrm>
-          <a:prstGeom prst="rect">
-            <a:avLst/>
-          </a:prstGeom>
-        </p:spPr>
-      </p:pic>
-    </p:spTree>
-    <p:extLst>
-      <p:ext uri="{BB962C8B-B14F-4D97-AF65-F5344CB8AC3E}">
-        <p14:creationId xmlns:p14="http://schemas.microsoft.com/office/powerpoint/2010/main" val="546643458"/>
       </p:ext>
     </p:extLst>
   </p:cSld>
@@ -28510,6 +29612,166 @@
           <a:p>
             <a:r>
               <a:rPr lang="en-US" dirty="0"/>
+              <a:t>Performance 5		</a:t>
+            </a:r>
+          </a:p>
+        </p:txBody>
+      </p:sp>
+      <p:sp>
+        <p:nvSpPr>
+          <p:cNvPr id="3" name="Content Placeholder 2">
+            <a:extLst>
+              <a:ext uri="{FF2B5EF4-FFF2-40B4-BE49-F238E27FC236}">
+                <a16:creationId xmlns:a16="http://schemas.microsoft.com/office/drawing/2014/main" id="{96A8DF8F-AE57-4A23-9A3C-DC7CA2FC2577}"/>
+              </a:ext>
+            </a:extLst>
+          </p:cNvPr>
+          <p:cNvSpPr>
+            <a:spLocks noGrp="1"/>
+          </p:cNvSpPr>
+          <p:nvPr>
+            <p:ph idx="1"/>
+          </p:nvPr>
+        </p:nvSpPr>
+        <p:spPr/>
+        <p:txBody>
+          <a:bodyPr/>
+          <a:lstStyle/>
+          <a:p>
+            <a:r>
+              <a:rPr lang="en-US" dirty="0"/>
+              <a:t>Blocks vs predictive </a:t>
+            </a:r>
+          </a:p>
+          <a:p>
+            <a:pPr lvl="1"/>
+            <a:r>
+              <a:rPr lang="en-US" dirty="0"/>
+              <a:t>note: carefully rewriting inner loop lifted values from </a:t>
+            </a:r>
+            <a:br>
+              <a:rPr lang="en-US" dirty="0"/>
+            </a:br>
+            <a:r>
+              <a:rPr lang="en-US" dirty="0"/>
+              <a:t>1100 to 1500</a:t>
+            </a:r>
+          </a:p>
+        </p:txBody>
+      </p:sp>
+      <p:pic>
+        <p:nvPicPr>
+          <p:cNvPr id="6" name="Picture 5">
+            <a:extLst>
+              <a:ext uri="{FF2B5EF4-FFF2-40B4-BE49-F238E27FC236}">
+                <a16:creationId xmlns:a16="http://schemas.microsoft.com/office/drawing/2014/main" id="{6D29608F-A7B9-4095-9270-3DC77EE57FC6}"/>
+              </a:ext>
+            </a:extLst>
+          </p:cNvPr>
+          <p:cNvPicPr>
+            <a:picLocks noChangeAspect="1"/>
+          </p:cNvPicPr>
+          <p:nvPr/>
+        </p:nvPicPr>
+        <p:blipFill>
+          <a:blip r:embed="rId2"/>
+          <a:stretch>
+            <a:fillRect/>
+          </a:stretch>
+        </p:blipFill>
+        <p:spPr>
+          <a:xfrm>
+            <a:off x="8909807" y="365125"/>
+            <a:ext cx="2332415" cy="2091484"/>
+          </a:xfrm>
+          <a:prstGeom prst="rect">
+            <a:avLst/>
+          </a:prstGeom>
+        </p:spPr>
+      </p:pic>
+      <p:graphicFrame>
+        <p:nvGraphicFramePr>
+          <p:cNvPr id="7" name="Chart 6">
+            <a:extLst>
+              <a:ext uri="{FF2B5EF4-FFF2-40B4-BE49-F238E27FC236}">
+                <a16:creationId xmlns:a16="http://schemas.microsoft.com/office/drawing/2014/main" id="{9321F6D0-417A-43B3-AD04-248DA7349C79}"/>
+              </a:ext>
+            </a:extLst>
+          </p:cNvPr>
+          <p:cNvGraphicFramePr>
+            <a:graphicFrameLocks/>
+          </p:cNvGraphicFramePr>
+          <p:nvPr>
+            <p:extLst>
+              <p:ext uri="{D42A27DB-BD31-4B8C-83A1-F6EECF244321}">
+                <p14:modId xmlns:p14="http://schemas.microsoft.com/office/powerpoint/2010/main" val="401613549"/>
+              </p:ext>
+            </p:extLst>
+          </p:nvPr>
+        </p:nvGraphicFramePr>
+        <p:xfrm>
+          <a:off x="3144174" y="3021644"/>
+          <a:ext cx="5483760" cy="3290256"/>
+        </p:xfrm>
+        <a:graphic>
+          <a:graphicData uri="http://schemas.openxmlformats.org/drawingml/2006/chart">
+            <c:chart xmlns:c="http://schemas.openxmlformats.org/drawingml/2006/chart" xmlns:r="http://schemas.openxmlformats.org/officeDocument/2006/relationships" r:id="rId3"/>
+          </a:graphicData>
+        </a:graphic>
+      </p:graphicFrame>
+    </p:spTree>
+    <p:extLst>
+      <p:ext uri="{BB962C8B-B14F-4D97-AF65-F5344CB8AC3E}">
+        <p14:creationId xmlns:p14="http://schemas.microsoft.com/office/powerpoint/2010/main" val="546643458"/>
+      </p:ext>
+    </p:extLst>
+  </p:cSld>
+  <p:clrMapOvr>
+    <a:masterClrMapping/>
+  </p:clrMapOvr>
+</p:sld>
+</file>
+
+<file path=ppt/slides/slide33.xml><?xml version="1.0" encoding="utf-8"?>
+<p:sld xmlns:a="http://schemas.openxmlformats.org/drawingml/2006/main" xmlns:r="http://schemas.openxmlformats.org/officeDocument/2006/relationships" xmlns:p="http://schemas.openxmlformats.org/presentationml/2006/main">
+  <p:cSld>
+    <p:spTree>
+      <p:nvGrpSpPr>
+        <p:cNvPr id="1" name=""/>
+        <p:cNvGrpSpPr/>
+        <p:nvPr/>
+      </p:nvGrpSpPr>
+      <p:grpSpPr>
+        <a:xfrm>
+          <a:off x="0" y="0"/>
+          <a:ext cx="0" cy="0"/>
+          <a:chOff x="0" y="0"/>
+          <a:chExt cx="0" cy="0"/>
+        </a:xfrm>
+      </p:grpSpPr>
+      <p:sp>
+        <p:nvSpPr>
+          <p:cNvPr id="2" name="Title 1">
+            <a:extLst>
+              <a:ext uri="{FF2B5EF4-FFF2-40B4-BE49-F238E27FC236}">
+                <a16:creationId xmlns:a16="http://schemas.microsoft.com/office/drawing/2014/main" id="{C31C4400-181D-43B7-8888-05CA9E6A1531}"/>
+              </a:ext>
+            </a:extLst>
+          </p:cNvPr>
+          <p:cNvSpPr>
+            <a:spLocks noGrp="1"/>
+          </p:cNvSpPr>
+          <p:nvPr>
+            <p:ph type="title"/>
+          </p:nvPr>
+        </p:nvSpPr>
+        <p:spPr/>
+        <p:txBody>
+          <a:bodyPr/>
+          <a:lstStyle/>
+          <a:p>
+            <a:r>
+              <a:rPr lang="en-US" dirty="0"/>
               <a:t>Correctness?</a:t>
             </a:r>
           </a:p>
@@ -28564,7 +29826,7 @@
             </a:r>
             <a:r>
               <a:rPr lang="en-US" dirty="0"/>
-              <a:t> Race Detector is a nice header library to stress</a:t>
+              <a:t> Race Detector - header library to stress</a:t>
             </a:r>
           </a:p>
           <a:p>
@@ -28579,35 +29841,78 @@
             </a:r>
             <a:r>
               <a:rPr lang="en-US" dirty="0"/>
-              <a:t> and tries to crash programs</a:t>
+              <a:t> and tries to </a:t>
+            </a:r>
+            <a:br>
+              <a:rPr lang="en-US" dirty="0"/>
+            </a:br>
+            <a:r>
+              <a:rPr lang="en-US" dirty="0"/>
+              <a:t>crash programs</a:t>
             </a:r>
           </a:p>
           <a:p>
             <a:pPr lvl="1"/>
             <a:r>
               <a:rPr lang="en-US" dirty="0"/>
-              <a:t>Simply include “relacy.hpp”, replace std:: with </a:t>
-            </a:r>
-            <a:r>
-              <a:rPr lang="en-US" dirty="0" err="1"/>
+              <a:t>Simply include “relacy.hpp”, replace </a:t>
+            </a:r>
+            <a:r>
+              <a:rPr lang="en-US" b="1" dirty="0">
+                <a:latin typeface="Consolas" panose="020B0609020204030204" pitchFamily="49" charset="0"/>
+              </a:rPr>
+              <a:t>std::</a:t>
+            </a:r>
+            <a:r>
+              <a:rPr lang="en-US" dirty="0"/>
+              <a:t> </a:t>
+            </a:r>
+            <a:br>
+              <a:rPr lang="en-US" dirty="0"/>
+            </a:br>
+            <a:r>
+              <a:rPr lang="en-US" dirty="0"/>
+              <a:t>with </a:t>
+            </a:r>
+            <a:r>
+              <a:rPr lang="en-US" b="1" dirty="0" err="1">
+                <a:latin typeface="Consolas" panose="020B0609020204030204" pitchFamily="49" charset="0"/>
+              </a:rPr>
               <a:t>rl</a:t>
             </a:r>
             <a:r>
+              <a:rPr lang="en-US" b="1" dirty="0">
+                <a:latin typeface="Consolas" panose="020B0609020204030204" pitchFamily="49" charset="0"/>
+              </a:rPr>
+              <a:t>::</a:t>
+            </a:r>
+            <a:r>
               <a:rPr lang="en-US" dirty="0"/>
-              <a:t>::, and access vars of interest with suffix ($)</a:t>
+              <a:t>, and access vars of interest with suffix </a:t>
+            </a:r>
+            <a:r>
+              <a:rPr lang="en-US" b="1" dirty="0">
+                <a:latin typeface="Consolas" panose="020B0609020204030204" pitchFamily="49" charset="0"/>
+              </a:rPr>
+              <a:t>($)</a:t>
             </a:r>
           </a:p>
           <a:p>
             <a:pPr lvl="1"/>
             <a:r>
               <a:rPr lang="en-US" dirty="0"/>
-              <a:t>Can do with </a:t>
-            </a:r>
-            <a:r>
-              <a:rPr lang="en-US"/>
-              <a:t>macros cleanly</a:t>
-            </a:r>
+              <a:t>Can do with macros cleanly</a:t>
+            </a:r>
+          </a:p>
+          <a:p>
+            <a:pPr lvl="1"/>
             <a:endParaRPr lang="en-US" dirty="0"/>
+          </a:p>
+          <a:p>
+            <a:r>
+              <a:rPr lang="en-US" dirty="0"/>
+              <a:t>Ran significant tests on final ring.</a:t>
+            </a:r>
           </a:p>
         </p:txBody>
       </p:sp>
@@ -28641,6 +29946,36 @@
           </a:prstGeom>
         </p:spPr>
       </p:pic>
+      <p:pic>
+        <p:nvPicPr>
+          <p:cNvPr id="7" name="Picture 6">
+            <a:extLst>
+              <a:ext uri="{FF2B5EF4-FFF2-40B4-BE49-F238E27FC236}">
+                <a16:creationId xmlns:a16="http://schemas.microsoft.com/office/drawing/2014/main" id="{C14694F4-5DB7-4C3F-A1E1-554223BA2514}"/>
+              </a:ext>
+            </a:extLst>
+          </p:cNvPr>
+          <p:cNvPicPr>
+            <a:picLocks noChangeAspect="1"/>
+          </p:cNvPicPr>
+          <p:nvPr/>
+        </p:nvPicPr>
+        <p:blipFill>
+          <a:blip r:embed="rId3"/>
+          <a:stretch>
+            <a:fillRect/>
+          </a:stretch>
+        </p:blipFill>
+        <p:spPr>
+          <a:xfrm>
+            <a:off x="8779273" y="2507369"/>
+            <a:ext cx="3202592" cy="3892612"/>
+          </a:xfrm>
+          <a:prstGeom prst="rect">
+            <a:avLst/>
+          </a:prstGeom>
+        </p:spPr>
+      </p:pic>
     </p:spTree>
     <p:extLst>
       <p:ext uri="{BB962C8B-B14F-4D97-AF65-F5344CB8AC3E}">
@@ -28654,7 +29989,120 @@
 </p:sld>
 </file>
 
-<file path=ppt/slides/slide33.xml><?xml version="1.0" encoding="utf-8"?>
+<file path=ppt/slides/slide34.xml><?xml version="1.0" encoding="utf-8"?>
+<p:sld xmlns:a="http://schemas.openxmlformats.org/drawingml/2006/main" xmlns:r="http://schemas.openxmlformats.org/officeDocument/2006/relationships" xmlns:p="http://schemas.openxmlformats.org/presentationml/2006/main">
+  <p:cSld>
+    <p:spTree>
+      <p:nvGrpSpPr>
+        <p:cNvPr id="1" name=""/>
+        <p:cNvGrpSpPr/>
+        <p:nvPr/>
+      </p:nvGrpSpPr>
+      <p:grpSpPr>
+        <a:xfrm>
+          <a:off x="0" y="0"/>
+          <a:ext cx="0" cy="0"/>
+          <a:chOff x="0" y="0"/>
+          <a:chExt cx="0" cy="0"/>
+        </a:xfrm>
+      </p:grpSpPr>
+      <p:sp>
+        <p:nvSpPr>
+          <p:cNvPr id="2" name="Title 1">
+            <a:extLst>
+              <a:ext uri="{FF2B5EF4-FFF2-40B4-BE49-F238E27FC236}">
+                <a16:creationId xmlns:a16="http://schemas.microsoft.com/office/drawing/2014/main" id="{C31C4400-181D-43B7-8888-05CA9E6A1531}"/>
+              </a:ext>
+            </a:extLst>
+          </p:cNvPr>
+          <p:cNvSpPr>
+            <a:spLocks noGrp="1"/>
+          </p:cNvSpPr>
+          <p:nvPr>
+            <p:ph type="title"/>
+          </p:nvPr>
+        </p:nvSpPr>
+        <p:spPr/>
+        <p:txBody>
+          <a:bodyPr/>
+          <a:lstStyle/>
+          <a:p>
+            <a:r>
+              <a:rPr lang="en-US" dirty="0"/>
+              <a:t>Looking at generated assembly – very compact</a:t>
+            </a:r>
+          </a:p>
+        </p:txBody>
+      </p:sp>
+      <p:sp>
+        <p:nvSpPr>
+          <p:cNvPr id="7" name="Content Placeholder 6">
+            <a:extLst>
+              <a:ext uri="{FF2B5EF4-FFF2-40B4-BE49-F238E27FC236}">
+                <a16:creationId xmlns:a16="http://schemas.microsoft.com/office/drawing/2014/main" id="{B8E81CED-EEB7-4D56-BBD0-CEFB86321C06}"/>
+              </a:ext>
+            </a:extLst>
+          </p:cNvPr>
+          <p:cNvSpPr>
+            <a:spLocks noGrp="1"/>
+          </p:cNvSpPr>
+          <p:nvPr>
+            <p:ph idx="1"/>
+          </p:nvPr>
+        </p:nvSpPr>
+        <p:spPr/>
+        <p:txBody>
+          <a:bodyPr/>
+          <a:lstStyle/>
+          <a:p>
+            <a:endParaRPr lang="en-US"/>
+          </a:p>
+        </p:txBody>
+      </p:sp>
+      <p:pic>
+        <p:nvPicPr>
+          <p:cNvPr id="8" name="Picture 7">
+            <a:extLst>
+              <a:ext uri="{FF2B5EF4-FFF2-40B4-BE49-F238E27FC236}">
+                <a16:creationId xmlns:a16="http://schemas.microsoft.com/office/drawing/2014/main" id="{6B767C9A-9B27-4D59-82D1-BB4F7D99805A}"/>
+              </a:ext>
+            </a:extLst>
+          </p:cNvPr>
+          <p:cNvPicPr>
+            <a:picLocks noChangeAspect="1"/>
+          </p:cNvPicPr>
+          <p:nvPr/>
+        </p:nvPicPr>
+        <p:blipFill>
+          <a:blip r:embed="rId2"/>
+          <a:stretch>
+            <a:fillRect/>
+          </a:stretch>
+        </p:blipFill>
+        <p:spPr>
+          <a:xfrm>
+            <a:off x="0" y="127000"/>
+            <a:ext cx="12192000" cy="6604000"/>
+          </a:xfrm>
+          <a:prstGeom prst="rect">
+            <a:avLst/>
+          </a:prstGeom>
+        </p:spPr>
+      </p:pic>
+    </p:spTree>
+    <p:extLst>
+      <p:ext uri="{BB962C8B-B14F-4D97-AF65-F5344CB8AC3E}">
+        <p14:creationId xmlns:p14="http://schemas.microsoft.com/office/powerpoint/2010/main" val="791202765"/>
+      </p:ext>
+    </p:extLst>
+  </p:cSld>
+  <p:clrMapOvr>
+    <a:masterClrMapping/>
+  </p:clrMapOvr>
+</p:sld>
+</file>
+
+<file path=ppt/slides/slide35.xml><?xml version="1.0" encoding="utf-8"?>
 <p:sld xmlns:a="http://schemas.openxmlformats.org/drawingml/2006/main" xmlns:r="http://schemas.openxmlformats.org/officeDocument/2006/relationships" xmlns:p="http://schemas.openxmlformats.org/presentationml/2006/main">
   <p:cSld>
     <p:spTree>
@@ -28731,7 +30179,7 @@
       </p:sp>
       <p:graphicFrame>
         <p:nvGraphicFramePr>
-          <p:cNvPr id="5" name="Chart 4">
+          <p:cNvPr id="8" name="Chart 7">
             <a:extLst>
               <a:ext uri="{FF2B5EF4-FFF2-40B4-BE49-F238E27FC236}">
                 <a16:creationId xmlns:a16="http://schemas.microsoft.com/office/drawing/2014/main" id="{523D8C72-3EFA-4810-83EF-BDC13BE77751}"/>
@@ -28744,14 +30192,14 @@
           <p:nvPr>
             <p:extLst>
               <p:ext uri="{D42A27DB-BD31-4B8C-83A1-F6EECF244321}">
-                <p14:modId xmlns:p14="http://schemas.microsoft.com/office/powerpoint/2010/main" val="313301344"/>
+                <p14:modId xmlns:p14="http://schemas.microsoft.com/office/powerpoint/2010/main" val="2799187575"/>
               </p:ext>
             </p:extLst>
           </p:nvPr>
         </p:nvGraphicFramePr>
         <p:xfrm>
-          <a:off x="653473" y="2273141"/>
-          <a:ext cx="5247674" cy="3148604"/>
+          <a:off x="520847" y="2456609"/>
+          <a:ext cx="4941894" cy="2965136"/>
         </p:xfrm>
         <a:graphic>
           <a:graphicData uri="http://schemas.openxmlformats.org/drawingml/2006/chart">
@@ -28761,7 +30209,7 @@
       </p:graphicFrame>
       <p:graphicFrame>
         <p:nvGraphicFramePr>
-          <p:cNvPr id="6" name="Chart 5">
+          <p:cNvPr id="9" name="Chart 8">
             <a:extLst>
               <a:ext uri="{FF2B5EF4-FFF2-40B4-BE49-F238E27FC236}">
                 <a16:creationId xmlns:a16="http://schemas.microsoft.com/office/drawing/2014/main" id="{58A6430E-7D15-483A-90C8-A3CB15BC0137}"/>
@@ -28774,14 +30222,14 @@
           <p:nvPr>
             <p:extLst>
               <p:ext uri="{D42A27DB-BD31-4B8C-83A1-F6EECF244321}">
-                <p14:modId xmlns:p14="http://schemas.microsoft.com/office/powerpoint/2010/main" val="1540249549"/>
+                <p14:modId xmlns:p14="http://schemas.microsoft.com/office/powerpoint/2010/main" val="2672934840"/>
               </p:ext>
             </p:extLst>
           </p:nvPr>
         </p:nvGraphicFramePr>
         <p:xfrm>
-          <a:off x="6290855" y="2273141"/>
-          <a:ext cx="5247672" cy="3148604"/>
+          <a:off x="5462741" y="2456609"/>
+          <a:ext cx="4941892" cy="2965136"/>
         </p:xfrm>
         <a:graphic>
           <a:graphicData uri="http://schemas.openxmlformats.org/drawingml/2006/chart">
@@ -28802,7 +30250,7 @@
 </p:sld>
 </file>
 
-<file path=ppt/slides/slide34.xml><?xml version="1.0" encoding="utf-8"?>
+<file path=ppt/slides/slide36.xml><?xml version="1.0" encoding="utf-8"?>
 <p:sld xmlns:a="http://schemas.openxmlformats.org/drawingml/2006/main" xmlns:r="http://schemas.openxmlformats.org/officeDocument/2006/relationships" xmlns:p="http://schemas.openxmlformats.org/presentationml/2006/main">
   <p:cSld>
     <p:spTree>
@@ -29054,139 +30502,6 @@
     <p:extLst>
       <p:ext uri="{BB962C8B-B14F-4D97-AF65-F5344CB8AC3E}">
         <p14:creationId xmlns:p14="http://schemas.microsoft.com/office/powerpoint/2010/main" val="1087609606"/>
-      </p:ext>
-    </p:extLst>
-  </p:cSld>
-  <p:clrMapOvr>
-    <a:masterClrMapping/>
-  </p:clrMapOvr>
-</p:sld>
-</file>
-
-<file path=ppt/slides/slide35.xml><?xml version="1.0" encoding="utf-8"?>
-<p:sld xmlns:a="http://schemas.openxmlformats.org/drawingml/2006/main" xmlns:r="http://schemas.openxmlformats.org/officeDocument/2006/relationships" xmlns:p="http://schemas.openxmlformats.org/presentationml/2006/main">
-  <p:cSld>
-    <p:spTree>
-      <p:nvGrpSpPr>
-        <p:cNvPr id="1" name=""/>
-        <p:cNvGrpSpPr/>
-        <p:nvPr/>
-      </p:nvGrpSpPr>
-      <p:grpSpPr>
-        <a:xfrm>
-          <a:off x="0" y="0"/>
-          <a:ext cx="0" cy="0"/>
-          <a:chOff x="0" y="0"/>
-          <a:chExt cx="0" cy="0"/>
-        </a:xfrm>
-      </p:grpSpPr>
-      <p:sp>
-        <p:nvSpPr>
-          <p:cNvPr id="2" name="Title 1">
-            <a:extLst>
-              <a:ext uri="{FF2B5EF4-FFF2-40B4-BE49-F238E27FC236}">
-                <a16:creationId xmlns:a16="http://schemas.microsoft.com/office/drawing/2014/main" id="{C31C4400-181D-43B7-8888-05CA9E6A1531}"/>
-              </a:ext>
-            </a:extLst>
-          </p:cNvPr>
-          <p:cNvSpPr>
-            <a:spLocks noGrp="1"/>
-          </p:cNvSpPr>
-          <p:nvPr>
-            <p:ph type="title"/>
-          </p:nvPr>
-        </p:nvSpPr>
-        <p:spPr/>
-        <p:txBody>
-          <a:bodyPr/>
-          <a:lstStyle/>
-          <a:p>
-            <a:r>
-              <a:rPr lang="en-US" dirty="0"/>
-              <a:t>TODOs</a:t>
-            </a:r>
-          </a:p>
-        </p:txBody>
-      </p:sp>
-      <p:sp>
-        <p:nvSpPr>
-          <p:cNvPr id="3" name="Content Placeholder 2">
-            <a:extLst>
-              <a:ext uri="{FF2B5EF4-FFF2-40B4-BE49-F238E27FC236}">
-                <a16:creationId xmlns:a16="http://schemas.microsoft.com/office/drawing/2014/main" id="{96A8DF8F-AE57-4A23-9A3C-DC7CA2FC2577}"/>
-              </a:ext>
-            </a:extLst>
-          </p:cNvPr>
-          <p:cNvSpPr>
-            <a:spLocks noGrp="1"/>
-          </p:cNvSpPr>
-          <p:nvPr>
-            <p:ph idx="1"/>
-          </p:nvPr>
-        </p:nvSpPr>
-        <p:spPr/>
-        <p:txBody>
-          <a:bodyPr/>
-          <a:lstStyle/>
-          <a:p>
-            <a:r>
-              <a:rPr lang="en-US" dirty="0"/>
-              <a:t>TODO – want code sizes (lines of code, compiled size)</a:t>
-            </a:r>
-          </a:p>
-          <a:p>
-            <a:r>
-              <a:rPr lang="en-US" dirty="0"/>
-              <a:t>TODO – </a:t>
-            </a:r>
-            <a:r>
-              <a:rPr lang="en-US" dirty="0" err="1"/>
-              <a:t>godbolt</a:t>
-            </a:r>
-            <a:r>
-              <a:rPr lang="en-US" dirty="0"/>
-              <a:t> things</a:t>
-            </a:r>
-          </a:p>
-          <a:p>
-            <a:endParaRPr lang="en-US" dirty="0"/>
-          </a:p>
-        </p:txBody>
-      </p:sp>
-      <p:pic>
-        <p:nvPicPr>
-          <p:cNvPr id="5" name="Picture 4">
-            <a:extLst>
-              <a:ext uri="{FF2B5EF4-FFF2-40B4-BE49-F238E27FC236}">
-                <a16:creationId xmlns:a16="http://schemas.microsoft.com/office/drawing/2014/main" id="{670829A0-2543-4333-8EDA-43300CD8B6F3}"/>
-              </a:ext>
-            </a:extLst>
-          </p:cNvPr>
-          <p:cNvPicPr>
-            <a:picLocks noChangeAspect="1"/>
-          </p:cNvPicPr>
-          <p:nvPr/>
-        </p:nvPicPr>
-        <p:blipFill>
-          <a:blip r:embed="rId2"/>
-          <a:stretch>
-            <a:fillRect/>
-          </a:stretch>
-        </p:blipFill>
-        <p:spPr>
-          <a:xfrm>
-            <a:off x="8909807" y="365125"/>
-            <a:ext cx="2332415" cy="2091484"/>
-          </a:xfrm>
-          <a:prstGeom prst="rect">
-            <a:avLst/>
-          </a:prstGeom>
-        </p:spPr>
-      </p:pic>
-    </p:spTree>
-    <p:extLst>
-      <p:ext uri="{BB962C8B-B14F-4D97-AF65-F5344CB8AC3E}">
-        <p14:creationId xmlns:p14="http://schemas.microsoft.com/office/powerpoint/2010/main" val="3396097052"/>
       </p:ext>
     </p:extLst>
   </p:cSld>

--- a/Making a Ringbuffer.pptx
+++ b/Making a Ringbuffer.pptx
@@ -5,7 +5,7 @@
     <p:sldMasterId id="2147483648" r:id="rId1"/>
   </p:sldMasterIdLst>
   <p:notesMasterIdLst>
-    <p:notesMasterId r:id="rId38"/>
+    <p:notesMasterId r:id="rId39"/>
   </p:notesMasterIdLst>
   <p:sldIdLst>
     <p:sldId id="256" r:id="rId2"/>
@@ -43,7 +43,8 @@
     <p:sldId id="281" r:id="rId34"/>
     <p:sldId id="298" r:id="rId35"/>
     <p:sldId id="282" r:id="rId36"/>
-    <p:sldId id="294" r:id="rId37"/>
+    <p:sldId id="300" r:id="rId37"/>
+    <p:sldId id="294" r:id="rId38"/>
   </p:sldIdLst>
   <p:sldSz cx="12192000" cy="6858000"/>
   <p:notesSz cx="6881813" cy="9296400"/>
@@ -3233,6 +3234,856 @@
 </c:chartSpace>
 </file>
 
+<file path=ppt/charts/chart13.xml><?xml version="1.0" encoding="utf-8"?>
+<c:chartSpace xmlns:c="http://schemas.openxmlformats.org/drawingml/2006/chart" xmlns:a="http://schemas.openxmlformats.org/drawingml/2006/main" xmlns:r="http://schemas.openxmlformats.org/officeDocument/2006/relationships" xmlns:c16r2="http://schemas.microsoft.com/office/drawing/2015/06/chart">
+  <c:date1904 val="0"/>
+  <c:lang val="en-US"/>
+  <c:roundedCorners val="0"/>
+  <mc:AlternateContent xmlns:mc="http://schemas.openxmlformats.org/markup-compatibility/2006">
+    <mc:Choice xmlns:c14="http://schemas.microsoft.com/office/drawing/2007/8/2/chart" Requires="c14">
+      <c14:style val="102"/>
+    </mc:Choice>
+    <mc:Fallback>
+      <c:style val="2"/>
+    </mc:Fallback>
+  </mc:AlternateContent>
+  <c:chart>
+    <c:title>
+      <c:tx>
+        <c:rich>
+          <a:bodyPr rot="0" spcFirstLastPara="1" vertOverflow="ellipsis" vert="horz" wrap="square" anchor="ctr" anchorCtr="1"/>
+          <a:lstStyle/>
+          <a:p>
+            <a:pPr>
+              <a:defRPr sz="1400" b="0" i="0" u="none" strike="noStrike" kern="1200" spc="0" baseline="0">
+                <a:solidFill>
+                  <a:schemeClr val="tx1">
+                    <a:lumMod val="65000"/>
+                    <a:lumOff val="35000"/>
+                  </a:schemeClr>
+                </a:solidFill>
+                <a:latin typeface="+mn-lt"/>
+                <a:ea typeface="+mn-ea"/>
+                <a:cs typeface="+mn-cs"/>
+              </a:defRPr>
+            </a:pPr>
+            <a:r>
+              <a:rPr lang="en-US" dirty="0"/>
+              <a:t>Atmel SAMD21, Single test</a:t>
+            </a:r>
+          </a:p>
+          <a:p>
+            <a:pPr>
+              <a:defRPr/>
+            </a:pPr>
+            <a:r>
+              <a:rPr lang="en-US" dirty="0"/>
+              <a:t>Byte and block methods</a:t>
+            </a:r>
+            <a:br>
+              <a:rPr lang="en-US" dirty="0"/>
+            </a:br>
+            <a:r>
+              <a:rPr lang="en-US" dirty="0"/>
+              <a:t>kB/s</a:t>
+            </a:r>
+          </a:p>
+        </c:rich>
+      </c:tx>
+      <c:overlay val="0"/>
+      <c:spPr>
+        <a:noFill/>
+        <a:ln>
+          <a:noFill/>
+        </a:ln>
+        <a:effectLst/>
+      </c:spPr>
+      <c:txPr>
+        <a:bodyPr rot="0" spcFirstLastPara="1" vertOverflow="ellipsis" vert="horz" wrap="square" anchor="ctr" anchorCtr="1"/>
+        <a:lstStyle/>
+        <a:p>
+          <a:pPr>
+            <a:defRPr sz="1400" b="0" i="0" u="none" strike="noStrike" kern="1200" spc="0" baseline="0">
+              <a:solidFill>
+                <a:schemeClr val="tx1">
+                  <a:lumMod val="65000"/>
+                  <a:lumOff val="35000"/>
+                </a:schemeClr>
+              </a:solidFill>
+              <a:latin typeface="+mn-lt"/>
+              <a:ea typeface="+mn-ea"/>
+              <a:cs typeface="+mn-cs"/>
+            </a:defRPr>
+          </a:pPr>
+          <a:endParaRPr lang="en-US"/>
+        </a:p>
+      </c:txPr>
+    </c:title>
+    <c:autoTitleDeleted val="0"/>
+    <c:plotArea>
+      <c:layout/>
+      <c:barChart>
+        <c:barDir val="bar"/>
+        <c:grouping val="clustered"/>
+        <c:varyColors val="0"/>
+        <c:ser>
+          <c:idx val="0"/>
+          <c:order val="0"/>
+          <c:tx>
+            <c:strRef>
+              <c:f>Atmel!$I$3</c:f>
+              <c:strCache>
+                <c:ptCount val="1"/>
+                <c:pt idx="0">
+                  <c:v>Simple</c:v>
+                </c:pt>
+              </c:strCache>
+            </c:strRef>
+          </c:tx>
+          <c:spPr>
+            <a:solidFill>
+              <a:schemeClr val="accent1"/>
+            </a:solidFill>
+            <a:ln>
+              <a:noFill/>
+            </a:ln>
+            <a:effectLst/>
+          </c:spPr>
+          <c:invertIfNegative val="0"/>
+          <c:val>
+            <c:numRef>
+              <c:f>Atmel!$J$3</c:f>
+              <c:numCache>
+                <c:formatCode>0</c:formatCode>
+                <c:ptCount val="1"/>
+                <c:pt idx="0">
+                  <c:v>1713.2675438596491</c:v>
+                </c:pt>
+              </c:numCache>
+            </c:numRef>
+          </c:val>
+          <c:extLst>
+            <c:ext xmlns:c16="http://schemas.microsoft.com/office/drawing/2014/chart" uri="{C3380CC4-5D6E-409C-BE32-E72D297353CC}">
+              <c16:uniqueId val="{00000000-DA54-4674-BC3D-2A585F67AD63}"/>
+            </c:ext>
+          </c:extLst>
+        </c:ser>
+        <c:ser>
+          <c:idx val="1"/>
+          <c:order val="1"/>
+          <c:tx>
+            <c:strRef>
+              <c:f>Atmel!$I$4</c:f>
+              <c:strCache>
+                <c:ptCount val="1"/>
+                <c:pt idx="0">
+                  <c:v>Generic</c:v>
+                </c:pt>
+              </c:strCache>
+            </c:strRef>
+          </c:tx>
+          <c:spPr>
+            <a:solidFill>
+              <a:schemeClr val="accent2"/>
+            </a:solidFill>
+            <a:ln>
+              <a:noFill/>
+            </a:ln>
+            <a:effectLst/>
+          </c:spPr>
+          <c:invertIfNegative val="0"/>
+          <c:val>
+            <c:numRef>
+              <c:f>Atmel!$J$4</c:f>
+              <c:numCache>
+                <c:formatCode>0</c:formatCode>
+                <c:ptCount val="1"/>
+                <c:pt idx="0">
+                  <c:v>1713.2675438596491</c:v>
+                </c:pt>
+              </c:numCache>
+            </c:numRef>
+          </c:val>
+          <c:extLst>
+            <c:ext xmlns:c16="http://schemas.microsoft.com/office/drawing/2014/chart" uri="{C3380CC4-5D6E-409C-BE32-E72D297353CC}">
+              <c16:uniqueId val="{00000001-DA54-4674-BC3D-2A585F67AD63}"/>
+            </c:ext>
+          </c:extLst>
+        </c:ser>
+        <c:ser>
+          <c:idx val="2"/>
+          <c:order val="2"/>
+          <c:tx>
+            <c:strRef>
+              <c:f>Atmel!$I$5</c:f>
+              <c:strCache>
+                <c:ptCount val="1"/>
+                <c:pt idx="0">
+                  <c:v>Locked</c:v>
+                </c:pt>
+              </c:strCache>
+            </c:strRef>
+          </c:tx>
+          <c:spPr>
+            <a:solidFill>
+              <a:schemeClr val="accent3"/>
+            </a:solidFill>
+            <a:ln>
+              <a:noFill/>
+            </a:ln>
+            <a:effectLst/>
+          </c:spPr>
+          <c:invertIfNegative val="0"/>
+          <c:val>
+            <c:numRef>
+              <c:f>Atmel!$J$5</c:f>
+              <c:numCache>
+                <c:formatCode>0</c:formatCode>
+                <c:ptCount val="1"/>
+                <c:pt idx="0">
+                  <c:v>1713.2675438596491</c:v>
+                </c:pt>
+              </c:numCache>
+            </c:numRef>
+          </c:val>
+          <c:extLst>
+            <c:ext xmlns:c16="http://schemas.microsoft.com/office/drawing/2014/chart" uri="{C3380CC4-5D6E-409C-BE32-E72D297353CC}">
+              <c16:uniqueId val="{00000002-DA54-4674-BC3D-2A585F67AD63}"/>
+            </c:ext>
+          </c:extLst>
+        </c:ser>
+        <c:ser>
+          <c:idx val="3"/>
+          <c:order val="3"/>
+          <c:tx>
+            <c:strRef>
+              <c:f>Atmel!$I$6</c:f>
+              <c:strCache>
+                <c:ptCount val="1"/>
+                <c:pt idx="0">
+                  <c:v>Atomics</c:v>
+                </c:pt>
+              </c:strCache>
+            </c:strRef>
+          </c:tx>
+          <c:spPr>
+            <a:solidFill>
+              <a:schemeClr val="accent4"/>
+            </a:solidFill>
+            <a:ln>
+              <a:noFill/>
+            </a:ln>
+            <a:effectLst/>
+          </c:spPr>
+          <c:invertIfNegative val="0"/>
+          <c:val>
+            <c:numRef>
+              <c:f>Atmel!$J$6</c:f>
+              <c:numCache>
+                <c:formatCode>0</c:formatCode>
+                <c:ptCount val="1"/>
+                <c:pt idx="0">
+                  <c:v>561.24281609195407</c:v>
+                </c:pt>
+              </c:numCache>
+            </c:numRef>
+          </c:val>
+          <c:extLst>
+            <c:ext xmlns:c16="http://schemas.microsoft.com/office/drawing/2014/chart" uri="{C3380CC4-5D6E-409C-BE32-E72D297353CC}">
+              <c16:uniqueId val="{00000003-DA54-4674-BC3D-2A585F67AD63}"/>
+            </c:ext>
+          </c:extLst>
+        </c:ser>
+        <c:ser>
+          <c:idx val="4"/>
+          <c:order val="4"/>
+          <c:tx>
+            <c:strRef>
+              <c:f>Atmel!$I$7</c:f>
+              <c:strCache>
+                <c:ptCount val="1"/>
+                <c:pt idx="0">
+                  <c:v>Mod Slow</c:v>
+                </c:pt>
+              </c:strCache>
+            </c:strRef>
+          </c:tx>
+          <c:spPr>
+            <a:solidFill>
+              <a:schemeClr val="accent5"/>
+            </a:solidFill>
+            <a:ln>
+              <a:noFill/>
+            </a:ln>
+            <a:effectLst/>
+          </c:spPr>
+          <c:invertIfNegative val="0"/>
+          <c:val>
+            <c:numRef>
+              <c:f>Atmel!$J$7</c:f>
+              <c:numCache>
+                <c:formatCode>0</c:formatCode>
+                <c:ptCount val="1"/>
+                <c:pt idx="0">
+                  <c:v>542.53472222222229</c:v>
+                </c:pt>
+              </c:numCache>
+            </c:numRef>
+          </c:val>
+          <c:extLst>
+            <c:ext xmlns:c16="http://schemas.microsoft.com/office/drawing/2014/chart" uri="{C3380CC4-5D6E-409C-BE32-E72D297353CC}">
+              <c16:uniqueId val="{00000004-DA54-4674-BC3D-2A585F67AD63}"/>
+            </c:ext>
+          </c:extLst>
+        </c:ser>
+        <c:ser>
+          <c:idx val="5"/>
+          <c:order val="5"/>
+          <c:tx>
+            <c:strRef>
+              <c:f>Atmel!$I$8</c:f>
+              <c:strCache>
+                <c:ptCount val="1"/>
+                <c:pt idx="0">
+                  <c:v>Mod Mid</c:v>
+                </c:pt>
+              </c:strCache>
+            </c:strRef>
+          </c:tx>
+          <c:spPr>
+            <a:solidFill>
+              <a:schemeClr val="accent6"/>
+            </a:solidFill>
+            <a:ln>
+              <a:noFill/>
+            </a:ln>
+            <a:effectLst/>
+          </c:spPr>
+          <c:invertIfNegative val="0"/>
+          <c:val>
+            <c:numRef>
+              <c:f>Atmel!$J$8</c:f>
+              <c:numCache>
+                <c:formatCode>0</c:formatCode>
+                <c:ptCount val="1"/>
+                <c:pt idx="0">
+                  <c:v>551.73022598870057</c:v>
+                </c:pt>
+              </c:numCache>
+            </c:numRef>
+          </c:val>
+          <c:extLst>
+            <c:ext xmlns:c16="http://schemas.microsoft.com/office/drawing/2014/chart" uri="{C3380CC4-5D6E-409C-BE32-E72D297353CC}">
+              <c16:uniqueId val="{00000005-DA54-4674-BC3D-2A585F67AD63}"/>
+            </c:ext>
+          </c:extLst>
+        </c:ser>
+        <c:ser>
+          <c:idx val="6"/>
+          <c:order val="6"/>
+          <c:tx>
+            <c:strRef>
+              <c:f>Atmel!$I$9</c:f>
+              <c:strCache>
+                <c:ptCount val="1"/>
+                <c:pt idx="0">
+                  <c:v>Mod Fast</c:v>
+                </c:pt>
+              </c:strCache>
+            </c:strRef>
+          </c:tx>
+          <c:spPr>
+            <a:solidFill>
+              <a:schemeClr val="accent1">
+                <a:lumMod val="60000"/>
+              </a:schemeClr>
+            </a:solidFill>
+            <a:ln>
+              <a:noFill/>
+            </a:ln>
+            <a:effectLst/>
+          </c:spPr>
+          <c:invertIfNegative val="0"/>
+          <c:val>
+            <c:numRef>
+              <c:f>Atmel!$J$9</c:f>
+              <c:numCache>
+                <c:formatCode>0</c:formatCode>
+                <c:ptCount val="1"/>
+                <c:pt idx="0">
+                  <c:v>536.57280219780216</c:v>
+                </c:pt>
+              </c:numCache>
+            </c:numRef>
+          </c:val>
+          <c:extLst>
+            <c:ext xmlns:c16="http://schemas.microsoft.com/office/drawing/2014/chart" uri="{C3380CC4-5D6E-409C-BE32-E72D297353CC}">
+              <c16:uniqueId val="{00000006-DA54-4674-BC3D-2A585F67AD63}"/>
+            </c:ext>
+          </c:extLst>
+        </c:ser>
+        <c:ser>
+          <c:idx val="7"/>
+          <c:order val="7"/>
+          <c:tx>
+            <c:strRef>
+              <c:f>Atmel!$I$10</c:f>
+              <c:strCache>
+                <c:ptCount val="1"/>
+                <c:pt idx="0">
+                  <c:v>Relaxed</c:v>
+                </c:pt>
+              </c:strCache>
+            </c:strRef>
+          </c:tx>
+          <c:spPr>
+            <a:solidFill>
+              <a:schemeClr val="accent2">
+                <a:lumMod val="60000"/>
+              </a:schemeClr>
+            </a:solidFill>
+            <a:ln>
+              <a:noFill/>
+            </a:ln>
+            <a:effectLst/>
+          </c:spPr>
+          <c:invertIfNegative val="0"/>
+          <c:val>
+            <c:numRef>
+              <c:f>Atmel!$J$10</c:f>
+              <c:numCache>
+                <c:formatCode>0</c:formatCode>
+                <c:ptCount val="1"/>
+                <c:pt idx="0">
+                  <c:v>1302.0833333333335</c:v>
+                </c:pt>
+              </c:numCache>
+            </c:numRef>
+          </c:val>
+          <c:extLst>
+            <c:ext xmlns:c16="http://schemas.microsoft.com/office/drawing/2014/chart" uri="{C3380CC4-5D6E-409C-BE32-E72D297353CC}">
+              <c16:uniqueId val="{00000007-DA54-4674-BC3D-2A585F67AD63}"/>
+            </c:ext>
+          </c:extLst>
+        </c:ser>
+        <c:ser>
+          <c:idx val="8"/>
+          <c:order val="8"/>
+          <c:tx>
+            <c:strRef>
+              <c:f>Atmel!$I$11</c:f>
+              <c:strCache>
+                <c:ptCount val="1"/>
+                <c:pt idx="0">
+                  <c:v>Full</c:v>
+                </c:pt>
+              </c:strCache>
+            </c:strRef>
+          </c:tx>
+          <c:spPr>
+            <a:solidFill>
+              <a:schemeClr val="accent3">
+                <a:lumMod val="60000"/>
+              </a:schemeClr>
+            </a:solidFill>
+            <a:ln>
+              <a:noFill/>
+            </a:ln>
+            <a:effectLst/>
+          </c:spPr>
+          <c:invertIfNegative val="0"/>
+          <c:val>
+            <c:numRef>
+              <c:f>Atmel!$J$11</c:f>
+              <c:numCache>
+                <c:formatCode>0</c:formatCode>
+                <c:ptCount val="1"/>
+                <c:pt idx="0">
+                  <c:v>1236.1550632911392</c:v>
+                </c:pt>
+              </c:numCache>
+            </c:numRef>
+          </c:val>
+          <c:extLst>
+            <c:ext xmlns:c16="http://schemas.microsoft.com/office/drawing/2014/chart" uri="{C3380CC4-5D6E-409C-BE32-E72D297353CC}">
+              <c16:uniqueId val="{00000008-DA54-4674-BC3D-2A585F67AD63}"/>
+            </c:ext>
+          </c:extLst>
+        </c:ser>
+        <c:ser>
+          <c:idx val="9"/>
+          <c:order val="9"/>
+          <c:tx>
+            <c:strRef>
+              <c:f>Atmel!$I$12</c:f>
+              <c:strCache>
+                <c:ptCount val="1"/>
+                <c:pt idx="0">
+                  <c:v>Cache</c:v>
+                </c:pt>
+              </c:strCache>
+            </c:strRef>
+          </c:tx>
+          <c:spPr>
+            <a:solidFill>
+              <a:schemeClr val="accent4">
+                <a:lumMod val="60000"/>
+              </a:schemeClr>
+            </a:solidFill>
+            <a:ln>
+              <a:noFill/>
+            </a:ln>
+            <a:effectLst/>
+          </c:spPr>
+          <c:invertIfNegative val="0"/>
+          <c:val>
+            <c:numRef>
+              <c:f>Atmel!$J$12</c:f>
+              <c:numCache>
+                <c:formatCode>0</c:formatCode>
+                <c:ptCount val="1"/>
+                <c:pt idx="0">
+                  <c:v>1236.1550632911392</c:v>
+                </c:pt>
+              </c:numCache>
+            </c:numRef>
+          </c:val>
+          <c:extLst>
+            <c:ext xmlns:c16="http://schemas.microsoft.com/office/drawing/2014/chart" uri="{C3380CC4-5D6E-409C-BE32-E72D297353CC}">
+              <c16:uniqueId val="{00000009-DA54-4674-BC3D-2A585F67AD63}"/>
+            </c:ext>
+          </c:extLst>
+        </c:ser>
+        <c:ser>
+          <c:idx val="10"/>
+          <c:order val="10"/>
+          <c:tx>
+            <c:strRef>
+              <c:f>Atmel!$I$13</c:f>
+              <c:strCache>
+                <c:ptCount val="1"/>
+                <c:pt idx="0">
+                  <c:v>Blocks</c:v>
+                </c:pt>
+              </c:strCache>
+            </c:strRef>
+          </c:tx>
+          <c:spPr>
+            <a:solidFill>
+              <a:schemeClr val="accent5">
+                <a:lumMod val="60000"/>
+              </a:schemeClr>
+            </a:solidFill>
+            <a:ln>
+              <a:noFill/>
+            </a:ln>
+            <a:effectLst/>
+          </c:spPr>
+          <c:invertIfNegative val="0"/>
+          <c:val>
+            <c:numRef>
+              <c:f>Atmel!$J$13</c:f>
+              <c:numCache>
+                <c:formatCode>0</c:formatCode>
+                <c:ptCount val="1"/>
+                <c:pt idx="0">
+                  <c:v>1236.1550632911392</c:v>
+                </c:pt>
+              </c:numCache>
+            </c:numRef>
+          </c:val>
+          <c:extLst>
+            <c:ext xmlns:c16="http://schemas.microsoft.com/office/drawing/2014/chart" uri="{C3380CC4-5D6E-409C-BE32-E72D297353CC}">
+              <c16:uniqueId val="{0000000A-DA54-4674-BC3D-2A585F67AD63}"/>
+            </c:ext>
+          </c:extLst>
+        </c:ser>
+        <c:ser>
+          <c:idx val="11"/>
+          <c:order val="11"/>
+          <c:tx>
+            <c:strRef>
+              <c:f>Atmel!$I$14</c:f>
+              <c:strCache>
+                <c:ptCount val="1"/>
+                <c:pt idx="0">
+                  <c:v>Pred</c:v>
+                </c:pt>
+              </c:strCache>
+            </c:strRef>
+          </c:tx>
+          <c:spPr>
+            <a:solidFill>
+              <a:schemeClr val="accent6">
+                <a:lumMod val="60000"/>
+              </a:schemeClr>
+            </a:solidFill>
+            <a:ln>
+              <a:noFill/>
+            </a:ln>
+            <a:effectLst/>
+          </c:spPr>
+          <c:invertIfNegative val="0"/>
+          <c:val>
+            <c:numRef>
+              <c:f>Atmel!$J$14</c:f>
+              <c:numCache>
+                <c:formatCode>0</c:formatCode>
+                <c:ptCount val="1"/>
+                <c:pt idx="0">
+                  <c:v>1236.1550632911392</c:v>
+                </c:pt>
+              </c:numCache>
+            </c:numRef>
+          </c:val>
+          <c:extLst>
+            <c:ext xmlns:c16="http://schemas.microsoft.com/office/drawing/2014/chart" uri="{C3380CC4-5D6E-409C-BE32-E72D297353CC}">
+              <c16:uniqueId val="{0000000B-DA54-4674-BC3D-2A585F67AD63}"/>
+            </c:ext>
+          </c:extLst>
+        </c:ser>
+        <c:ser>
+          <c:idx val="12"/>
+          <c:order val="12"/>
+          <c:tx>
+            <c:strRef>
+              <c:f>Atmel!$I$15</c:f>
+              <c:strCache>
+                <c:ptCount val="1"/>
+                <c:pt idx="0">
+                  <c:v>Blocked Blocks</c:v>
+                </c:pt>
+              </c:strCache>
+            </c:strRef>
+          </c:tx>
+          <c:spPr>
+            <a:solidFill>
+              <a:schemeClr val="accent1">
+                <a:lumMod val="80000"/>
+                <a:lumOff val="20000"/>
+              </a:schemeClr>
+            </a:solidFill>
+            <a:ln>
+              <a:noFill/>
+            </a:ln>
+            <a:effectLst/>
+          </c:spPr>
+          <c:invertIfNegative val="0"/>
+          <c:val>
+            <c:numRef>
+              <c:f>Atmel!$J$15</c:f>
+              <c:numCache>
+                <c:formatCode>0</c:formatCode>
+                <c:ptCount val="1"/>
+                <c:pt idx="0">
+                  <c:v>2790.1785714285711</c:v>
+                </c:pt>
+              </c:numCache>
+            </c:numRef>
+          </c:val>
+          <c:extLst>
+            <c:ext xmlns:c16="http://schemas.microsoft.com/office/drawing/2014/chart" uri="{C3380CC4-5D6E-409C-BE32-E72D297353CC}">
+              <c16:uniqueId val="{0000000C-DA54-4674-BC3D-2A585F67AD63}"/>
+            </c:ext>
+          </c:extLst>
+        </c:ser>
+        <c:ser>
+          <c:idx val="13"/>
+          <c:order val="13"/>
+          <c:tx>
+            <c:strRef>
+              <c:f>Atmel!$I$16</c:f>
+              <c:strCache>
+                <c:ptCount val="1"/>
+                <c:pt idx="0">
+                  <c:v>Blocks Pred</c:v>
+                </c:pt>
+              </c:strCache>
+            </c:strRef>
+          </c:tx>
+          <c:spPr>
+            <a:solidFill>
+              <a:schemeClr val="accent2">
+                <a:lumMod val="80000"/>
+                <a:lumOff val="20000"/>
+              </a:schemeClr>
+            </a:solidFill>
+            <a:ln>
+              <a:noFill/>
+            </a:ln>
+            <a:effectLst/>
+          </c:spPr>
+          <c:invertIfNegative val="0"/>
+          <c:val>
+            <c:numRef>
+              <c:f>Atmel!$J$16</c:f>
+              <c:numCache>
+                <c:formatCode>0</c:formatCode>
+                <c:ptCount val="1"/>
+                <c:pt idx="0">
+                  <c:v>2639.3581081081084</c:v>
+                </c:pt>
+              </c:numCache>
+            </c:numRef>
+          </c:val>
+          <c:extLst>
+            <c:ext xmlns:c16="http://schemas.microsoft.com/office/drawing/2014/chart" uri="{C3380CC4-5D6E-409C-BE32-E72D297353CC}">
+              <c16:uniqueId val="{0000000D-DA54-4674-BC3D-2A585F67AD63}"/>
+            </c:ext>
+          </c:extLst>
+        </c:ser>
+        <c:dLbls>
+          <c:showLegendKey val="0"/>
+          <c:showVal val="0"/>
+          <c:showCatName val="0"/>
+          <c:showSerName val="0"/>
+          <c:showPercent val="0"/>
+          <c:showBubbleSize val="0"/>
+        </c:dLbls>
+        <c:gapWidth val="182"/>
+        <c:axId val="669021912"/>
+        <c:axId val="669020928"/>
+      </c:barChart>
+      <c:catAx>
+        <c:axId val="669021912"/>
+        <c:scaling>
+          <c:orientation val="minMax"/>
+        </c:scaling>
+        <c:delete val="1"/>
+        <c:axPos val="l"/>
+        <c:numFmt formatCode="General" sourceLinked="1"/>
+        <c:majorTickMark val="none"/>
+        <c:minorTickMark val="none"/>
+        <c:tickLblPos val="nextTo"/>
+        <c:crossAx val="669020928"/>
+        <c:crosses val="autoZero"/>
+        <c:auto val="1"/>
+        <c:lblAlgn val="ctr"/>
+        <c:lblOffset val="100"/>
+        <c:noMultiLvlLbl val="0"/>
+      </c:catAx>
+      <c:valAx>
+        <c:axId val="669020928"/>
+        <c:scaling>
+          <c:orientation val="minMax"/>
+        </c:scaling>
+        <c:delete val="0"/>
+        <c:axPos val="b"/>
+        <c:majorGridlines>
+          <c:spPr>
+            <a:ln w="9525" cap="flat" cmpd="sng" algn="ctr">
+              <a:solidFill>
+                <a:schemeClr val="tx1">
+                  <a:lumMod val="15000"/>
+                  <a:lumOff val="85000"/>
+                </a:schemeClr>
+              </a:solidFill>
+              <a:round/>
+            </a:ln>
+            <a:effectLst/>
+          </c:spPr>
+        </c:majorGridlines>
+        <c:numFmt formatCode="0" sourceLinked="1"/>
+        <c:majorTickMark val="none"/>
+        <c:minorTickMark val="none"/>
+        <c:tickLblPos val="nextTo"/>
+        <c:spPr>
+          <a:noFill/>
+          <a:ln>
+            <a:noFill/>
+          </a:ln>
+          <a:effectLst/>
+        </c:spPr>
+        <c:txPr>
+          <a:bodyPr rot="-60000000" spcFirstLastPara="1" vertOverflow="ellipsis" vert="horz" wrap="square" anchor="ctr" anchorCtr="1"/>
+          <a:lstStyle/>
+          <a:p>
+            <a:pPr>
+              <a:defRPr sz="900" b="0" i="0" u="none" strike="noStrike" kern="1200" baseline="0">
+                <a:solidFill>
+                  <a:schemeClr val="tx1">
+                    <a:lumMod val="65000"/>
+                    <a:lumOff val="35000"/>
+                  </a:schemeClr>
+                </a:solidFill>
+                <a:latin typeface="+mn-lt"/>
+                <a:ea typeface="+mn-ea"/>
+                <a:cs typeface="+mn-cs"/>
+              </a:defRPr>
+            </a:pPr>
+            <a:endParaRPr lang="en-US"/>
+          </a:p>
+        </c:txPr>
+        <c:crossAx val="669021912"/>
+        <c:crosses val="autoZero"/>
+        <c:crossBetween val="between"/>
+      </c:valAx>
+      <c:spPr>
+        <a:noFill/>
+        <a:ln>
+          <a:noFill/>
+        </a:ln>
+        <a:effectLst/>
+      </c:spPr>
+    </c:plotArea>
+    <c:legend>
+      <c:legendPos val="b"/>
+      <c:overlay val="0"/>
+      <c:spPr>
+        <a:noFill/>
+        <a:ln>
+          <a:noFill/>
+        </a:ln>
+        <a:effectLst/>
+      </c:spPr>
+      <c:txPr>
+        <a:bodyPr rot="0" spcFirstLastPara="1" vertOverflow="ellipsis" vert="horz" wrap="square" anchor="ctr" anchorCtr="1"/>
+        <a:lstStyle/>
+        <a:p>
+          <a:pPr>
+            <a:defRPr sz="900" b="0" i="0" u="none" strike="noStrike" kern="1200" baseline="0">
+              <a:solidFill>
+                <a:schemeClr val="tx1">
+                  <a:lumMod val="65000"/>
+                  <a:lumOff val="35000"/>
+                </a:schemeClr>
+              </a:solidFill>
+              <a:latin typeface="+mn-lt"/>
+              <a:ea typeface="+mn-ea"/>
+              <a:cs typeface="+mn-cs"/>
+            </a:defRPr>
+          </a:pPr>
+          <a:endParaRPr lang="en-US"/>
+        </a:p>
+      </c:txPr>
+    </c:legend>
+    <c:plotVisOnly val="1"/>
+    <c:dispBlanksAs val="gap"/>
+    <c:showDLblsOverMax val="0"/>
+  </c:chart>
+  <c:spPr>
+    <a:noFill/>
+    <a:ln>
+      <a:noFill/>
+    </a:ln>
+    <a:effectLst/>
+  </c:spPr>
+  <c:txPr>
+    <a:bodyPr/>
+    <a:lstStyle/>
+    <a:p>
+      <a:pPr>
+        <a:defRPr/>
+      </a:pPr>
+      <a:endParaRPr lang="en-US"/>
+    </a:p>
+  </c:txPr>
+  <c:externalData r:id="rId3">
+    <c:autoUpdate val="0"/>
+  </c:externalData>
+</c:chartSpace>
+</file>
+
 <file path=ppt/charts/chart2.xml><?xml version="1.0" encoding="utf-8"?>
 <c:chartSpace xmlns:c="http://schemas.openxmlformats.org/drawingml/2006/chart" xmlns:a="http://schemas.openxmlformats.org/drawingml/2006/main" xmlns:r="http://schemas.openxmlformats.org/officeDocument/2006/relationships" xmlns:c16r2="http://schemas.microsoft.com/office/drawing/2015/06/chart">
   <c:date1904 val="0"/>
@@ -7178,6 +8029,46 @@
 </cs:colorStyle>
 </file>
 
+<file path=ppt/charts/colors13.xml><?xml version="1.0" encoding="utf-8"?>
+<cs:colorStyle xmlns:cs="http://schemas.microsoft.com/office/drawing/2012/chartStyle" xmlns:a="http://schemas.openxmlformats.org/drawingml/2006/main" meth="cycle" id="10">
+  <a:schemeClr val="accent1"/>
+  <a:schemeClr val="accent2"/>
+  <a:schemeClr val="accent3"/>
+  <a:schemeClr val="accent4"/>
+  <a:schemeClr val="accent5"/>
+  <a:schemeClr val="accent6"/>
+  <cs:variation/>
+  <cs:variation>
+    <a:lumMod val="60000"/>
+  </cs:variation>
+  <cs:variation>
+    <a:lumMod val="80000"/>
+    <a:lumOff val="20000"/>
+  </cs:variation>
+  <cs:variation>
+    <a:lumMod val="80000"/>
+  </cs:variation>
+  <cs:variation>
+    <a:lumMod val="60000"/>
+    <a:lumOff val="40000"/>
+  </cs:variation>
+  <cs:variation>
+    <a:lumMod val="50000"/>
+  </cs:variation>
+  <cs:variation>
+    <a:lumMod val="70000"/>
+    <a:lumOff val="30000"/>
+  </cs:variation>
+  <cs:variation>
+    <a:lumMod val="70000"/>
+  </cs:variation>
+  <cs:variation>
+    <a:lumMod val="50000"/>
+    <a:lumOff val="50000"/>
+  </cs:variation>
+</cs:colorStyle>
+</file>
+
 <file path=ppt/charts/colors2.xml><?xml version="1.0" encoding="utf-8"?>
 <cs:colorStyle xmlns:cs="http://schemas.microsoft.com/office/drawing/2012/chartStyle" xmlns:a="http://schemas.openxmlformats.org/drawingml/2006/main" meth="cycle" id="10">
   <a:schemeClr val="accent1"/>
@@ -9514,6 +10405,511 @@
 </cs:chartStyle>
 </file>
 
+<file path=ppt/charts/style13.xml><?xml version="1.0" encoding="utf-8"?>
+<cs:chartStyle xmlns:cs="http://schemas.microsoft.com/office/drawing/2012/chartStyle" xmlns:a="http://schemas.openxmlformats.org/drawingml/2006/main" id="216">
+  <cs:axisTitle>
+    <cs:lnRef idx="0"/>
+    <cs:fillRef idx="0"/>
+    <cs:effectRef idx="0"/>
+    <cs:fontRef idx="minor">
+      <a:schemeClr val="tx1">
+        <a:lumMod val="65000"/>
+        <a:lumOff val="35000"/>
+      </a:schemeClr>
+    </cs:fontRef>
+    <cs:defRPr sz="1000" kern="1200"/>
+  </cs:axisTitle>
+  <cs:categoryAxis>
+    <cs:lnRef idx="0"/>
+    <cs:fillRef idx="0"/>
+    <cs:effectRef idx="0"/>
+    <cs:fontRef idx="minor">
+      <a:schemeClr val="tx1">
+        <a:lumMod val="65000"/>
+        <a:lumOff val="35000"/>
+      </a:schemeClr>
+    </cs:fontRef>
+    <cs:spPr>
+      <a:ln w="9525" cap="flat" cmpd="sng" algn="ctr">
+        <a:solidFill>
+          <a:schemeClr val="tx1">
+            <a:lumMod val="15000"/>
+            <a:lumOff val="85000"/>
+          </a:schemeClr>
+        </a:solidFill>
+        <a:round/>
+      </a:ln>
+    </cs:spPr>
+    <cs:defRPr sz="900" kern="1200"/>
+  </cs:categoryAxis>
+  <cs:chartArea mods="allowNoFillOverride allowNoLineOverride">
+    <cs:lnRef idx="0"/>
+    <cs:fillRef idx="0"/>
+    <cs:effectRef idx="0"/>
+    <cs:fontRef idx="minor">
+      <a:schemeClr val="tx1"/>
+    </cs:fontRef>
+    <cs:spPr>
+      <a:solidFill>
+        <a:schemeClr val="bg1"/>
+      </a:solidFill>
+      <a:ln w="9525" cap="flat" cmpd="sng" algn="ctr">
+        <a:solidFill>
+          <a:schemeClr val="tx1">
+            <a:lumMod val="15000"/>
+            <a:lumOff val="85000"/>
+          </a:schemeClr>
+        </a:solidFill>
+        <a:round/>
+      </a:ln>
+    </cs:spPr>
+    <cs:defRPr sz="1000" kern="1200"/>
+  </cs:chartArea>
+  <cs:dataLabel>
+    <cs:lnRef idx="0"/>
+    <cs:fillRef idx="0"/>
+    <cs:effectRef idx="0"/>
+    <cs:fontRef idx="minor">
+      <a:schemeClr val="tx1">
+        <a:lumMod val="75000"/>
+        <a:lumOff val="25000"/>
+      </a:schemeClr>
+    </cs:fontRef>
+    <cs:defRPr sz="900" kern="1200"/>
+  </cs:dataLabel>
+  <cs:dataLabelCallout>
+    <cs:lnRef idx="0"/>
+    <cs:fillRef idx="0"/>
+    <cs:effectRef idx="0"/>
+    <cs:fontRef idx="minor">
+      <a:schemeClr val="dk1">
+        <a:lumMod val="65000"/>
+        <a:lumOff val="35000"/>
+      </a:schemeClr>
+    </cs:fontRef>
+    <cs:spPr>
+      <a:solidFill>
+        <a:schemeClr val="lt1"/>
+      </a:solidFill>
+      <a:ln>
+        <a:solidFill>
+          <a:schemeClr val="dk1">
+            <a:lumMod val="25000"/>
+            <a:lumOff val="75000"/>
+          </a:schemeClr>
+        </a:solidFill>
+      </a:ln>
+    </cs:spPr>
+    <cs:defRPr sz="900" kern="1200"/>
+    <cs:bodyPr rot="0" spcFirstLastPara="1" vertOverflow="clip" horzOverflow="clip" vert="horz" wrap="square" lIns="36576" tIns="18288" rIns="36576" bIns="18288" anchor="ctr" anchorCtr="1">
+      <a:spAutoFit/>
+    </cs:bodyPr>
+  </cs:dataLabelCallout>
+  <cs:dataPoint>
+    <cs:lnRef idx="0"/>
+    <cs:fillRef idx="1">
+      <cs:styleClr val="auto"/>
+    </cs:fillRef>
+    <cs:effectRef idx="0"/>
+    <cs:fontRef idx="minor">
+      <a:schemeClr val="tx1"/>
+    </cs:fontRef>
+  </cs:dataPoint>
+  <cs:dataPoint3D>
+    <cs:lnRef idx="0"/>
+    <cs:fillRef idx="1">
+      <cs:styleClr val="auto"/>
+    </cs:fillRef>
+    <cs:effectRef idx="0"/>
+    <cs:fontRef idx="minor">
+      <a:schemeClr val="tx1"/>
+    </cs:fontRef>
+  </cs:dataPoint3D>
+  <cs:dataPointLine>
+    <cs:lnRef idx="0">
+      <cs:styleClr val="auto"/>
+    </cs:lnRef>
+    <cs:fillRef idx="1"/>
+    <cs:effectRef idx="0"/>
+    <cs:fontRef idx="minor">
+      <a:schemeClr val="tx1"/>
+    </cs:fontRef>
+    <cs:spPr>
+      <a:ln w="28575" cap="rnd">
+        <a:solidFill>
+          <a:schemeClr val="phClr"/>
+        </a:solidFill>
+        <a:round/>
+      </a:ln>
+    </cs:spPr>
+  </cs:dataPointLine>
+  <cs:dataPointMarker>
+    <cs:lnRef idx="0">
+      <cs:styleClr val="auto"/>
+    </cs:lnRef>
+    <cs:fillRef idx="1">
+      <cs:styleClr val="auto"/>
+    </cs:fillRef>
+    <cs:effectRef idx="0"/>
+    <cs:fontRef idx="minor">
+      <a:schemeClr val="tx1"/>
+    </cs:fontRef>
+    <cs:spPr>
+      <a:ln w="9525">
+        <a:solidFill>
+          <a:schemeClr val="phClr"/>
+        </a:solidFill>
+      </a:ln>
+    </cs:spPr>
+  </cs:dataPointMarker>
+  <cs:dataPointMarkerLayout symbol="circle" size="5"/>
+  <cs:dataPointWireframe>
+    <cs:lnRef idx="0">
+      <cs:styleClr val="auto"/>
+    </cs:lnRef>
+    <cs:fillRef idx="1"/>
+    <cs:effectRef idx="0"/>
+    <cs:fontRef idx="minor">
+      <a:schemeClr val="tx1"/>
+    </cs:fontRef>
+    <cs:spPr>
+      <a:ln w="9525" cap="rnd">
+        <a:solidFill>
+          <a:schemeClr val="phClr"/>
+        </a:solidFill>
+        <a:round/>
+      </a:ln>
+    </cs:spPr>
+  </cs:dataPointWireframe>
+  <cs:dataTable>
+    <cs:lnRef idx="0"/>
+    <cs:fillRef idx="0"/>
+    <cs:effectRef idx="0"/>
+    <cs:fontRef idx="minor">
+      <a:schemeClr val="tx1">
+        <a:lumMod val="65000"/>
+        <a:lumOff val="35000"/>
+      </a:schemeClr>
+    </cs:fontRef>
+    <cs:spPr>
+      <a:noFill/>
+      <a:ln w="9525" cap="flat" cmpd="sng" algn="ctr">
+        <a:solidFill>
+          <a:schemeClr val="tx1">
+            <a:lumMod val="15000"/>
+            <a:lumOff val="85000"/>
+          </a:schemeClr>
+        </a:solidFill>
+        <a:round/>
+      </a:ln>
+    </cs:spPr>
+    <cs:defRPr sz="900" kern="1200"/>
+  </cs:dataTable>
+  <cs:downBar>
+    <cs:lnRef idx="0"/>
+    <cs:fillRef idx="0"/>
+    <cs:effectRef idx="0"/>
+    <cs:fontRef idx="minor">
+      <a:schemeClr val="tx1"/>
+    </cs:fontRef>
+    <cs:spPr>
+      <a:solidFill>
+        <a:schemeClr val="dk1">
+          <a:lumMod val="75000"/>
+          <a:lumOff val="25000"/>
+        </a:schemeClr>
+      </a:solidFill>
+      <a:ln w="9525" cap="flat" cmpd="sng" algn="ctr">
+        <a:solidFill>
+          <a:schemeClr val="tx1">
+            <a:lumMod val="65000"/>
+            <a:lumOff val="35000"/>
+          </a:schemeClr>
+        </a:solidFill>
+        <a:round/>
+      </a:ln>
+    </cs:spPr>
+  </cs:downBar>
+  <cs:dropLine>
+    <cs:lnRef idx="0"/>
+    <cs:fillRef idx="0"/>
+    <cs:effectRef idx="0"/>
+    <cs:fontRef idx="minor">
+      <a:schemeClr val="tx1"/>
+    </cs:fontRef>
+    <cs:spPr>
+      <a:ln w="9525" cap="flat" cmpd="sng" algn="ctr">
+        <a:solidFill>
+          <a:schemeClr val="tx1">
+            <a:lumMod val="35000"/>
+            <a:lumOff val="65000"/>
+          </a:schemeClr>
+        </a:solidFill>
+        <a:round/>
+      </a:ln>
+    </cs:spPr>
+  </cs:dropLine>
+  <cs:errorBar>
+    <cs:lnRef idx="0"/>
+    <cs:fillRef idx="0"/>
+    <cs:effectRef idx="0"/>
+    <cs:fontRef idx="minor">
+      <a:schemeClr val="tx1"/>
+    </cs:fontRef>
+    <cs:spPr>
+      <a:ln w="9525" cap="flat" cmpd="sng" algn="ctr">
+        <a:solidFill>
+          <a:schemeClr val="tx1">
+            <a:lumMod val="65000"/>
+            <a:lumOff val="35000"/>
+          </a:schemeClr>
+        </a:solidFill>
+        <a:round/>
+      </a:ln>
+    </cs:spPr>
+  </cs:errorBar>
+  <cs:floor>
+    <cs:lnRef idx="0"/>
+    <cs:fillRef idx="0"/>
+    <cs:effectRef idx="0"/>
+    <cs:fontRef idx="minor">
+      <a:schemeClr val="tx1"/>
+    </cs:fontRef>
+    <cs:spPr>
+      <a:noFill/>
+      <a:ln>
+        <a:noFill/>
+      </a:ln>
+    </cs:spPr>
+  </cs:floor>
+  <cs:gridlineMajor>
+    <cs:lnRef idx="0"/>
+    <cs:fillRef idx="0"/>
+    <cs:effectRef idx="0"/>
+    <cs:fontRef idx="minor">
+      <a:schemeClr val="tx1"/>
+    </cs:fontRef>
+    <cs:spPr>
+      <a:ln w="9525" cap="flat" cmpd="sng" algn="ctr">
+        <a:solidFill>
+          <a:schemeClr val="tx1">
+            <a:lumMod val="15000"/>
+            <a:lumOff val="85000"/>
+          </a:schemeClr>
+        </a:solidFill>
+        <a:round/>
+      </a:ln>
+    </cs:spPr>
+  </cs:gridlineMajor>
+  <cs:gridlineMinor>
+    <cs:lnRef idx="0"/>
+    <cs:fillRef idx="0"/>
+    <cs:effectRef idx="0"/>
+    <cs:fontRef idx="minor">
+      <a:schemeClr val="tx1"/>
+    </cs:fontRef>
+    <cs:spPr>
+      <a:ln w="9525" cap="flat" cmpd="sng" algn="ctr">
+        <a:solidFill>
+          <a:schemeClr val="tx1">
+            <a:lumMod val="5000"/>
+            <a:lumOff val="95000"/>
+          </a:schemeClr>
+        </a:solidFill>
+        <a:round/>
+      </a:ln>
+    </cs:spPr>
+  </cs:gridlineMinor>
+  <cs:hiLoLine>
+    <cs:lnRef idx="0"/>
+    <cs:fillRef idx="0"/>
+    <cs:effectRef idx="0"/>
+    <cs:fontRef idx="minor">
+      <a:schemeClr val="tx1"/>
+    </cs:fontRef>
+    <cs:spPr>
+      <a:ln w="9525" cap="flat" cmpd="sng" algn="ctr">
+        <a:solidFill>
+          <a:schemeClr val="tx1">
+            <a:lumMod val="50000"/>
+            <a:lumOff val="50000"/>
+          </a:schemeClr>
+        </a:solidFill>
+        <a:round/>
+      </a:ln>
+    </cs:spPr>
+  </cs:hiLoLine>
+  <cs:leaderLine>
+    <cs:lnRef idx="0"/>
+    <cs:fillRef idx="0"/>
+    <cs:effectRef idx="0"/>
+    <cs:fontRef idx="minor">
+      <a:schemeClr val="tx1"/>
+    </cs:fontRef>
+    <cs:spPr>
+      <a:ln w="9525" cap="flat" cmpd="sng" algn="ctr">
+        <a:solidFill>
+          <a:schemeClr val="tx1">
+            <a:lumMod val="35000"/>
+            <a:lumOff val="65000"/>
+          </a:schemeClr>
+        </a:solidFill>
+        <a:round/>
+      </a:ln>
+    </cs:spPr>
+  </cs:leaderLine>
+  <cs:legend>
+    <cs:lnRef idx="0"/>
+    <cs:fillRef idx="0"/>
+    <cs:effectRef idx="0"/>
+    <cs:fontRef idx="minor">
+      <a:schemeClr val="tx1">
+        <a:lumMod val="65000"/>
+        <a:lumOff val="35000"/>
+      </a:schemeClr>
+    </cs:fontRef>
+    <cs:defRPr sz="900" kern="1200"/>
+  </cs:legend>
+  <cs:plotArea mods="allowNoFillOverride allowNoLineOverride">
+    <cs:lnRef idx="0"/>
+    <cs:fillRef idx="0"/>
+    <cs:effectRef idx="0"/>
+    <cs:fontRef idx="minor">
+      <a:schemeClr val="tx1"/>
+    </cs:fontRef>
+  </cs:plotArea>
+  <cs:plotArea3D mods="allowNoFillOverride allowNoLineOverride">
+    <cs:lnRef idx="0"/>
+    <cs:fillRef idx="0"/>
+    <cs:effectRef idx="0"/>
+    <cs:fontRef idx="minor">
+      <a:schemeClr val="tx1"/>
+    </cs:fontRef>
+  </cs:plotArea3D>
+  <cs:seriesAxis>
+    <cs:lnRef idx="0"/>
+    <cs:fillRef idx="0"/>
+    <cs:effectRef idx="0"/>
+    <cs:fontRef idx="minor">
+      <a:schemeClr val="tx1">
+        <a:lumMod val="65000"/>
+        <a:lumOff val="35000"/>
+      </a:schemeClr>
+    </cs:fontRef>
+    <cs:defRPr sz="900" kern="1200"/>
+  </cs:seriesAxis>
+  <cs:seriesLine>
+    <cs:lnRef idx="0"/>
+    <cs:fillRef idx="0"/>
+    <cs:effectRef idx="0"/>
+    <cs:fontRef idx="minor">
+      <a:schemeClr val="tx1"/>
+    </cs:fontRef>
+    <cs:spPr>
+      <a:ln w="9525" cap="flat" cmpd="sng" algn="ctr">
+        <a:solidFill>
+          <a:schemeClr val="tx1">
+            <a:lumMod val="35000"/>
+            <a:lumOff val="65000"/>
+          </a:schemeClr>
+        </a:solidFill>
+        <a:round/>
+      </a:ln>
+    </cs:spPr>
+  </cs:seriesLine>
+  <cs:title>
+    <cs:lnRef idx="0"/>
+    <cs:fillRef idx="0"/>
+    <cs:effectRef idx="0"/>
+    <cs:fontRef idx="minor">
+      <a:schemeClr val="tx1">
+        <a:lumMod val="65000"/>
+        <a:lumOff val="35000"/>
+      </a:schemeClr>
+    </cs:fontRef>
+    <cs:defRPr sz="1400" b="0" kern="1200" spc="0" baseline="0"/>
+  </cs:title>
+  <cs:trendline>
+    <cs:lnRef idx="0">
+      <cs:styleClr val="auto"/>
+    </cs:lnRef>
+    <cs:fillRef idx="0"/>
+    <cs:effectRef idx="0"/>
+    <cs:fontRef idx="minor">
+      <a:schemeClr val="tx1"/>
+    </cs:fontRef>
+    <cs:spPr>
+      <a:ln w="19050" cap="rnd">
+        <a:solidFill>
+          <a:schemeClr val="phClr"/>
+        </a:solidFill>
+        <a:prstDash val="sysDot"/>
+      </a:ln>
+    </cs:spPr>
+  </cs:trendline>
+  <cs:trendlineLabel>
+    <cs:lnRef idx="0"/>
+    <cs:fillRef idx="0"/>
+    <cs:effectRef idx="0"/>
+    <cs:fontRef idx="minor">
+      <a:schemeClr val="tx1">
+        <a:lumMod val="65000"/>
+        <a:lumOff val="35000"/>
+      </a:schemeClr>
+    </cs:fontRef>
+    <cs:defRPr sz="900" kern="1200"/>
+  </cs:trendlineLabel>
+  <cs:upBar>
+    <cs:lnRef idx="0"/>
+    <cs:fillRef idx="0"/>
+    <cs:effectRef idx="0"/>
+    <cs:fontRef idx="minor">
+      <a:schemeClr val="tx1"/>
+    </cs:fontRef>
+    <cs:spPr>
+      <a:solidFill>
+        <a:schemeClr val="lt1"/>
+      </a:solidFill>
+      <a:ln w="9525" cap="flat" cmpd="sng" algn="ctr">
+        <a:solidFill>
+          <a:schemeClr val="tx1">
+            <a:lumMod val="65000"/>
+            <a:lumOff val="35000"/>
+          </a:schemeClr>
+        </a:solidFill>
+        <a:round/>
+      </a:ln>
+    </cs:spPr>
+  </cs:upBar>
+  <cs:valueAxis>
+    <cs:lnRef idx="0"/>
+    <cs:fillRef idx="0"/>
+    <cs:effectRef idx="0"/>
+    <cs:fontRef idx="minor">
+      <a:schemeClr val="tx1">
+        <a:lumMod val="65000"/>
+        <a:lumOff val="35000"/>
+      </a:schemeClr>
+    </cs:fontRef>
+    <cs:defRPr sz="900" kern="1200"/>
+  </cs:valueAxis>
+  <cs:wall>
+    <cs:lnRef idx="0"/>
+    <cs:fillRef idx="0"/>
+    <cs:effectRef idx="0"/>
+    <cs:fontRef idx="minor">
+      <a:schemeClr val="tx1"/>
+    </cs:fontRef>
+    <cs:spPr>
+      <a:noFill/>
+      <a:ln>
+        <a:noFill/>
+      </a:ln>
+    </cs:spPr>
+  </cs:wall>
+</cs:chartStyle>
+</file>
+
 <file path=ppt/charts/style2.xml><?xml version="1.0" encoding="utf-8"?>
 <cs:chartStyle xmlns:cs="http://schemas.microsoft.com/office/drawing/2012/chartStyle" xmlns:a="http://schemas.openxmlformats.org/drawingml/2006/main" id="201">
   <cs:axisTitle>
@@ -13620,7 +15016,7 @@
           <a:p>
             <a:fld id="{DD5EE146-CC1B-4321-8D89-C9A011C5D52E}" type="datetimeFigureOut">
               <a:rPr lang="en-US" smtClean="0"/>
-              <a:t>3/25/2019</a:t>
+              <a:t>3/27/2019</a:t>
             </a:fld>
             <a:endParaRPr lang="en-US"/>
           </a:p>
@@ -14586,7 +15982,7 @@
           <a:p>
             <a:fld id="{4DA0354E-AA42-4BB8-BAD4-EE3A2847D240}" type="datetimeFigureOut">
               <a:rPr lang="en-US" smtClean="0"/>
-              <a:t>3/25/2019</a:t>
+              <a:t>3/27/2019</a:t>
             </a:fld>
             <a:endParaRPr lang="en-US"/>
           </a:p>
@@ -14784,7 +16180,7 @@
           <a:p>
             <a:fld id="{4DA0354E-AA42-4BB8-BAD4-EE3A2847D240}" type="datetimeFigureOut">
               <a:rPr lang="en-US" smtClean="0"/>
-              <a:t>3/25/2019</a:t>
+              <a:t>3/27/2019</a:t>
             </a:fld>
             <a:endParaRPr lang="en-US"/>
           </a:p>
@@ -14992,7 +16388,7 @@
           <a:p>
             <a:fld id="{4DA0354E-AA42-4BB8-BAD4-EE3A2847D240}" type="datetimeFigureOut">
               <a:rPr lang="en-US" smtClean="0"/>
-              <a:t>3/25/2019</a:t>
+              <a:t>3/27/2019</a:t>
             </a:fld>
             <a:endParaRPr lang="en-US"/>
           </a:p>
@@ -15190,7 +16586,7 @@
           <a:p>
             <a:fld id="{4DA0354E-AA42-4BB8-BAD4-EE3A2847D240}" type="datetimeFigureOut">
               <a:rPr lang="en-US" smtClean="0"/>
-              <a:t>3/25/2019</a:t>
+              <a:t>3/27/2019</a:t>
             </a:fld>
             <a:endParaRPr lang="en-US"/>
           </a:p>
@@ -15465,7 +16861,7 @@
           <a:p>
             <a:fld id="{4DA0354E-AA42-4BB8-BAD4-EE3A2847D240}" type="datetimeFigureOut">
               <a:rPr lang="en-US" smtClean="0"/>
-              <a:t>3/25/2019</a:t>
+              <a:t>3/27/2019</a:t>
             </a:fld>
             <a:endParaRPr lang="en-US"/>
           </a:p>
@@ -15730,7 +17126,7 @@
           <a:p>
             <a:fld id="{4DA0354E-AA42-4BB8-BAD4-EE3A2847D240}" type="datetimeFigureOut">
               <a:rPr lang="en-US" smtClean="0"/>
-              <a:t>3/25/2019</a:t>
+              <a:t>3/27/2019</a:t>
             </a:fld>
             <a:endParaRPr lang="en-US"/>
           </a:p>
@@ -16142,7 +17538,7 @@
           <a:p>
             <a:fld id="{4DA0354E-AA42-4BB8-BAD4-EE3A2847D240}" type="datetimeFigureOut">
               <a:rPr lang="en-US" smtClean="0"/>
-              <a:t>3/25/2019</a:t>
+              <a:t>3/27/2019</a:t>
             </a:fld>
             <a:endParaRPr lang="en-US"/>
           </a:p>
@@ -16283,7 +17679,7 @@
           <a:p>
             <a:fld id="{4DA0354E-AA42-4BB8-BAD4-EE3A2847D240}" type="datetimeFigureOut">
               <a:rPr lang="en-US" smtClean="0"/>
-              <a:t>3/25/2019</a:t>
+              <a:t>3/27/2019</a:t>
             </a:fld>
             <a:endParaRPr lang="en-US"/>
           </a:p>
@@ -16396,7 +17792,7 @@
           <a:p>
             <a:fld id="{4DA0354E-AA42-4BB8-BAD4-EE3A2847D240}" type="datetimeFigureOut">
               <a:rPr lang="en-US" smtClean="0"/>
-              <a:t>3/25/2019</a:t>
+              <a:t>3/27/2019</a:t>
             </a:fld>
             <a:endParaRPr lang="en-US"/>
           </a:p>
@@ -16707,7 +18103,7 @@
           <a:p>
             <a:fld id="{4DA0354E-AA42-4BB8-BAD4-EE3A2847D240}" type="datetimeFigureOut">
               <a:rPr lang="en-US" smtClean="0"/>
-              <a:t>3/25/2019</a:t>
+              <a:t>3/27/2019</a:t>
             </a:fld>
             <a:endParaRPr lang="en-US"/>
           </a:p>
@@ -16995,7 +18391,7 @@
           <a:p>
             <a:fld id="{4DA0354E-AA42-4BB8-BAD4-EE3A2847D240}" type="datetimeFigureOut">
               <a:rPr lang="en-US" smtClean="0"/>
-              <a:t>3/25/2019</a:t>
+              <a:t>3/27/2019</a:t>
             </a:fld>
             <a:endParaRPr lang="en-US"/>
           </a:p>
@@ -17236,7 +18632,7 @@
           <a:p>
             <a:fld id="{4DA0354E-AA42-4BB8-BAD4-EE3A2847D240}" type="datetimeFigureOut">
               <a:rPr lang="en-US" smtClean="0"/>
-              <a:t>3/25/2019</a:t>
+              <a:t>3/27/2019</a:t>
             </a:fld>
             <a:endParaRPr lang="en-US"/>
           </a:p>
@@ -30251,6 +31647,124 @@
 </file>
 
 <file path=ppt/slides/slide36.xml><?xml version="1.0" encoding="utf-8"?>
+<p:sld xmlns:a="http://schemas.openxmlformats.org/drawingml/2006/main" xmlns:r="http://schemas.openxmlformats.org/officeDocument/2006/relationships" xmlns:p="http://schemas.openxmlformats.org/presentationml/2006/main">
+  <p:cSld>
+    <p:spTree>
+      <p:nvGrpSpPr>
+        <p:cNvPr id="1" name=""/>
+        <p:cNvGrpSpPr/>
+        <p:nvPr/>
+      </p:nvGrpSpPr>
+      <p:grpSpPr>
+        <a:xfrm>
+          <a:off x="0" y="0"/>
+          <a:ext cx="0" cy="0"/>
+          <a:chOff x="0" y="0"/>
+          <a:chExt cx="0" cy="0"/>
+        </a:xfrm>
+      </p:grpSpPr>
+      <p:pic>
+        <p:nvPicPr>
+          <p:cNvPr id="7" name="Picture 6">
+            <a:extLst>
+              <a:ext uri="{FF2B5EF4-FFF2-40B4-BE49-F238E27FC236}">
+                <a16:creationId xmlns:a16="http://schemas.microsoft.com/office/drawing/2014/main" id="{6D3AFCE9-53D7-4468-914E-E53F01993EC9}"/>
+              </a:ext>
+            </a:extLst>
+          </p:cNvPr>
+          <p:cNvPicPr>
+            <a:picLocks noChangeAspect="1"/>
+          </p:cNvPicPr>
+          <p:nvPr/>
+        </p:nvPicPr>
+        <p:blipFill>
+          <a:blip r:embed="rId2"/>
+          <a:stretch>
+            <a:fillRect/>
+          </a:stretch>
+        </p:blipFill>
+        <p:spPr>
+          <a:xfrm>
+            <a:off x="8909807" y="365125"/>
+            <a:ext cx="2332415" cy="2091484"/>
+          </a:xfrm>
+          <a:prstGeom prst="rect">
+            <a:avLst/>
+          </a:prstGeom>
+        </p:spPr>
+      </p:pic>
+      <p:sp>
+        <p:nvSpPr>
+          <p:cNvPr id="2" name="Title 1">
+            <a:extLst>
+              <a:ext uri="{FF2B5EF4-FFF2-40B4-BE49-F238E27FC236}">
+                <a16:creationId xmlns:a16="http://schemas.microsoft.com/office/drawing/2014/main" id="{C31C4400-181D-43B7-8888-05CA9E6A1531}"/>
+              </a:ext>
+            </a:extLst>
+          </p:cNvPr>
+          <p:cNvSpPr>
+            <a:spLocks noGrp="1"/>
+          </p:cNvSpPr>
+          <p:nvPr>
+            <p:ph type="title"/>
+          </p:nvPr>
+        </p:nvSpPr>
+        <p:spPr/>
+        <p:txBody>
+          <a:bodyPr/>
+          <a:lstStyle/>
+          <a:p>
+            <a:r>
+              <a:rPr lang="en-US" dirty="0"/>
+              <a:t>Performance 7		</a:t>
+            </a:r>
+          </a:p>
+        </p:txBody>
+      </p:sp>
+      <p:graphicFrame>
+        <p:nvGraphicFramePr>
+          <p:cNvPr id="6" name="Chart 5">
+            <a:extLst>
+              <a:ext uri="{FF2B5EF4-FFF2-40B4-BE49-F238E27FC236}">
+                <a16:creationId xmlns:a16="http://schemas.microsoft.com/office/drawing/2014/main" id="{56C8F388-70DC-4396-94CD-05E2B539490F}"/>
+              </a:ext>
+            </a:extLst>
+          </p:cNvPr>
+          <p:cNvGraphicFramePr>
+            <a:graphicFrameLocks/>
+          </p:cNvGraphicFramePr>
+          <p:nvPr>
+            <p:extLst>
+              <p:ext uri="{D42A27DB-BD31-4B8C-83A1-F6EECF244321}">
+                <p14:modId xmlns:p14="http://schemas.microsoft.com/office/powerpoint/2010/main" val="196353057"/>
+              </p:ext>
+            </p:extLst>
+          </p:nvPr>
+        </p:nvGraphicFramePr>
+        <p:xfrm>
+          <a:off x="838199" y="1788318"/>
+          <a:ext cx="9149179" cy="4051276"/>
+        </p:xfrm>
+        <a:graphic>
+          <a:graphicData uri="http://schemas.openxmlformats.org/drawingml/2006/chart">
+            <c:chart xmlns:c="http://schemas.openxmlformats.org/drawingml/2006/chart" xmlns:r="http://schemas.openxmlformats.org/officeDocument/2006/relationships" r:id="rId3"/>
+          </a:graphicData>
+        </a:graphic>
+      </p:graphicFrame>
+    </p:spTree>
+    <p:extLst>
+      <p:ext uri="{BB962C8B-B14F-4D97-AF65-F5344CB8AC3E}">
+        <p14:creationId xmlns:p14="http://schemas.microsoft.com/office/powerpoint/2010/main" val="2349385966"/>
+      </p:ext>
+    </p:extLst>
+  </p:cSld>
+  <p:clrMapOvr>
+    <a:masterClrMapping/>
+  </p:clrMapOvr>
+</p:sld>
+</file>
+
+<file path=ppt/slides/slide37.xml><?xml version="1.0" encoding="utf-8"?>
 <p:sld xmlns:a="http://schemas.openxmlformats.org/drawingml/2006/main" xmlns:r="http://schemas.openxmlformats.org/officeDocument/2006/relationships" xmlns:p="http://schemas.openxmlformats.org/presentationml/2006/main">
   <p:cSld>
     <p:spTree>

--- a/Making a Ringbuffer.pptx
+++ b/Making a Ringbuffer.pptx
@@ -149,6 +149,35 @@
     </p:ext>
   </p:extLst>
 </p:presentation>
+</file>
+
+<file path=ppt/changesInfos/changesInfo1.xml><?xml version="1.0" encoding="utf-8"?>
+<pc:chgInfo xmlns:a="http://schemas.openxmlformats.org/drawingml/2006/main" xmlns:r="http://schemas.openxmlformats.org/officeDocument/2006/relationships" xmlns:ac="http://schemas.microsoft.com/office/drawing/2013/main/command" xmlns:pc="http://schemas.microsoft.com/office/powerpoint/2013/main/command">
+  <pc:docChgLst>
+    <pc:chgData name="Chris Lomont" userId="1a7054fce7274690" providerId="LiveId" clId="{CCA1B98E-1AF6-44D6-8BDE-633EA42B1DFF}"/>
+    <pc:docChg chg="modSld">
+      <pc:chgData name="Chris Lomont" userId="1a7054fce7274690" providerId="LiveId" clId="{CCA1B98E-1AF6-44D6-8BDE-633EA42B1DFF}" dt="2020-02-20T01:21:34.496" v="0" actId="6549"/>
+      <pc:docMkLst>
+        <pc:docMk/>
+      </pc:docMkLst>
+      <pc:sldChg chg="modSp">
+        <pc:chgData name="Chris Lomont" userId="1a7054fce7274690" providerId="LiveId" clId="{CCA1B98E-1AF6-44D6-8BDE-633EA42B1DFF}" dt="2020-02-20T01:21:34.496" v="0" actId="6549"/>
+        <pc:sldMkLst>
+          <pc:docMk/>
+          <pc:sldMk cId="839429038" sldId="256"/>
+        </pc:sldMkLst>
+        <pc:spChg chg="mod">
+          <ac:chgData name="Chris Lomont" userId="1a7054fce7274690" providerId="LiveId" clId="{CCA1B98E-1AF6-44D6-8BDE-633EA42B1DFF}" dt="2020-02-20T01:21:34.496" v="0" actId="6549"/>
+          <ac:spMkLst>
+            <pc:docMk/>
+            <pc:sldMk cId="839429038" sldId="256"/>
+            <ac:spMk id="3" creationId="{BE35B30C-002F-42D2-B9BD-8CD87E13DC37}"/>
+          </ac:spMkLst>
+        </pc:spChg>
+      </pc:sldChg>
+    </pc:docChg>
+  </pc:docChgLst>
+</pc:chgInfo>
 </file>
 
 <file path=ppt/charts/chart1.xml><?xml version="1.0" encoding="utf-8"?>
@@ -15016,7 +15045,7 @@
           <a:p>
             <a:fld id="{DD5EE146-CC1B-4321-8D89-C9A011C5D52E}" type="datetimeFigureOut">
               <a:rPr lang="en-US" smtClean="0"/>
-              <a:t>3/27/2019</a:t>
+              <a:t>2/19/2020</a:t>
             </a:fld>
             <a:endParaRPr lang="en-US"/>
           </a:p>
@@ -15982,7 +16011,7 @@
           <a:p>
             <a:fld id="{4DA0354E-AA42-4BB8-BAD4-EE3A2847D240}" type="datetimeFigureOut">
               <a:rPr lang="en-US" smtClean="0"/>
-              <a:t>3/27/2019</a:t>
+              <a:t>2/19/2020</a:t>
             </a:fld>
             <a:endParaRPr lang="en-US"/>
           </a:p>
@@ -16180,7 +16209,7 @@
           <a:p>
             <a:fld id="{4DA0354E-AA42-4BB8-BAD4-EE3A2847D240}" type="datetimeFigureOut">
               <a:rPr lang="en-US" smtClean="0"/>
-              <a:t>3/27/2019</a:t>
+              <a:t>2/19/2020</a:t>
             </a:fld>
             <a:endParaRPr lang="en-US"/>
           </a:p>
@@ -16388,7 +16417,7 @@
           <a:p>
             <a:fld id="{4DA0354E-AA42-4BB8-BAD4-EE3A2847D240}" type="datetimeFigureOut">
               <a:rPr lang="en-US" smtClean="0"/>
-              <a:t>3/27/2019</a:t>
+              <a:t>2/19/2020</a:t>
             </a:fld>
             <a:endParaRPr lang="en-US"/>
           </a:p>
@@ -16586,7 +16615,7 @@
           <a:p>
             <a:fld id="{4DA0354E-AA42-4BB8-BAD4-EE3A2847D240}" type="datetimeFigureOut">
               <a:rPr lang="en-US" smtClean="0"/>
-              <a:t>3/27/2019</a:t>
+              <a:t>2/19/2020</a:t>
             </a:fld>
             <a:endParaRPr lang="en-US"/>
           </a:p>
@@ -16861,7 +16890,7 @@
           <a:p>
             <a:fld id="{4DA0354E-AA42-4BB8-BAD4-EE3A2847D240}" type="datetimeFigureOut">
               <a:rPr lang="en-US" smtClean="0"/>
-              <a:t>3/27/2019</a:t>
+              <a:t>2/19/2020</a:t>
             </a:fld>
             <a:endParaRPr lang="en-US"/>
           </a:p>
@@ -17126,7 +17155,7 @@
           <a:p>
             <a:fld id="{4DA0354E-AA42-4BB8-BAD4-EE3A2847D240}" type="datetimeFigureOut">
               <a:rPr lang="en-US" smtClean="0"/>
-              <a:t>3/27/2019</a:t>
+              <a:t>2/19/2020</a:t>
             </a:fld>
             <a:endParaRPr lang="en-US"/>
           </a:p>
@@ -17538,7 +17567,7 @@
           <a:p>
             <a:fld id="{4DA0354E-AA42-4BB8-BAD4-EE3A2847D240}" type="datetimeFigureOut">
               <a:rPr lang="en-US" smtClean="0"/>
-              <a:t>3/27/2019</a:t>
+              <a:t>2/19/2020</a:t>
             </a:fld>
             <a:endParaRPr lang="en-US"/>
           </a:p>
@@ -17679,7 +17708,7 @@
           <a:p>
             <a:fld id="{4DA0354E-AA42-4BB8-BAD4-EE3A2847D240}" type="datetimeFigureOut">
               <a:rPr lang="en-US" smtClean="0"/>
-              <a:t>3/27/2019</a:t>
+              <a:t>2/19/2020</a:t>
             </a:fld>
             <a:endParaRPr lang="en-US"/>
           </a:p>
@@ -17792,7 +17821,7 @@
           <a:p>
             <a:fld id="{4DA0354E-AA42-4BB8-BAD4-EE3A2847D240}" type="datetimeFigureOut">
               <a:rPr lang="en-US" smtClean="0"/>
-              <a:t>3/27/2019</a:t>
+              <a:t>2/19/2020</a:t>
             </a:fld>
             <a:endParaRPr lang="en-US"/>
           </a:p>
@@ -18103,7 +18132,7 @@
           <a:p>
             <a:fld id="{4DA0354E-AA42-4BB8-BAD4-EE3A2847D240}" type="datetimeFigureOut">
               <a:rPr lang="en-US" smtClean="0"/>
-              <a:t>3/27/2019</a:t>
+              <a:t>2/19/2020</a:t>
             </a:fld>
             <a:endParaRPr lang="en-US"/>
           </a:p>
@@ -18391,7 +18420,7 @@
           <a:p>
             <a:fld id="{4DA0354E-AA42-4BB8-BAD4-EE3A2847D240}" type="datetimeFigureOut">
               <a:rPr lang="en-US" smtClean="0"/>
-              <a:t>3/27/2019</a:t>
+              <a:t>2/19/2020</a:t>
             </a:fld>
             <a:endParaRPr lang="en-US"/>
           </a:p>
@@ -18632,7 +18661,7 @@
           <a:p>
             <a:fld id="{4DA0354E-AA42-4BB8-BAD4-EE3A2847D240}" type="datetimeFigureOut">
               <a:rPr lang="en-US" smtClean="0"/>
-              <a:t>3/27/2019</a:t>
+              <a:t>2/19/2020</a:t>
             </a:fld>
             <a:endParaRPr lang="en-US"/>
           </a:p>
@@ -19122,12 +19151,6 @@
           </a:p>
           <a:p>
             <a:r>
-              <a:rPr lang="en-US" dirty="0">
-                <a:hlinkClick r:id="rId4"/>
-              </a:rPr>
-              <a:t>clomont@Logikos.com</a:t>
-            </a:r>
-            <a:r>
               <a:rPr lang="en-US" dirty="0"/>
               <a:t> </a:t>
             </a:r>
@@ -19149,7 +19172,7 @@
           <p:nvPr/>
         </p:nvPicPr>
         <p:blipFill>
-          <a:blip r:embed="rId5"/>
+          <a:blip r:embed="rId4"/>
           <a:stretch>
             <a:fillRect/>
           </a:stretch>
